--- a/Dependencies Demystified.pptx
+++ b/Dependencies Demystified.pptx
@@ -5,54 +5,53 @@
     <p:sldMasterId id="2147483648" r:id="rId4"/>
   </p:sldMasterIdLst>
   <p:notesMasterIdLst>
-    <p:notesMasterId r:id="rId50"/>
+    <p:notesMasterId r:id="rId49"/>
   </p:notesMasterIdLst>
   <p:sldIdLst>
-    <p:sldId id="270" r:id="rId5"/>
-    <p:sldId id="271" r:id="rId6"/>
-    <p:sldId id="272" r:id="rId7"/>
-    <p:sldId id="273" r:id="rId8"/>
-    <p:sldId id="274" r:id="rId9"/>
-    <p:sldId id="275" r:id="rId10"/>
-    <p:sldId id="276" r:id="rId11"/>
-    <p:sldId id="277" r:id="rId12"/>
-    <p:sldId id="278" r:id="rId13"/>
-    <p:sldId id="279" r:id="rId14"/>
-    <p:sldId id="280" r:id="rId15"/>
-    <p:sldId id="281" r:id="rId16"/>
-    <p:sldId id="282" r:id="rId17"/>
-    <p:sldId id="283" r:id="rId18"/>
-    <p:sldId id="284" r:id="rId19"/>
-    <p:sldId id="285" r:id="rId20"/>
-    <p:sldId id="286" r:id="rId21"/>
-    <p:sldId id="287" r:id="rId22"/>
-    <p:sldId id="288" r:id="rId23"/>
-    <p:sldId id="289" r:id="rId24"/>
-    <p:sldId id="290" r:id="rId25"/>
-    <p:sldId id="291" r:id="rId26"/>
-    <p:sldId id="292" r:id="rId27"/>
-    <p:sldId id="293" r:id="rId28"/>
-    <p:sldId id="294" r:id="rId29"/>
-    <p:sldId id="295" r:id="rId30"/>
-    <p:sldId id="296" r:id="rId31"/>
-    <p:sldId id="297" r:id="rId32"/>
-    <p:sldId id="298" r:id="rId33"/>
-    <p:sldId id="299" r:id="rId34"/>
-    <p:sldId id="300" r:id="rId35"/>
-    <p:sldId id="301" r:id="rId36"/>
-    <p:sldId id="302" r:id="rId37"/>
-    <p:sldId id="303" r:id="rId38"/>
-    <p:sldId id="304" r:id="rId39"/>
-    <p:sldId id="305" r:id="rId40"/>
-    <p:sldId id="306" r:id="rId41"/>
-    <p:sldId id="307" r:id="rId42"/>
-    <p:sldId id="308" r:id="rId43"/>
-    <p:sldId id="309" r:id="rId44"/>
-    <p:sldId id="310" r:id="rId45"/>
-    <p:sldId id="311" r:id="rId46"/>
-    <p:sldId id="314" r:id="rId47"/>
-    <p:sldId id="315" r:id="rId48"/>
-    <p:sldId id="316" r:id="rId49"/>
+    <p:sldId id="271" r:id="rId5"/>
+    <p:sldId id="272" r:id="rId6"/>
+    <p:sldId id="273" r:id="rId7"/>
+    <p:sldId id="274" r:id="rId8"/>
+    <p:sldId id="275" r:id="rId9"/>
+    <p:sldId id="276" r:id="rId10"/>
+    <p:sldId id="277" r:id="rId11"/>
+    <p:sldId id="278" r:id="rId12"/>
+    <p:sldId id="279" r:id="rId13"/>
+    <p:sldId id="280" r:id="rId14"/>
+    <p:sldId id="281" r:id="rId15"/>
+    <p:sldId id="282" r:id="rId16"/>
+    <p:sldId id="283" r:id="rId17"/>
+    <p:sldId id="284" r:id="rId18"/>
+    <p:sldId id="285" r:id="rId19"/>
+    <p:sldId id="286" r:id="rId20"/>
+    <p:sldId id="287" r:id="rId21"/>
+    <p:sldId id="288" r:id="rId22"/>
+    <p:sldId id="289" r:id="rId23"/>
+    <p:sldId id="290" r:id="rId24"/>
+    <p:sldId id="291" r:id="rId25"/>
+    <p:sldId id="292" r:id="rId26"/>
+    <p:sldId id="293" r:id="rId27"/>
+    <p:sldId id="294" r:id="rId28"/>
+    <p:sldId id="295" r:id="rId29"/>
+    <p:sldId id="296" r:id="rId30"/>
+    <p:sldId id="297" r:id="rId31"/>
+    <p:sldId id="298" r:id="rId32"/>
+    <p:sldId id="299" r:id="rId33"/>
+    <p:sldId id="300" r:id="rId34"/>
+    <p:sldId id="301" r:id="rId35"/>
+    <p:sldId id="302" r:id="rId36"/>
+    <p:sldId id="303" r:id="rId37"/>
+    <p:sldId id="304" r:id="rId38"/>
+    <p:sldId id="305" r:id="rId39"/>
+    <p:sldId id="306" r:id="rId40"/>
+    <p:sldId id="307" r:id="rId41"/>
+    <p:sldId id="308" r:id="rId42"/>
+    <p:sldId id="309" r:id="rId43"/>
+    <p:sldId id="310" r:id="rId44"/>
+    <p:sldId id="311" r:id="rId45"/>
+    <p:sldId id="314" r:id="rId46"/>
+    <p:sldId id="315" r:id="rId47"/>
+    <p:sldId id="316" r:id="rId48"/>
   </p:sldIdLst>
   <p:sldSz cx="12192000" cy="6858000"/>
   <p:notesSz cx="6858000" cy="9144000"/>
@@ -16955,7 +16954,7 @@
     </p:spTree>
     <p:extLst>
       <p:ext uri="{BB962C8B-B14F-4D97-AF65-F5344CB8AC3E}">
-        <p14:creationId xmlns:p14="http://schemas.microsoft.com/office/powerpoint/2010/main" val="3428348324"/>
+        <p14:creationId xmlns:p14="http://schemas.microsoft.com/office/powerpoint/2010/main" val="241678235"/>
       </p:ext>
     </p:extLst>
   </p:cSld>
@@ -17011,7 +17010,7 @@
           <a:p>
             <a:r>
               <a:rPr lang="en-US" baseline="0" dirty="0"/>
-              <a:t>That’s all dependencies are. This is the simplest answer I could come up with off the top of my head</a:t>
+              <a:t>A canonical example is DB access. You can write code that talks to a database directly, or…</a:t>
             </a:r>
             <a:endParaRPr lang="en-US" dirty="0"/>
           </a:p>
@@ -17043,7 +17042,7 @@
     </p:spTree>
     <p:extLst>
       <p:ext uri="{BB962C8B-B14F-4D97-AF65-F5344CB8AC3E}">
-        <p14:creationId xmlns:p14="http://schemas.microsoft.com/office/powerpoint/2010/main" val="3898480509"/>
+        <p14:creationId xmlns:p14="http://schemas.microsoft.com/office/powerpoint/2010/main" val="3201345906"/>
       </p:ext>
     </p:extLst>
   </p:cSld>
@@ -17099,7 +17098,16 @@
           <a:p>
             <a:r>
               <a:rPr lang="en-US" baseline="0" dirty="0"/>
-              <a:t>A canonical example is DB access. You can write code that talks to a database directly, or…</a:t>
+              <a:t>You can use an interface instead. The implementation is given to you, but you don’t know or care how it’s implemented. You just use the interface definition.</a:t>
+            </a:r>
+          </a:p>
+          <a:p>
+            <a:endParaRPr lang="en-US" baseline="0" dirty="0"/>
+          </a:p>
+          <a:p>
+            <a:r>
+              <a:rPr lang="en-US" baseline="0" dirty="0"/>
+              <a:t>Note that this is usually passed into an object on construction. There are other ways to do it, but the majority of the time it’s constructor injection.</a:t>
             </a:r>
             <a:endParaRPr lang="en-US" dirty="0"/>
           </a:p>
@@ -17131,7 +17139,7 @@
     </p:spTree>
     <p:extLst>
       <p:ext uri="{BB962C8B-B14F-4D97-AF65-F5344CB8AC3E}">
-        <p14:creationId xmlns:p14="http://schemas.microsoft.com/office/powerpoint/2010/main" val="3201345906"/>
+        <p14:creationId xmlns:p14="http://schemas.microsoft.com/office/powerpoint/2010/main" val="122744047"/>
       </p:ext>
     </p:extLst>
   </p:cSld>
@@ -17186,17 +17194,16 @@
           <a:lstStyle/>
           <a:p>
             <a:r>
+              <a:rPr lang="en-US" dirty="0"/>
+              <a:t>This is one of the best quotes</a:t>
+            </a:r>
+            <a:r>
               <a:rPr lang="en-US" baseline="0" dirty="0"/>
-              <a:t>You can use an interface instead. The implementation is given to you, but you don’t know or care how it’s implemented. You just use the interface definition.</a:t>
-            </a:r>
-          </a:p>
-          <a:p>
-            <a:endParaRPr lang="en-US" baseline="0" dirty="0"/>
-          </a:p>
-          <a:p>
-            <a:r>
-              <a:rPr lang="en-US" baseline="0" dirty="0"/>
-              <a:t>Note that this is usually passed into an object on construction. There are other ways to do it, but the majority of the time it’s constructor injection.</a:t>
+              <a:t> in Design Patterns. The patterns themselves are good, but they’re all based on this premise. You don’t want to how the patterns are implemented, you just want to use them in </a:t>
+            </a:r>
+            <a:r>
+              <a:rPr lang="en-US" baseline="0"/>
+              <a:t>a pluggable way.</a:t>
             </a:r>
             <a:endParaRPr lang="en-US" dirty="0"/>
           </a:p>
@@ -17228,7 +17235,7 @@
     </p:spTree>
     <p:extLst>
       <p:ext uri="{BB962C8B-B14F-4D97-AF65-F5344CB8AC3E}">
-        <p14:creationId xmlns:p14="http://schemas.microsoft.com/office/powerpoint/2010/main" val="122744047"/>
+        <p14:creationId xmlns:p14="http://schemas.microsoft.com/office/powerpoint/2010/main" val="355686464"/>
       </p:ext>
     </p:extLst>
   </p:cSld>
@@ -17284,15 +17291,19 @@
           <a:p>
             <a:r>
               <a:rPr lang="en-US" dirty="0"/>
-              <a:t>This is one of the best quotes</a:t>
-            </a:r>
-            <a:r>
-              <a:rPr lang="en-US" baseline="0" dirty="0"/>
-              <a:t> in Design Patterns. The patterns themselves are good, but they’re all based on this premise. You don’t want to how the patterns are implemented, you just want to use them in </a:t>
-            </a:r>
-            <a:r>
-              <a:rPr lang="en-US" baseline="0"/>
-              <a:t>a pluggable way.</a:t>
+              <a:t>And why is this beneficial? One, you can blame others </a:t>
+            </a:r>
+            <a:r>
+              <a:rPr lang="en-US" dirty="0">
+                <a:sym typeface="Wingdings" panose="05000000000000000000" pitchFamily="2" charset="2"/>
+              </a:rPr>
+              <a:t>. In a way,</a:t>
+            </a:r>
+            <a:r>
+              <a:rPr lang="en-US" baseline="0" dirty="0">
+                <a:sym typeface="Wingdings" panose="05000000000000000000" pitchFamily="2" charset="2"/>
+              </a:rPr>
+              <a:t> this is a good thing. You don’t want that responsibility! Put the details of how to create the dependency somewhere else…in a central location…we’ll get back to that later.</a:t>
             </a:r>
             <a:endParaRPr lang="en-US" dirty="0"/>
           </a:p>
@@ -17324,7 +17335,7 @@
     </p:spTree>
     <p:extLst>
       <p:ext uri="{BB962C8B-B14F-4D97-AF65-F5344CB8AC3E}">
-        <p14:creationId xmlns:p14="http://schemas.microsoft.com/office/powerpoint/2010/main" val="355686464"/>
+        <p14:creationId xmlns:p14="http://schemas.microsoft.com/office/powerpoint/2010/main" val="2725280621"/>
       </p:ext>
     </p:extLst>
   </p:cSld>
@@ -17380,21 +17391,8 @@
           <a:p>
             <a:r>
               <a:rPr lang="en-US" dirty="0"/>
-              <a:t>And why is this beneficial? One, you can blame others </a:t>
-            </a:r>
-            <a:r>
-              <a:rPr lang="en-US" dirty="0">
-                <a:sym typeface="Wingdings" panose="05000000000000000000" pitchFamily="2" charset="2"/>
-              </a:rPr>
-              <a:t>. In a way,</a:t>
-            </a:r>
-            <a:r>
-              <a:rPr lang="en-US" baseline="0" dirty="0">
-                <a:sym typeface="Wingdings" panose="05000000000000000000" pitchFamily="2" charset="2"/>
-              </a:rPr>
-              <a:t> this is a good thing. You don’t want that responsibility! Put the details of how to create the dependency somewhere else…in a central location…we’ll get back to that later.</a:t>
-            </a:r>
-            <a:endParaRPr lang="en-US" dirty="0"/>
+              <a:t>It can make testing easier. You don’t have to have N number of dependencies up and running just to see if the code under test works. Integration/end-to-end testing is definitely needed, but having a suite of fast unit tests is a beautiful thing to have.</a:t>
+            </a:r>
           </a:p>
         </p:txBody>
       </p:sp>
@@ -17424,7 +17422,7 @@
     </p:spTree>
     <p:extLst>
       <p:ext uri="{BB962C8B-B14F-4D97-AF65-F5344CB8AC3E}">
-        <p14:creationId xmlns:p14="http://schemas.microsoft.com/office/powerpoint/2010/main" val="2725280621"/>
+        <p14:creationId xmlns:p14="http://schemas.microsoft.com/office/powerpoint/2010/main" val="3139229019"/>
       </p:ext>
     </p:extLst>
   </p:cSld>
@@ -17479,9 +17477,10 @@
           <a:lstStyle/>
           <a:p>
             <a:r>
-              <a:rPr lang="en-US" dirty="0"/>
-              <a:t>It can make testing easier. You don’t have to have N number of dependencies up and running just to see if the code under test works. Integration/end-to-end testing is definitely needed, but having a suite of fast unit tests is a beautiful thing to have.</a:t>
-            </a:r>
+              <a:rPr lang="en-US" baseline="0" dirty="0"/>
+              <a:t>It also has the benefit that you can use different implementations, though I've personally not found that to be a huge win (YMMV)</a:t>
+            </a:r>
+            <a:endParaRPr lang="en-US" dirty="0"/>
           </a:p>
         </p:txBody>
       </p:sp>
@@ -17511,7 +17510,7 @@
     </p:spTree>
     <p:extLst>
       <p:ext uri="{BB962C8B-B14F-4D97-AF65-F5344CB8AC3E}">
-        <p14:creationId xmlns:p14="http://schemas.microsoft.com/office/powerpoint/2010/main" val="3139229019"/>
+        <p14:creationId xmlns:p14="http://schemas.microsoft.com/office/powerpoint/2010/main" val="4160179341"/>
       </p:ext>
     </p:extLst>
   </p:cSld>
@@ -17567,8 +17566,111 @@
           <a:p>
             <a:r>
               <a:rPr lang="en-US" baseline="0" dirty="0"/>
-              <a:t>It also has the benefit that you can use different implementations, though I've personally not found that to be a huge win (YMMV)</a:t>
-            </a:r>
+              <a:t>What are some examples of typical dependencies?</a:t>
+            </a:r>
+          </a:p>
+          <a:p>
+            <a:endParaRPr lang="en-US" baseline="0" dirty="0"/>
+          </a:p>
+          <a:p>
+            <a:pPr marL="171450" indent="-171450">
+              <a:buFont typeface="Arial" panose="020B0604020202020204" pitchFamily="34" charset="0"/>
+              <a:buChar char="•"/>
+            </a:pPr>
+            <a:r>
+              <a:rPr lang="en-US" baseline="0" dirty="0"/>
+              <a:t>Files: Code that uses files doesn’t need to actually create the file. Interfaces are sufficient for this (like streams, or libraries like </a:t>
+            </a:r>
+            <a:r>
+              <a:rPr lang="en-US" baseline="0" dirty="0" err="1"/>
+              <a:t>System.IO.Abstractions</a:t>
+            </a:r>
+            <a:r>
+              <a:rPr lang="en-US" baseline="0" dirty="0"/>
+              <a:t> - https://github.com/tathamoddie/System.IO.Abstractions)</a:t>
+            </a:r>
+          </a:p>
+          <a:p>
+            <a:pPr marL="171450" indent="-171450">
+              <a:buFont typeface="Arial" panose="020B0604020202020204" pitchFamily="34" charset="0"/>
+              <a:buChar char="•"/>
+            </a:pPr>
+            <a:r>
+              <a:rPr lang="en-US" baseline="0" dirty="0"/>
+              <a:t>Services: Talking to a back-end REST or WCF service isn’t the goal: getting or updating information via these services </a:t>
+            </a:r>
+            <a:r>
+              <a:rPr lang="en-US" baseline="0" dirty="0" err="1"/>
+              <a:t>iss</a:t>
+            </a:r>
+            <a:endParaRPr lang="en-US" baseline="0" dirty="0"/>
+          </a:p>
+          <a:p>
+            <a:pPr marL="171450" indent="-171450">
+              <a:buFont typeface="Arial" panose="020B0604020202020204" pitchFamily="34" charset="0"/>
+              <a:buChar char="•"/>
+            </a:pPr>
+            <a:r>
+              <a:rPr lang="en-US" baseline="0" dirty="0"/>
+              <a:t>Databases: see above </a:t>
+            </a:r>
+            <a:r>
+              <a:rPr lang="en-US" baseline="0" dirty="0">
+                <a:sym typeface="Wingdings" panose="05000000000000000000" pitchFamily="2" charset="2"/>
+              </a:rPr>
+              <a:t></a:t>
+            </a:r>
+            <a:endParaRPr lang="en-US" baseline="0" dirty="0"/>
+          </a:p>
+          <a:p>
+            <a:pPr marL="171450" indent="-171450">
+              <a:buFont typeface="Arial" panose="020B0604020202020204" pitchFamily="34" charset="0"/>
+              <a:buChar char="•"/>
+            </a:pPr>
+            <a:r>
+              <a:rPr lang="en-US" baseline="0" dirty="0"/>
+              <a:t>Time: Time can be hard to manage, especially in testing scenarios, where “</a:t>
+            </a:r>
+            <a:r>
+              <a:rPr lang="en-US" baseline="0" dirty="0" err="1"/>
+              <a:t>DateTime.UtcNow</a:t>
+            </a:r>
+            <a:r>
+              <a:rPr lang="en-US" baseline="0" dirty="0"/>
+              <a:t>” just doesn’t give enough fine grain control. Having a dependency provide time is a good thing (Reactive Extensions provides this via </a:t>
+            </a:r>
+            <a:r>
+              <a:rPr lang="en-US" baseline="0" dirty="0" err="1"/>
+              <a:t>IScheduler</a:t>
+            </a:r>
+            <a:r>
+              <a:rPr lang="en-US" baseline="0" dirty="0"/>
+              <a:t>)</a:t>
+            </a:r>
+          </a:p>
+          <a:p>
+            <a:pPr marL="171450" indent="-171450">
+              <a:buFont typeface="Arial" panose="020B0604020202020204" pitchFamily="34" charset="0"/>
+              <a:buChar char="•"/>
+            </a:pPr>
+            <a:r>
+              <a:rPr lang="en-US" baseline="0" dirty="0"/>
+              <a:t>Randomness: Ever try to test code that uses random data? Or what if you want to switch the random generator out?</a:t>
+            </a:r>
+          </a:p>
+          <a:p>
+            <a:endParaRPr lang="en-US" baseline="0" dirty="0"/>
+          </a:p>
+          <a:p>
+            <a:r>
+              <a:rPr lang="en-US" baseline="0" dirty="0"/>
+              <a:t>This isn’t a complete list. You may choose to define other dependencies</a:t>
+            </a:r>
+          </a:p>
+          <a:p>
+            <a:endParaRPr lang="en-US" baseline="0" dirty="0"/>
+          </a:p>
+          <a:p>
             <a:endParaRPr lang="en-US" dirty="0"/>
           </a:p>
         </p:txBody>
@@ -17599,7 +17701,7 @@
     </p:spTree>
     <p:extLst>
       <p:ext uri="{BB962C8B-B14F-4D97-AF65-F5344CB8AC3E}">
-        <p14:creationId xmlns:p14="http://schemas.microsoft.com/office/powerpoint/2010/main" val="4160179341"/>
+        <p14:creationId xmlns:p14="http://schemas.microsoft.com/office/powerpoint/2010/main" val="2620804462"/>
       </p:ext>
     </p:extLst>
   </p:cSld>
@@ -17655,7 +17757,7 @@
           <a:p>
             <a:r>
               <a:rPr lang="en-US" baseline="0" dirty="0"/>
-              <a:t>What are some examples of typical dependencies?</a:t>
+              <a:t>What are some examples of atypical dependencies?</a:t>
             </a:r>
           </a:p>
           <a:p>
@@ -17668,15 +17770,15 @@
             </a:pPr>
             <a:r>
               <a:rPr lang="en-US" baseline="0" dirty="0"/>
-              <a:t>Files: Code that uses files doesn’t need to actually create the file. Interfaces are sufficient for this (like streams, or libraries like </a:t>
+              <a:t>Core Types  - things like </a:t>
             </a:r>
             <a:r>
               <a:rPr lang="en-US" baseline="0" dirty="0" err="1"/>
-              <a:t>System.IO.Abstractions</a:t>
+              <a:t>int</a:t>
             </a:r>
             <a:r>
               <a:rPr lang="en-US" baseline="0" dirty="0"/>
-              <a:t> - https://github.com/tathamoddie/System.IO.Abstractions)</a:t>
+              <a:t>, string, etc.</a:t>
             </a:r>
           </a:p>
           <a:p>
@@ -17686,74 +17788,16 @@
             </a:pPr>
             <a:r>
               <a:rPr lang="en-US" baseline="0" dirty="0"/>
-              <a:t>Services: Talking to a back-end REST or WCF service isn’t the goal: getting or updating information via these services </a:t>
-            </a:r>
-            <a:r>
-              <a:rPr lang="en-US" baseline="0" dirty="0" err="1"/>
-              <a:t>iss</a:t>
-            </a:r>
+              <a:t>Algorithms – if the algorithm is well-known and widely used</a:t>
+            </a:r>
+          </a:p>
+          <a:p>
             <a:endParaRPr lang="en-US" baseline="0" dirty="0"/>
           </a:p>
           <a:p>
-            <a:pPr marL="171450" indent="-171450">
-              <a:buFont typeface="Arial" panose="020B0604020202020204" pitchFamily="34" charset="0"/>
-              <a:buChar char="•"/>
-            </a:pPr>
             <a:r>
               <a:rPr lang="en-US" baseline="0" dirty="0"/>
-              <a:t>Databases: see above </a:t>
-            </a:r>
-            <a:r>
-              <a:rPr lang="en-US" baseline="0" dirty="0">
-                <a:sym typeface="Wingdings" panose="05000000000000000000" pitchFamily="2" charset="2"/>
-              </a:rPr>
-              <a:t></a:t>
-            </a:r>
-            <a:endParaRPr lang="en-US" baseline="0" dirty="0"/>
-          </a:p>
-          <a:p>
-            <a:pPr marL="171450" indent="-171450">
-              <a:buFont typeface="Arial" panose="020B0604020202020204" pitchFamily="34" charset="0"/>
-              <a:buChar char="•"/>
-            </a:pPr>
-            <a:r>
-              <a:rPr lang="en-US" baseline="0" dirty="0"/>
-              <a:t>Time: Time can be hard to manage, especially in testing scenarios, where “</a:t>
-            </a:r>
-            <a:r>
-              <a:rPr lang="en-US" baseline="0" dirty="0" err="1"/>
-              <a:t>DateTime.UtcNow</a:t>
-            </a:r>
-            <a:r>
-              <a:rPr lang="en-US" baseline="0" dirty="0"/>
-              <a:t>” just doesn’t give enough fine grain control. Having a dependency provide time is a good thing (Reactive Extensions provides this via </a:t>
-            </a:r>
-            <a:r>
-              <a:rPr lang="en-US" baseline="0" dirty="0" err="1"/>
-              <a:t>IScheduler</a:t>
-            </a:r>
-            <a:r>
-              <a:rPr lang="en-US" baseline="0" dirty="0"/>
-              <a:t>)</a:t>
-            </a:r>
-          </a:p>
-          <a:p>
-            <a:pPr marL="171450" indent="-171450">
-              <a:buFont typeface="Arial" panose="020B0604020202020204" pitchFamily="34" charset="0"/>
-              <a:buChar char="•"/>
-            </a:pPr>
-            <a:r>
-              <a:rPr lang="en-US" baseline="0" dirty="0"/>
-              <a:t>Randomness: Ever try to test code that uses random data? Or what if you want to switch the random generator out?</a:t>
-            </a:r>
-          </a:p>
-          <a:p>
-            <a:endParaRPr lang="en-US" baseline="0" dirty="0"/>
-          </a:p>
-          <a:p>
-            <a:r>
-              <a:rPr lang="en-US" baseline="0" dirty="0"/>
-              <a:t>This isn’t a complete list. You may choose to define other dependencies</a:t>
+              <a:t>This doesn’t mean you can’t make dependencies out of these if you so choose.</a:t>
             </a:r>
           </a:p>
           <a:p>
@@ -17790,7 +17834,7 @@
     </p:spTree>
     <p:extLst>
       <p:ext uri="{BB962C8B-B14F-4D97-AF65-F5344CB8AC3E}">
-        <p14:creationId xmlns:p14="http://schemas.microsoft.com/office/powerpoint/2010/main" val="2620804462"/>
+        <p14:creationId xmlns:p14="http://schemas.microsoft.com/office/powerpoint/2010/main" val="616454984"/>
       </p:ext>
     </p:extLst>
   </p:cSld>
@@ -17845,54 +17889,13 @@
           <a:lstStyle/>
           <a:p>
             <a:r>
+              <a:rPr lang="en-US" dirty="0"/>
+              <a:t>Real</a:t>
+            </a:r>
+            <a:r>
               <a:rPr lang="en-US" baseline="0" dirty="0"/>
-              <a:t>What are some examples of atypical dependencies?</a:t>
-            </a:r>
-          </a:p>
-          <a:p>
-            <a:endParaRPr lang="en-US" baseline="0" dirty="0"/>
-          </a:p>
-          <a:p>
-            <a:pPr marL="171450" indent="-171450">
-              <a:buFont typeface="Arial" panose="020B0604020202020204" pitchFamily="34" charset="0"/>
-              <a:buChar char="•"/>
-            </a:pPr>
-            <a:r>
-              <a:rPr lang="en-US" baseline="0" dirty="0"/>
-              <a:t>Core Types  - things like </a:t>
-            </a:r>
-            <a:r>
-              <a:rPr lang="en-US" baseline="0" dirty="0" err="1"/>
-              <a:t>int</a:t>
-            </a:r>
-            <a:r>
-              <a:rPr lang="en-US" baseline="0" dirty="0"/>
-              <a:t>, string, etc.</a:t>
-            </a:r>
-          </a:p>
-          <a:p>
-            <a:pPr marL="171450" indent="-171450">
-              <a:buFont typeface="Arial" panose="020B0604020202020204" pitchFamily="34" charset="0"/>
-              <a:buChar char="•"/>
-            </a:pPr>
-            <a:r>
-              <a:rPr lang="en-US" baseline="0" dirty="0"/>
-              <a:t>Algorithms – if the algorithm is well-known and widely used</a:t>
-            </a:r>
-          </a:p>
-          <a:p>
-            <a:endParaRPr lang="en-US" baseline="0" dirty="0"/>
-          </a:p>
-          <a:p>
-            <a:r>
-              <a:rPr lang="en-US" baseline="0" dirty="0"/>
-              <a:t>This doesn’t mean you can’t make dependencies out of these if you so choose.</a:t>
-            </a:r>
-          </a:p>
-          <a:p>
-            <a:endParaRPr lang="en-US" baseline="0" dirty="0"/>
-          </a:p>
-          <a:p>
+              <a:t> systems get a lot more complex than this. It’s not one place that will take a dependency, it’s a LOT of places.</a:t>
+            </a:r>
             <a:endParaRPr lang="en-US" dirty="0"/>
           </a:p>
         </p:txBody>
@@ -17914,7 +17917,7 @@
           <a:p>
             <a:fld id="{4E8BADB7-1FBB-B74E-B90C-DA1567BD042E}" type="slidenum">
               <a:rPr lang="en-US" smtClean="0"/>
-              <a:t>21</a:t>
+              <a:t>22</a:t>
             </a:fld>
             <a:endParaRPr lang="en-US"/>
           </a:p>
@@ -17923,7 +17926,7 @@
     </p:spTree>
     <p:extLst>
       <p:ext uri="{BB962C8B-B14F-4D97-AF65-F5344CB8AC3E}">
-        <p14:creationId xmlns:p14="http://schemas.microsoft.com/office/powerpoint/2010/main" val="616454984"/>
+        <p14:creationId xmlns:p14="http://schemas.microsoft.com/office/powerpoint/2010/main" val="2849439082"/>
       </p:ext>
     </p:extLst>
   </p:cSld>
@@ -17979,11 +17982,11 @@
           <a:p>
             <a:r>
               <a:rPr lang="en-US" dirty="0"/>
-              <a:t>Real</a:t>
+              <a:t>What</a:t>
             </a:r>
             <a:r>
               <a:rPr lang="en-US" baseline="0" dirty="0"/>
-              <a:t> systems get a lot more complex than this. It’s not one place that will take a dependency, it’s a LOT of places.</a:t>
+              <a:t> we need is a way to centralize how these dependencies are created and injected. It would be awesome (in a way) if the “new” operator could be virtualized so we could just make the dependencies at the site of usage. But….how does one “new up” an interface? And how does that make it explicit what dependencies are needed by an object?</a:t>
             </a:r>
             <a:endParaRPr lang="en-US" dirty="0"/>
           </a:p>
@@ -18015,7 +18018,7 @@
     </p:spTree>
     <p:extLst>
       <p:ext uri="{BB962C8B-B14F-4D97-AF65-F5344CB8AC3E}">
-        <p14:creationId xmlns:p14="http://schemas.microsoft.com/office/powerpoint/2010/main" val="2849439082"/>
+        <p14:creationId xmlns:p14="http://schemas.microsoft.com/office/powerpoint/2010/main" val="2328656881"/>
       </p:ext>
     </p:extLst>
   </p:cSld>
@@ -18069,6 +18072,23 @@
           <a:bodyPr/>
           <a:lstStyle/>
           <a:p>
+            <a:r>
+              <a:rPr lang="en-US" dirty="0"/>
+              <a:t>Dependencies….what are they? Why should I care? Don’t they just</a:t>
+            </a:r>
+            <a:r>
+              <a:rPr lang="en-US" baseline="0" dirty="0"/>
+              <a:t> make everything harder? I can easily connect to my service or database in code, what’s with all this misdirection, extra layers? Is this another form of job security?</a:t>
+            </a:r>
+          </a:p>
+          <a:p>
+            <a:endParaRPr lang="en-US" baseline="0" dirty="0"/>
+          </a:p>
+          <a:p>
+            <a:r>
+              <a:rPr lang="en-US" baseline="0" dirty="0"/>
+              <a:t>Even though it really is a simple concept, it took me a while to really get my head around dependencies. But if you start to recognize dependencies in code and handle them correctly, the benefits are tremendous.</a:t>
+            </a:r>
             <a:endParaRPr lang="en-US" dirty="0"/>
           </a:p>
         </p:txBody>
@@ -18090,7 +18110,7 @@
           <a:p>
             <a:fld id="{4E8BADB7-1FBB-B74E-B90C-DA1567BD042E}" type="slidenum">
               <a:rPr lang="en-US" smtClean="0"/>
-              <a:t>2</a:t>
+              <a:t>5</a:t>
             </a:fld>
             <a:endParaRPr lang="en-US"/>
           </a:p>
@@ -18099,7 +18119,7 @@
     </p:spTree>
     <p:extLst>
       <p:ext uri="{BB962C8B-B14F-4D97-AF65-F5344CB8AC3E}">
-        <p14:creationId xmlns:p14="http://schemas.microsoft.com/office/powerpoint/2010/main" val="241678235"/>
+        <p14:creationId xmlns:p14="http://schemas.microsoft.com/office/powerpoint/2010/main" val="925254289"/>
       </p:ext>
     </p:extLst>
   </p:cSld>
@@ -18155,13 +18175,29 @@
           <a:p>
             <a:r>
               <a:rPr lang="en-US" dirty="0"/>
-              <a:t>What</a:t>
+              <a:t>Another</a:t>
             </a:r>
             <a:r>
               <a:rPr lang="en-US" baseline="0" dirty="0"/>
-              <a:t> we need is a way to centralize how these dependencies are created and injected. It would be awesome (in a way) if the “new” operator could be virtualized so we could just make the dependencies at the site of usage. But….how does one “new up” an interface? And how does that make it explicit what dependencies are needed by an object?</a:t>
-            </a:r>
-            <a:endParaRPr lang="en-US" dirty="0"/>
+              <a:t> thing </a:t>
+            </a:r>
+            <a:r>
+              <a:rPr lang="en-US" baseline="0" dirty="0" err="1"/>
+              <a:t>devs</a:t>
+            </a:r>
+            <a:r>
+              <a:rPr lang="en-US" baseline="0" dirty="0"/>
+              <a:t> will do is use a “service locator” pattern. There’s a global container defined that code knows about and resolves dependencies there.</a:t>
+            </a:r>
+          </a:p>
+          <a:p>
+            <a:endParaRPr lang="en-US" baseline="0" dirty="0"/>
+          </a:p>
+          <a:p>
+            <a:r>
+              <a:rPr lang="en-US" baseline="0" dirty="0"/>
+              <a:t>DON’T.</a:t>
+            </a:r>
           </a:p>
         </p:txBody>
       </p:sp>
@@ -18191,7 +18227,7 @@
     </p:spTree>
     <p:extLst>
       <p:ext uri="{BB962C8B-B14F-4D97-AF65-F5344CB8AC3E}">
-        <p14:creationId xmlns:p14="http://schemas.microsoft.com/office/powerpoint/2010/main" val="2328656881"/>
+        <p14:creationId xmlns:p14="http://schemas.microsoft.com/office/powerpoint/2010/main" val="3421981420"/>
       </p:ext>
     </p:extLst>
   </p:cSld>
@@ -18245,21 +18281,44 @@
           <a:bodyPr/>
           <a:lstStyle/>
           <a:p>
+            <a:pPr marL="0" marR="0" indent="0" algn="l" defTabSz="457200" rtl="0" eaLnBrk="1" fontAlgn="auto" latinLnBrk="0" hangingPunct="1">
+              <a:lnSpc>
+                <a:spcPct val="100000"/>
+              </a:lnSpc>
+              <a:spcBef>
+                <a:spcPts val="0"/>
+              </a:spcBef>
+              <a:spcAft>
+                <a:spcPts val="0"/>
+              </a:spcAft>
+              <a:buClrTx/>
+              <a:buSzTx/>
+              <a:buFontTx/>
+              <a:buNone/>
+              <a:tabLst/>
+              <a:defRPr/>
+            </a:pPr>
             <a:r>
               <a:rPr lang="en-US" dirty="0"/>
-              <a:t>Another</a:t>
+              <a:t>The</a:t>
             </a:r>
             <a:r>
               <a:rPr lang="en-US" baseline="0" dirty="0"/>
-              <a:t> thing </a:t>
-            </a:r>
-            <a:r>
-              <a:rPr lang="en-US" baseline="0" dirty="0" err="1"/>
-              <a:t>devs</a:t>
+              <a:t> first problem is that the SL approach isn’t explicit. You don’t know what the class needs to function properly. The DI version is explicit.</a:t>
+            </a:r>
+            <a:endParaRPr lang="en-US" dirty="0"/>
+          </a:p>
+          <a:p>
+            <a:endParaRPr lang="en-US" dirty="0"/>
+          </a:p>
+          <a:p>
+            <a:r>
+              <a:rPr lang="en-US" dirty="0"/>
+              <a:t>You also need to know</a:t>
             </a:r>
             <a:r>
               <a:rPr lang="en-US" baseline="0" dirty="0"/>
-              <a:t> will do is use a “service locator” pattern. There’s a global container defined that code knows about and resolves dependencies there.</a:t>
+              <a:t> that the class must have the SL configured.</a:t>
             </a:r>
           </a:p>
           <a:p>
@@ -18268,8 +18327,9 @@
           <a:p>
             <a:r>
               <a:rPr lang="en-US" baseline="0" dirty="0"/>
-              <a:t>DON’T.</a:t>
-            </a:r>
+              <a:t>Finally, if you run tests in parallel, you could end up with race conditions where one tests configures the SL but another overwrites it</a:t>
+            </a:r>
+            <a:endParaRPr lang="en-US" dirty="0"/>
           </a:p>
         </p:txBody>
       </p:sp>
@@ -18299,7 +18359,7 @@
     </p:spTree>
     <p:extLst>
       <p:ext uri="{BB962C8B-B14F-4D97-AF65-F5344CB8AC3E}">
-        <p14:creationId xmlns:p14="http://schemas.microsoft.com/office/powerpoint/2010/main" val="3421981420"/>
+        <p14:creationId xmlns:p14="http://schemas.microsoft.com/office/powerpoint/2010/main" val="3776094202"/>
       </p:ext>
     </p:extLst>
   </p:cSld>
@@ -18353,53 +18413,21 @@
           <a:bodyPr/>
           <a:lstStyle/>
           <a:p>
-            <a:pPr marL="0" marR="0" indent="0" algn="l" defTabSz="457200" rtl="0" eaLnBrk="1" fontAlgn="auto" latinLnBrk="0" hangingPunct="1">
-              <a:lnSpc>
-                <a:spcPct val="100000"/>
-              </a:lnSpc>
-              <a:spcBef>
-                <a:spcPts val="0"/>
-              </a:spcBef>
-              <a:spcAft>
-                <a:spcPts val="0"/>
-              </a:spcAft>
-              <a:buClrTx/>
-              <a:buSzTx/>
-              <a:buFontTx/>
-              <a:buNone/>
-              <a:tabLst/>
-              <a:defRPr/>
-            </a:pPr>
             <a:r>
               <a:rPr lang="en-US" dirty="0"/>
-              <a:t>The</a:t>
+              <a:t>So let’s</a:t>
             </a:r>
             <a:r>
               <a:rPr lang="en-US" baseline="0" dirty="0"/>
-              <a:t> first problem is that the SL approach isn’t explicit. You don’t know what the class needs to function properly. The DI version is explicit.</a:t>
-            </a:r>
-            <a:endParaRPr lang="en-US" dirty="0"/>
-          </a:p>
-          <a:p>
-            <a:endParaRPr lang="en-US" dirty="0"/>
-          </a:p>
-          <a:p>
-            <a:r>
-              <a:rPr lang="en-US" dirty="0"/>
-              <a:t>You also need to know</a:t>
+              <a:t> use a container that will manage all the defined dependencies in an application. That’s the responsibility of an </a:t>
+            </a:r>
+            <a:r>
+              <a:rPr lang="en-US" baseline="0" dirty="0" err="1"/>
+              <a:t>IoC</a:t>
             </a:r>
             <a:r>
               <a:rPr lang="en-US" baseline="0" dirty="0"/>
-              <a:t> that the class must have the SL configured.</a:t>
-            </a:r>
-          </a:p>
-          <a:p>
-            <a:endParaRPr lang="en-US" baseline="0" dirty="0"/>
-          </a:p>
-          <a:p>
-            <a:r>
-              <a:rPr lang="en-US" baseline="0" dirty="0"/>
-              <a:t>Finally, if you run tests in parallel, you could end up with race conditions where one tests configures the SL but another overwrites it</a:t>
+              <a:t> container</a:t>
             </a:r>
             <a:endParaRPr lang="en-US" dirty="0"/>
           </a:p>
@@ -18431,7 +18459,7 @@
     </p:spTree>
     <p:extLst>
       <p:ext uri="{BB962C8B-B14F-4D97-AF65-F5344CB8AC3E}">
-        <p14:creationId xmlns:p14="http://schemas.microsoft.com/office/powerpoint/2010/main" val="3776094202"/>
+        <p14:creationId xmlns:p14="http://schemas.microsoft.com/office/powerpoint/2010/main" val="667774479"/>
       </p:ext>
     </p:extLst>
   </p:cSld>
@@ -18486,21 +18514,47 @@
           <a:lstStyle/>
           <a:p>
             <a:r>
-              <a:rPr lang="en-US" dirty="0"/>
-              <a:t>So let’s</a:t>
-            </a:r>
-            <a:r>
               <a:rPr lang="en-US" baseline="0" dirty="0"/>
-              <a:t> use a container that will manage all the defined dependencies in an application. That’s the responsibility of an </a:t>
-            </a:r>
-            <a:r>
-              <a:rPr lang="en-US" baseline="0" dirty="0" err="1"/>
-              <a:t>IoC</a:t>
-            </a:r>
+              <a:t>Containers should have the following three features:</a:t>
+            </a:r>
+          </a:p>
+          <a:p>
+            <a:endParaRPr lang="en-US" baseline="0" dirty="0"/>
+          </a:p>
+          <a:p>
+            <a:pPr marL="171450" indent="-171450">
+              <a:buFont typeface="Arial" panose="020B0604020202020204" pitchFamily="34" charset="0"/>
+              <a:buChar char="•"/>
+            </a:pPr>
             <a:r>
               <a:rPr lang="en-US" baseline="0" dirty="0"/>
-              <a:t> container</a:t>
-            </a:r>
+              <a:t>Register – set up all dependencies</a:t>
+            </a:r>
+          </a:p>
+          <a:p>
+            <a:pPr marL="171450" indent="-171450">
+              <a:buFont typeface="Arial" panose="020B0604020202020204" pitchFamily="34" charset="0"/>
+              <a:buChar char="•"/>
+            </a:pPr>
+            <a:r>
+              <a:rPr lang="en-US" baseline="0" dirty="0"/>
+              <a:t>Resolve – get a dependency out of the container</a:t>
+            </a:r>
+          </a:p>
+          <a:p>
+            <a:pPr marL="171450" indent="-171450">
+              <a:buFont typeface="Arial" panose="020B0604020202020204" pitchFamily="34" charset="0"/>
+              <a:buChar char="•"/>
+            </a:pPr>
+            <a:r>
+              <a:rPr lang="en-US" baseline="0" dirty="0"/>
+              <a:t>Release – manage disposable resources</a:t>
+            </a:r>
+          </a:p>
+          <a:p>
+            <a:endParaRPr lang="en-US" baseline="0" dirty="0"/>
+          </a:p>
+          <a:p>
             <a:endParaRPr lang="en-US" dirty="0"/>
           </a:p>
         </p:txBody>
@@ -18531,7 +18585,7 @@
     </p:spTree>
     <p:extLst>
       <p:ext uri="{BB962C8B-B14F-4D97-AF65-F5344CB8AC3E}">
-        <p14:creationId xmlns:p14="http://schemas.microsoft.com/office/powerpoint/2010/main" val="667774479"/>
+        <p14:creationId xmlns:p14="http://schemas.microsoft.com/office/powerpoint/2010/main" val="3087766018"/>
       </p:ext>
     </p:extLst>
   </p:cSld>
@@ -18586,47 +18640,13 @@
           <a:lstStyle/>
           <a:p>
             <a:r>
+              <a:rPr lang="en-US" dirty="0"/>
+              <a:t>A</a:t>
+            </a:r>
+            <a:r>
               <a:rPr lang="en-US" baseline="0" dirty="0"/>
-              <a:t>Containers should have the following three features:</a:t>
-            </a:r>
-          </a:p>
-          <a:p>
-            <a:endParaRPr lang="en-US" baseline="0" dirty="0"/>
-          </a:p>
-          <a:p>
-            <a:pPr marL="171450" indent="-171450">
-              <a:buFont typeface="Arial" panose="020B0604020202020204" pitchFamily="34" charset="0"/>
-              <a:buChar char="•"/>
-            </a:pPr>
-            <a:r>
-              <a:rPr lang="en-US" baseline="0" dirty="0"/>
-              <a:t>Register – set up all dependencies</a:t>
-            </a:r>
-          </a:p>
-          <a:p>
-            <a:pPr marL="171450" indent="-171450">
-              <a:buFont typeface="Arial" panose="020B0604020202020204" pitchFamily="34" charset="0"/>
-              <a:buChar char="•"/>
-            </a:pPr>
-            <a:r>
-              <a:rPr lang="en-US" baseline="0" dirty="0"/>
-              <a:t>Resolve – get a dependency out of the container</a:t>
-            </a:r>
-          </a:p>
-          <a:p>
-            <a:pPr marL="171450" indent="-171450">
-              <a:buFont typeface="Arial" panose="020B0604020202020204" pitchFamily="34" charset="0"/>
-              <a:buChar char="•"/>
-            </a:pPr>
-            <a:r>
-              <a:rPr lang="en-US" baseline="0" dirty="0"/>
-              <a:t>Release – manage disposable resources</a:t>
-            </a:r>
-          </a:p>
-          <a:p>
-            <a:endParaRPr lang="en-US" baseline="0" dirty="0"/>
-          </a:p>
-          <a:p>
+              <a:t> small, useful-but-useless container.</a:t>
+            </a:r>
             <a:endParaRPr lang="en-US" dirty="0"/>
           </a:p>
         </p:txBody>
@@ -18657,7 +18677,7 @@
     </p:spTree>
     <p:extLst>
       <p:ext uri="{BB962C8B-B14F-4D97-AF65-F5344CB8AC3E}">
-        <p14:creationId xmlns:p14="http://schemas.microsoft.com/office/powerpoint/2010/main" val="3087766018"/>
+        <p14:creationId xmlns:p14="http://schemas.microsoft.com/office/powerpoint/2010/main" val="1585977163"/>
       </p:ext>
     </p:extLst>
   </p:cSld>
@@ -18713,11 +18733,11 @@
           <a:p>
             <a:r>
               <a:rPr lang="en-US" dirty="0"/>
-              <a:t>A</a:t>
+              <a:t>Now, we can reinvent the wheel,</a:t>
             </a:r>
             <a:r>
               <a:rPr lang="en-US" baseline="0" dirty="0"/>
-              <a:t> small, useful-but-useless container.</a:t>
+              <a:t> and just make one on our own. That’s what I’m going to do in the next demo, but keep in mind….you really shouldn’t do this. In fact this picture should be a warning that you shouldn’t spend the time doing it yourself, because mature containers do a lot more than just registering and resolving dependencies.</a:t>
             </a:r>
             <a:endParaRPr lang="en-US" dirty="0"/>
           </a:p>
@@ -18749,7 +18769,7 @@
     </p:spTree>
     <p:extLst>
       <p:ext uri="{BB962C8B-B14F-4D97-AF65-F5344CB8AC3E}">
-        <p14:creationId xmlns:p14="http://schemas.microsoft.com/office/powerpoint/2010/main" val="1585977163"/>
+        <p14:creationId xmlns:p14="http://schemas.microsoft.com/office/powerpoint/2010/main" val="2161356769"/>
       </p:ext>
     </p:extLst>
   </p:cSld>
@@ -18804,12 +18824,17 @@
           <a:lstStyle/>
           <a:p>
             <a:r>
-              <a:rPr lang="en-US" dirty="0"/>
-              <a:t>Now, we can reinvent the wheel,</a:t>
-            </a:r>
-            <a:r>
               <a:rPr lang="en-US" baseline="0" dirty="0"/>
-              <a:t> and just make one on our own. That’s what I’m going to do in the next demo, but keep in mind….you really shouldn’t do this. In fact this picture should be a warning that you shouldn’t spend the time doing it yourself, because mature containers do a lot more than just registering and resolving dependencies.</a:t>
+              <a:t>A DIY container will only get you so far. There are a lot of things that you need to consider when you create an container – even this list doesn’t cover them all.</a:t>
+            </a:r>
+          </a:p>
+          <a:p>
+            <a:endParaRPr lang="en-US" baseline="0" dirty="0"/>
+          </a:p>
+          <a:p>
+            <a:r>
+              <a:rPr lang="en-US" baseline="0" dirty="0"/>
+              <a:t>Dependent objects should not care if the dependency is a singleton, is disposable, etc.</a:t>
             </a:r>
             <a:endParaRPr lang="en-US" dirty="0"/>
           </a:p>
@@ -18841,7 +18866,7 @@
     </p:spTree>
     <p:extLst>
       <p:ext uri="{BB962C8B-B14F-4D97-AF65-F5344CB8AC3E}">
-        <p14:creationId xmlns:p14="http://schemas.microsoft.com/office/powerpoint/2010/main" val="2161356769"/>
+        <p14:creationId xmlns:p14="http://schemas.microsoft.com/office/powerpoint/2010/main" val="1287037080"/>
       </p:ext>
     </p:extLst>
   </p:cSld>
@@ -18897,16 +18922,7 @@
           <a:p>
             <a:r>
               <a:rPr lang="en-US" baseline="0" dirty="0"/>
-              <a:t>A DIY container will only get you so far. There are a lot of things that you need to consider when you create an container – even this list doesn’t cover them all.</a:t>
-            </a:r>
-          </a:p>
-          <a:p>
-            <a:endParaRPr lang="en-US" baseline="0" dirty="0"/>
-          </a:p>
-          <a:p>
-            <a:r>
-              <a:rPr lang="en-US" baseline="0" dirty="0"/>
-              <a:t>Dependent objects should not care if the dependency is a singleton, is disposable, etc.</a:t>
+              <a:t>Dependents should be as ignorant as possible about the dependency they’re given. They shouldn’t care if the parent would always be the same one for the lifetime of the app, or if </a:t>
             </a:r>
             <a:endParaRPr lang="en-US" dirty="0"/>
           </a:p>
@@ -18938,7 +18954,7 @@
     </p:spTree>
     <p:extLst>
       <p:ext uri="{BB962C8B-B14F-4D97-AF65-F5344CB8AC3E}">
-        <p14:creationId xmlns:p14="http://schemas.microsoft.com/office/powerpoint/2010/main" val="1287037080"/>
+        <p14:creationId xmlns:p14="http://schemas.microsoft.com/office/powerpoint/2010/main" val="2294983262"/>
       </p:ext>
     </p:extLst>
   </p:cSld>
@@ -18994,7 +19010,7 @@
           <a:p>
             <a:r>
               <a:rPr lang="en-US" baseline="0" dirty="0"/>
-              <a:t>Dependents should be as ignorant as possible about the dependency they’re given. They shouldn’t care if the parent would always be the same one for the lifetime of the app, or if </a:t>
+              <a:t>Dependents should also be able to control the usage of a dependency – e.g. if the dependency isn’t always used, it should be able to specify that it’s a Lazy&lt;&gt;, even if the dependency wasn’t registered that way.</a:t>
             </a:r>
             <a:endParaRPr lang="en-US" dirty="0"/>
           </a:p>
@@ -19026,7 +19042,7 @@
     </p:spTree>
     <p:extLst>
       <p:ext uri="{BB962C8B-B14F-4D97-AF65-F5344CB8AC3E}">
-        <p14:creationId xmlns:p14="http://schemas.microsoft.com/office/powerpoint/2010/main" val="2294983262"/>
+        <p14:creationId xmlns:p14="http://schemas.microsoft.com/office/powerpoint/2010/main" val="3790485501"/>
       </p:ext>
     </p:extLst>
   </p:cSld>
@@ -19082,7 +19098,7 @@
           <a:p>
             <a:r>
               <a:rPr lang="en-US" baseline="0" dirty="0"/>
-              <a:t>Dependents should also be able to control the usage of a dependency – e.g. if the dependency isn’t always used, it should be able to specify that it’s a Lazy&lt;&gt;, even if the dependency wasn’t registered that way.</a:t>
+              <a:t>Dependents should not care if the dependency is disposable. In fact, it can’t, as this example shows. But SOMEBODY has to care that it’s disposable.</a:t>
             </a:r>
             <a:endParaRPr lang="en-US" dirty="0"/>
           </a:p>
@@ -19114,7 +19130,7 @@
     </p:spTree>
     <p:extLst>
       <p:ext uri="{BB962C8B-B14F-4D97-AF65-F5344CB8AC3E}">
-        <p14:creationId xmlns:p14="http://schemas.microsoft.com/office/powerpoint/2010/main" val="3790485501"/>
+        <p14:creationId xmlns:p14="http://schemas.microsoft.com/office/powerpoint/2010/main" val="4075420196"/>
       </p:ext>
     </p:extLst>
   </p:cSld>
@@ -19170,20 +19186,11 @@
           <a:p>
             <a:r>
               <a:rPr lang="en-US" dirty="0"/>
-              <a:t>Dependencies….what are they? Why should I care? Don’t they just</a:t>
+              <a:t>We</a:t>
             </a:r>
             <a:r>
               <a:rPr lang="en-US" baseline="0" dirty="0"/>
-              <a:t> make everything harder? I can easily connect to my service or database in code, what’s with all this misdirection, extra layers? Is this another form of job security?</a:t>
-            </a:r>
-          </a:p>
-          <a:p>
-            <a:endParaRPr lang="en-US" baseline="0" dirty="0"/>
-          </a:p>
-          <a:p>
-            <a:r>
-              <a:rPr lang="en-US" baseline="0" dirty="0"/>
-              <a:t>Even though it really is a simple concept, it took me a while to really get my head around dependencies. But if you start to recognize dependencies in code and handle them correctly, the benefits are tremendous.</a:t>
+              <a:t> know a lot about how to write good code, and these books (among others) have good information about how to do it. Let’s focus in on the dependency aspect with a real-world example</a:t>
             </a:r>
             <a:endParaRPr lang="en-US" dirty="0"/>
           </a:p>
@@ -19215,7 +19222,7 @@
     </p:spTree>
     <p:extLst>
       <p:ext uri="{BB962C8B-B14F-4D97-AF65-F5344CB8AC3E}">
-        <p14:creationId xmlns:p14="http://schemas.microsoft.com/office/powerpoint/2010/main" val="925254289"/>
+        <p14:creationId xmlns:p14="http://schemas.microsoft.com/office/powerpoint/2010/main" val="1604086861"/>
       </p:ext>
     </p:extLst>
   </p:cSld>
@@ -19271,7 +19278,30 @@
           <a:p>
             <a:r>
               <a:rPr lang="en-US" baseline="0" dirty="0"/>
-              <a:t>Dependents should not care if the dependency is disposable. In fact, it can’t, as this example shows. But SOMEBODY has to care that it’s disposable.</a:t>
+              <a:t>And there’s a LOT of containers out there than you can pick for .NET. There really is no reason to do it yourself, unless you’re either:</a:t>
+            </a:r>
+          </a:p>
+          <a:p>
+            <a:endParaRPr lang="en-US" baseline="0" dirty="0"/>
+          </a:p>
+          <a:p>
+            <a:pPr marL="171450" indent="-171450">
+              <a:buFont typeface="Arial" panose="020B0604020202020204" pitchFamily="34" charset="0"/>
+              <a:buChar char="•"/>
+            </a:pPr>
+            <a:r>
+              <a:rPr lang="en-US" baseline="0" dirty="0"/>
+              <a:t>Really interested to see if you can make one work</a:t>
+            </a:r>
+          </a:p>
+          <a:p>
+            <a:pPr marL="171450" indent="-171450">
+              <a:buFont typeface="Arial" panose="020B0604020202020204" pitchFamily="34" charset="0"/>
+              <a:buChar char="•"/>
+            </a:pPr>
+            <a:r>
+              <a:rPr lang="en-US" baseline="0" dirty="0"/>
+              <a:t>You’re convinced you can do it better!</a:t>
             </a:r>
             <a:endParaRPr lang="en-US" dirty="0"/>
           </a:p>
@@ -19303,7 +19333,7 @@
     </p:spTree>
     <p:extLst>
       <p:ext uri="{BB962C8B-B14F-4D97-AF65-F5344CB8AC3E}">
-        <p14:creationId xmlns:p14="http://schemas.microsoft.com/office/powerpoint/2010/main" val="4075420196"/>
+        <p14:creationId xmlns:p14="http://schemas.microsoft.com/office/powerpoint/2010/main" val="2949344687"/>
       </p:ext>
     </p:extLst>
   </p:cSld>
@@ -19358,31 +19388,12 @@
           <a:lstStyle/>
           <a:p>
             <a:r>
+              <a:rPr lang="en-US" dirty="0"/>
+              <a:t>Of course, which</a:t>
+            </a:r>
+            <a:r>
               <a:rPr lang="en-US" baseline="0" dirty="0"/>
-              <a:t>And there’s a LOT of containers out there than you can pick for .NET. There really is no reason to do it yourself, unless you’re either:</a:t>
-            </a:r>
-          </a:p>
-          <a:p>
-            <a:endParaRPr lang="en-US" baseline="0" dirty="0"/>
-          </a:p>
-          <a:p>
-            <a:pPr marL="171450" indent="-171450">
-              <a:buFont typeface="Arial" panose="020B0604020202020204" pitchFamily="34" charset="0"/>
-              <a:buChar char="•"/>
-            </a:pPr>
-            <a:r>
-              <a:rPr lang="en-US" baseline="0" dirty="0"/>
-              <a:t>Really interested to see if you can make one work</a:t>
-            </a:r>
-          </a:p>
-          <a:p>
-            <a:pPr marL="171450" indent="-171450">
-              <a:buFont typeface="Arial" panose="020B0604020202020204" pitchFamily="34" charset="0"/>
-              <a:buChar char="•"/>
-            </a:pPr>
-            <a:r>
-              <a:rPr lang="en-US" baseline="0" dirty="0"/>
-              <a:t>You’re convinced you can do it better!</a:t>
+              <a:t> one you pick is really up to you. There’s no good reason to spend a significant amount of time – the most popular ones essentially do the same thing in their own ways. Fighting over a specific container isn’t worth the time. </a:t>
             </a:r>
             <a:endParaRPr lang="en-US" dirty="0"/>
           </a:p>
@@ -19414,7 +19425,7 @@
     </p:spTree>
     <p:extLst>
       <p:ext uri="{BB962C8B-B14F-4D97-AF65-F5344CB8AC3E}">
-        <p14:creationId xmlns:p14="http://schemas.microsoft.com/office/powerpoint/2010/main" val="2949344687"/>
+        <p14:creationId xmlns:p14="http://schemas.microsoft.com/office/powerpoint/2010/main" val="335770023"/>
       </p:ext>
     </p:extLst>
   </p:cSld>
@@ -19470,11 +19481,17 @@
           <a:p>
             <a:r>
               <a:rPr lang="en-US" dirty="0"/>
-              <a:t>Of course, which</a:t>
+              <a:t>It’s like fighting</a:t>
             </a:r>
             <a:r>
               <a:rPr lang="en-US" baseline="0" dirty="0"/>
-              <a:t> one you pick is really up to you. There’s no good reason to spend a significant amount of time – the most popular ones essentially do the same thing in their own ways. Fighting over a specific container isn’t worth the time. </a:t>
+              <a:t> over tabs or spaces. We all know tabs is correct, why waste that time? </a:t>
+            </a:r>
+            <a:r>
+              <a:rPr lang="en-US" baseline="0" dirty="0">
+                <a:sym typeface="Wingdings" panose="05000000000000000000" pitchFamily="2" charset="2"/>
+              </a:rPr>
+              <a:t></a:t>
             </a:r>
             <a:endParaRPr lang="en-US" dirty="0"/>
           </a:p>
@@ -19506,7 +19523,7 @@
     </p:spTree>
     <p:extLst>
       <p:ext uri="{BB962C8B-B14F-4D97-AF65-F5344CB8AC3E}">
-        <p14:creationId xmlns:p14="http://schemas.microsoft.com/office/powerpoint/2010/main" val="335770023"/>
+        <p14:creationId xmlns:p14="http://schemas.microsoft.com/office/powerpoint/2010/main" val="867030741"/>
       </p:ext>
     </p:extLst>
   </p:cSld>
@@ -19562,17 +19579,27 @@
           <a:p>
             <a:r>
               <a:rPr lang="en-US" dirty="0"/>
-              <a:t>It’s like fighting</a:t>
+              <a:t>My personal preference is Autofac. It’s very flexible</a:t>
             </a:r>
             <a:r>
               <a:rPr lang="en-US" baseline="0" dirty="0"/>
-              <a:t> over tabs or spaces. We all know tabs is correct, why waste that time? </a:t>
-            </a:r>
-            <a:r>
-              <a:rPr lang="en-US" baseline="0" dirty="0">
-                <a:sym typeface="Wingdings" panose="05000000000000000000" pitchFamily="2" charset="2"/>
-              </a:rPr>
-              <a:t></a:t>
+              <a:t> and provides a lot of dependency management features that I find appealing. But again, if you use </a:t>
+            </a:r>
+            <a:r>
+              <a:rPr lang="en-US" baseline="0" dirty="0" err="1"/>
+              <a:t>StructureMap</a:t>
+            </a:r>
+            <a:r>
+              <a:rPr lang="en-US" baseline="0" dirty="0"/>
+              <a:t>, or </a:t>
+            </a:r>
+            <a:r>
+              <a:rPr lang="en-US" baseline="0" dirty="0" err="1"/>
+              <a:t>Ninject</a:t>
+            </a:r>
+            <a:r>
+              <a:rPr lang="en-US" baseline="0" dirty="0"/>
+              <a:t>, those will work just fine.</a:t>
             </a:r>
             <a:endParaRPr lang="en-US" dirty="0"/>
           </a:p>
@@ -19604,7 +19631,7 @@
     </p:spTree>
     <p:extLst>
       <p:ext uri="{BB962C8B-B14F-4D97-AF65-F5344CB8AC3E}">
-        <p14:creationId xmlns:p14="http://schemas.microsoft.com/office/powerpoint/2010/main" val="867030741"/>
+        <p14:creationId xmlns:p14="http://schemas.microsoft.com/office/powerpoint/2010/main" val="3494523354"/>
       </p:ext>
     </p:extLst>
   </p:cSld>
@@ -19660,27 +19687,11 @@
           <a:p>
             <a:r>
               <a:rPr lang="en-US" dirty="0"/>
-              <a:t>My personal preference is Autofac. It’s very flexible</a:t>
+              <a:t>There are great sites that have done a lot of performance</a:t>
             </a:r>
             <a:r>
               <a:rPr lang="en-US" baseline="0" dirty="0"/>
-              <a:t> and provides a lot of dependency management features that I find appealing. But again, if you use </a:t>
-            </a:r>
-            <a:r>
-              <a:rPr lang="en-US" baseline="0" dirty="0" err="1"/>
-              <a:t>StructureMap</a:t>
-            </a:r>
-            <a:r>
-              <a:rPr lang="en-US" baseline="0" dirty="0"/>
-              <a:t>, or </a:t>
-            </a:r>
-            <a:r>
-              <a:rPr lang="en-US" baseline="0" dirty="0" err="1"/>
-              <a:t>Ninject</a:t>
-            </a:r>
-            <a:r>
-              <a:rPr lang="en-US" baseline="0" dirty="0"/>
-              <a:t>, those will work just fine.</a:t>
+              <a:t> investigations into each framework, so check them out and use that to guide your choice.</a:t>
             </a:r>
             <a:endParaRPr lang="en-US" dirty="0"/>
           </a:p>
@@ -19712,7 +19723,7 @@
     </p:spTree>
     <p:extLst>
       <p:ext uri="{BB962C8B-B14F-4D97-AF65-F5344CB8AC3E}">
-        <p14:creationId xmlns:p14="http://schemas.microsoft.com/office/powerpoint/2010/main" val="3494523354"/>
+        <p14:creationId xmlns:p14="http://schemas.microsoft.com/office/powerpoint/2010/main" val="422147355"/>
       </p:ext>
     </p:extLst>
   </p:cSld>
@@ -19768,11 +19779,19 @@
           <a:p>
             <a:r>
               <a:rPr lang="en-US" dirty="0"/>
-              <a:t>There are great sites that have done a lot of performance</a:t>
+              <a:t>So let’s see how we can use Autofac to register dependencies and resolve them using a Lazy&lt;&gt;</a:t>
             </a:r>
             <a:r>
               <a:rPr lang="en-US" baseline="0" dirty="0"/>
-              <a:t> investigations into each framework, so check them out and use that to guide your choice.</a:t>
+              <a:t> and a </a:t>
+            </a:r>
+            <a:r>
+              <a:rPr lang="en-US" baseline="0" dirty="0" err="1"/>
+              <a:t>Func</a:t>
+            </a:r>
+            <a:r>
+              <a:rPr lang="en-US" baseline="0" dirty="0"/>
+              <a:t>&lt;string, T&gt;, where the former isn’t registered, but the latter is:</a:t>
             </a:r>
             <a:endParaRPr lang="en-US" dirty="0"/>
           </a:p>
@@ -19804,7 +19823,7 @@
     </p:spTree>
     <p:extLst>
       <p:ext uri="{BB962C8B-B14F-4D97-AF65-F5344CB8AC3E}">
-        <p14:creationId xmlns:p14="http://schemas.microsoft.com/office/powerpoint/2010/main" val="422147355"/>
+        <p14:creationId xmlns:p14="http://schemas.microsoft.com/office/powerpoint/2010/main" val="2514936869"/>
       </p:ext>
     </p:extLst>
   </p:cSld>
@@ -19860,19 +19879,11 @@
           <a:p>
             <a:r>
               <a:rPr lang="en-US" dirty="0"/>
-              <a:t>So let’s see how we can use Autofac to register dependencies and resolve them using a Lazy&lt;&gt;</a:t>
+              <a:t>Now, most of us</a:t>
             </a:r>
             <a:r>
               <a:rPr lang="en-US" baseline="0" dirty="0"/>
-              <a:t> and a </a:t>
-            </a:r>
-            <a:r>
-              <a:rPr lang="en-US" baseline="0" dirty="0" err="1"/>
-              <a:t>Func</a:t>
-            </a:r>
-            <a:r>
-              <a:rPr lang="en-US" baseline="0" dirty="0"/>
-              <a:t>&lt;string, T&gt;, where the former isn’t registered, but the latter is:</a:t>
+              <a:t> aren’t writing console applications for production; other application hosts are used. And now .NET Core introduced a “common” DI framework.</a:t>
             </a:r>
             <a:endParaRPr lang="en-US" dirty="0"/>
           </a:p>
@@ -19904,7 +19915,7 @@
     </p:spTree>
     <p:extLst>
       <p:ext uri="{BB962C8B-B14F-4D97-AF65-F5344CB8AC3E}">
-        <p14:creationId xmlns:p14="http://schemas.microsoft.com/office/powerpoint/2010/main" val="2514936869"/>
+        <p14:creationId xmlns:p14="http://schemas.microsoft.com/office/powerpoint/2010/main" val="2883189519"/>
       </p:ext>
     </p:extLst>
   </p:cSld>
@@ -19960,11 +19971,19 @@
           <a:p>
             <a:r>
               <a:rPr lang="en-US" dirty="0"/>
-              <a:t>Now, most of us</a:t>
+              <a:t>Most modern</a:t>
             </a:r>
             <a:r>
               <a:rPr lang="en-US" baseline="0" dirty="0"/>
-              <a:t> aren’t writing console applications for production; other application hosts are used. And now .NET Core introduced a “common” DI framework.</a:t>
+              <a:t> hosts have integration points with NuGet packages that make it pretty simple to put your favorite </a:t>
+            </a:r>
+            <a:r>
+              <a:rPr lang="en-US" baseline="0" dirty="0" err="1"/>
+              <a:t>IoC</a:t>
+            </a:r>
+            <a:r>
+              <a:rPr lang="en-US" baseline="0" dirty="0"/>
+              <a:t> in play with the application.</a:t>
             </a:r>
             <a:endParaRPr lang="en-US" dirty="0"/>
           </a:p>
@@ -19996,7 +20015,7 @@
     </p:spTree>
     <p:extLst>
       <p:ext uri="{BB962C8B-B14F-4D97-AF65-F5344CB8AC3E}">
-        <p14:creationId xmlns:p14="http://schemas.microsoft.com/office/powerpoint/2010/main" val="2883189519"/>
+        <p14:creationId xmlns:p14="http://schemas.microsoft.com/office/powerpoint/2010/main" val="3729922570"/>
       </p:ext>
     </p:extLst>
   </p:cSld>
@@ -20052,19 +20071,11 @@
           <a:p>
             <a:r>
               <a:rPr lang="en-US" dirty="0"/>
-              <a:t>Most modern</a:t>
+              <a:t>Last demo: use Autofac with</a:t>
             </a:r>
             <a:r>
               <a:rPr lang="en-US" baseline="0" dirty="0"/>
-              <a:t> hosts have integration points with NuGet packages that make it pretty simple to put your favorite </a:t>
-            </a:r>
-            <a:r>
-              <a:rPr lang="en-US" baseline="0" dirty="0" err="1"/>
-              <a:t>IoC</a:t>
-            </a:r>
-            <a:r>
-              <a:rPr lang="en-US" baseline="0" dirty="0"/>
-              <a:t> in play with the application.</a:t>
+              <a:t> .NET Core</a:t>
             </a:r>
             <a:endParaRPr lang="en-US" dirty="0"/>
           </a:p>
@@ -20096,7 +20107,7 @@
     </p:spTree>
     <p:extLst>
       <p:ext uri="{BB962C8B-B14F-4D97-AF65-F5344CB8AC3E}">
-        <p14:creationId xmlns:p14="http://schemas.microsoft.com/office/powerpoint/2010/main" val="3729922570"/>
+        <p14:creationId xmlns:p14="http://schemas.microsoft.com/office/powerpoint/2010/main" val="1162403057"/>
       </p:ext>
     </p:extLst>
   </p:cSld>
@@ -20152,13 +20163,8 @@
           <a:p>
             <a:r>
               <a:rPr lang="en-US" dirty="0"/>
-              <a:t>Last demo: use Autofac with</a:t>
-            </a:r>
-            <a:r>
-              <a:rPr lang="en-US" baseline="0" dirty="0"/>
-              <a:t> .NET Core</a:t>
-            </a:r>
-            <a:endParaRPr lang="en-US" dirty="0"/>
+              <a:t>This sums it up well</a:t>
+            </a:r>
           </a:p>
         </p:txBody>
       </p:sp>
@@ -20188,7 +20194,7 @@
     </p:spTree>
     <p:extLst>
       <p:ext uri="{BB962C8B-B14F-4D97-AF65-F5344CB8AC3E}">
-        <p14:creationId xmlns:p14="http://schemas.microsoft.com/office/powerpoint/2010/main" val="1162403057"/>
+        <p14:creationId xmlns:p14="http://schemas.microsoft.com/office/powerpoint/2010/main" val="3304604059"/>
       </p:ext>
     </p:extLst>
   </p:cSld>
@@ -20244,11 +20250,11 @@
           <a:p>
             <a:r>
               <a:rPr lang="en-US" dirty="0"/>
-              <a:t>We</a:t>
+              <a:t>I</a:t>
             </a:r>
             <a:r>
               <a:rPr lang="en-US" baseline="0" dirty="0"/>
-              <a:t> know a lot about how to write good code, and these books (among others) have good information about how to do it. Let’s focus in on the dependency aspect with a real-world example</a:t>
+              <a:t> have two kids</a:t>
             </a:r>
             <a:endParaRPr lang="en-US" dirty="0"/>
           </a:p>
@@ -20280,7 +20286,7 @@
     </p:spTree>
     <p:extLst>
       <p:ext uri="{BB962C8B-B14F-4D97-AF65-F5344CB8AC3E}">
-        <p14:creationId xmlns:p14="http://schemas.microsoft.com/office/powerpoint/2010/main" val="1604086861"/>
+        <p14:creationId xmlns:p14="http://schemas.microsoft.com/office/powerpoint/2010/main" val="2783488556"/>
       </p:ext>
     </p:extLst>
   </p:cSld>
@@ -20336,7 +20342,127 @@
           <a:p>
             <a:r>
               <a:rPr lang="en-US" dirty="0"/>
-              <a:t>This sums it up well</a:t>
+              <a:t>* Dependency injection in ASP.NET Core - https://docs.microsoft.com/en-us/aspnet/core/fundamentals/dependency-injection</a:t>
+            </a:r>
+          </a:p>
+          <a:p>
+            <a:r>
+              <a:rPr lang="en-US" dirty="0"/>
+              <a:t>* Essential .NET - Dependency Injection with .NET Core - https://msdn.microsoft.com/en-us/magazine/mt707534.aspx</a:t>
+            </a:r>
+          </a:p>
+          <a:p>
+            <a:r>
+              <a:rPr lang="en-US" dirty="0"/>
+              <a:t>* </a:t>
+            </a:r>
+            <a:r>
+              <a:rPr lang="en-US" dirty="0" err="1"/>
+              <a:t>.Net</a:t>
+            </a:r>
+            <a:r>
+              <a:rPr lang="en-US" dirty="0"/>
+              <a:t> Core Dependency Injection - https://stackify.com/net-core-dependency-injection/</a:t>
+            </a:r>
+          </a:p>
+          <a:p>
+            <a:r>
+              <a:rPr lang="en-US" dirty="0"/>
+              <a:t>* Inversion of Control Patterns for the Microsoft .NET Framework - https://visualstudiomagazine.com/articles/2010/08/01/inversion-of-control-patterns-for-the-microsoft-net-framework.aspx</a:t>
+            </a:r>
+          </a:p>
+          <a:p>
+            <a:r>
+              <a:rPr lang="en-US" dirty="0"/>
+              <a:t>* List of .NET Dependency Injection Containers (IOC) - http://www.hanselman.com/blog/ListOfNETDependencyInjectionContainersIOC.aspx</a:t>
+            </a:r>
+          </a:p>
+          <a:p>
+            <a:r>
+              <a:rPr lang="en-US" dirty="0"/>
+              <a:t>* </a:t>
+            </a:r>
+            <a:r>
+              <a:rPr lang="en-US" dirty="0" err="1"/>
+              <a:t>IoC</a:t>
+            </a:r>
+            <a:r>
+              <a:rPr lang="en-US" dirty="0"/>
+              <a:t> Container Benchmark - Performance comparison - http://www.palmmedia.de/Blog/2011/8/30/ioc-container-benchmark-performance-comparison</a:t>
+            </a:r>
+          </a:p>
+          <a:p>
+            <a:r>
+              <a:rPr lang="en-US" dirty="0"/>
+              <a:t>* </a:t>
+            </a:r>
+            <a:r>
+              <a:rPr lang="en-US" dirty="0" err="1"/>
+              <a:t>IoC</a:t>
+            </a:r>
+            <a:r>
+              <a:rPr lang="en-US" dirty="0"/>
+              <a:t> Battle: http://www.iocbattle.com/</a:t>
+            </a:r>
+          </a:p>
+          <a:p>
+            <a:r>
+              <a:rPr lang="en-US" dirty="0"/>
+              <a:t>* Inversion of control containers – Best practices - http://www.dotnetcodegeeks.com/2012/05/inversion-of-control-containers-best.html</a:t>
+            </a:r>
+          </a:p>
+          <a:p>
+            <a:r>
+              <a:rPr lang="en-US" dirty="0"/>
+              <a:t>* Building an </a:t>
+            </a:r>
+            <a:r>
+              <a:rPr lang="en-US" dirty="0" err="1"/>
+              <a:t>IoC</a:t>
+            </a:r>
+            <a:r>
+              <a:rPr lang="en-US" dirty="0"/>
+              <a:t> container in 15 lines of code - http://ayende.com/blog/2886/building-an-ioc-container-in-15-lines-of-code</a:t>
+            </a:r>
+          </a:p>
+          <a:p>
+            <a:r>
+              <a:rPr lang="en-US" dirty="0"/>
+              <a:t>* Using </a:t>
+            </a:r>
+            <a:r>
+              <a:rPr lang="en-US" dirty="0" err="1"/>
+              <a:t>IDisposable</a:t>
+            </a:r>
+            <a:r>
+              <a:rPr lang="en-US" dirty="0"/>
+              <a:t> with </a:t>
+            </a:r>
+            <a:r>
+              <a:rPr lang="en-US" dirty="0" err="1"/>
+              <a:t>Autofac</a:t>
+            </a:r>
+            <a:r>
+              <a:rPr lang="en-US" dirty="0"/>
+              <a:t> - http://binarysculpting.com/2012/08/19/using-idisposable-with-autofac/</a:t>
+            </a:r>
+          </a:p>
+          <a:p>
+            <a:r>
+              <a:rPr lang="en-US" dirty="0"/>
+              <a:t>* Service Locator is an Anti-Pattern - http://blog.ploeh.dk/2010/02/03/ServiceLocatorisanAnti-Pattern/</a:t>
+            </a:r>
+          </a:p>
+          <a:p>
+            <a:r>
+              <a:rPr lang="en-US" dirty="0"/>
+              <a:t>* Dependency Injection in ASP.NET Core - https://blogs.msdn.microsoft.com/webdev/2016/03/28/dependency-injection-in-asp-net-core/</a:t>
+            </a:r>
+          </a:p>
+          <a:p>
+            <a:r>
+              <a:rPr lang="en-US" dirty="0"/>
+              <a:t>* Dependency Injection with .NET Core - https://msdn.microsoft.com/en-us/magazine/mt707534.aspx</a:t>
             </a:r>
           </a:p>
         </p:txBody>
@@ -20359,214 +20485,6 @@
             <a:fld id="{4E8BADB7-1FBB-B74E-B90C-DA1567BD042E}" type="slidenum">
               <a:rPr lang="en-US" smtClean="0"/>
               <a:t>44</a:t>
-            </a:fld>
-            <a:endParaRPr lang="en-US"/>
-          </a:p>
-        </p:txBody>
-      </p:sp>
-    </p:spTree>
-    <p:extLst>
-      <p:ext uri="{BB962C8B-B14F-4D97-AF65-F5344CB8AC3E}">
-        <p14:creationId xmlns:p14="http://schemas.microsoft.com/office/powerpoint/2010/main" val="3304604059"/>
-      </p:ext>
-    </p:extLst>
-  </p:cSld>
-  <p:clrMapOvr>
-    <a:masterClrMapping/>
-  </p:clrMapOvr>
-</p:notes>
-</file>
-
-<file path=ppt/notesSlides/notesSlide41.xml><?xml version="1.0" encoding="utf-8"?>
-<p:notes xmlns:a="http://schemas.openxmlformats.org/drawingml/2006/main" xmlns:r="http://schemas.openxmlformats.org/officeDocument/2006/relationships" xmlns:p="http://schemas.openxmlformats.org/presentationml/2006/main">
-  <p:cSld>
-    <p:spTree>
-      <p:nvGrpSpPr>
-        <p:cNvPr id="1" name=""/>
-        <p:cNvGrpSpPr/>
-        <p:nvPr/>
-      </p:nvGrpSpPr>
-      <p:grpSpPr>
-        <a:xfrm>
-          <a:off x="0" y="0"/>
-          <a:ext cx="0" cy="0"/>
-          <a:chOff x="0" y="0"/>
-          <a:chExt cx="0" cy="0"/>
-        </a:xfrm>
-      </p:grpSpPr>
-      <p:sp>
-        <p:nvSpPr>
-          <p:cNvPr id="2" name="Slide Image Placeholder 1"/>
-          <p:cNvSpPr>
-            <a:spLocks noGrp="1" noRot="1" noChangeAspect="1"/>
-          </p:cNvSpPr>
-          <p:nvPr>
-            <p:ph type="sldImg"/>
-          </p:nvPr>
-        </p:nvSpPr>
-        <p:spPr/>
-      </p:sp>
-      <p:sp>
-        <p:nvSpPr>
-          <p:cNvPr id="3" name="Notes Placeholder 2"/>
-          <p:cNvSpPr>
-            <a:spLocks noGrp="1"/>
-          </p:cNvSpPr>
-          <p:nvPr>
-            <p:ph type="body" idx="1"/>
-          </p:nvPr>
-        </p:nvSpPr>
-        <p:spPr/>
-        <p:txBody>
-          <a:bodyPr/>
-          <a:lstStyle/>
-          <a:p>
-            <a:r>
-              <a:rPr lang="en-US" dirty="0"/>
-              <a:t>* Dependency injection in ASP.NET Core - https://docs.microsoft.com/en-us/aspnet/core/fundamentals/dependency-injection</a:t>
-            </a:r>
-          </a:p>
-          <a:p>
-            <a:r>
-              <a:rPr lang="en-US" dirty="0"/>
-              <a:t>* Essential .NET - Dependency Injection with .NET Core - https://msdn.microsoft.com/en-us/magazine/mt707534.aspx</a:t>
-            </a:r>
-          </a:p>
-          <a:p>
-            <a:r>
-              <a:rPr lang="en-US" dirty="0"/>
-              <a:t>* </a:t>
-            </a:r>
-            <a:r>
-              <a:rPr lang="en-US" dirty="0" err="1"/>
-              <a:t>.Net</a:t>
-            </a:r>
-            <a:r>
-              <a:rPr lang="en-US" dirty="0"/>
-              <a:t> Core Dependency Injection - https://stackify.com/net-core-dependency-injection/</a:t>
-            </a:r>
-          </a:p>
-          <a:p>
-            <a:r>
-              <a:rPr lang="en-US" dirty="0"/>
-              <a:t>* Inversion of Control Patterns for the Microsoft .NET Framework - https://visualstudiomagazine.com/articles/2010/08/01/inversion-of-control-patterns-for-the-microsoft-net-framework.aspx</a:t>
-            </a:r>
-          </a:p>
-          <a:p>
-            <a:r>
-              <a:rPr lang="en-US" dirty="0"/>
-              <a:t>* List of .NET Dependency Injection Containers (IOC) - http://www.hanselman.com/blog/ListOfNETDependencyInjectionContainersIOC.aspx</a:t>
-            </a:r>
-          </a:p>
-          <a:p>
-            <a:r>
-              <a:rPr lang="en-US" dirty="0"/>
-              <a:t>* </a:t>
-            </a:r>
-            <a:r>
-              <a:rPr lang="en-US" dirty="0" err="1"/>
-              <a:t>IoC</a:t>
-            </a:r>
-            <a:r>
-              <a:rPr lang="en-US" dirty="0"/>
-              <a:t> Container Benchmark - Performance comparison - http://www.palmmedia.de/Blog/2011/8/30/ioc-container-benchmark-performance-comparison</a:t>
-            </a:r>
-          </a:p>
-          <a:p>
-            <a:r>
-              <a:rPr lang="en-US" dirty="0"/>
-              <a:t>* </a:t>
-            </a:r>
-            <a:r>
-              <a:rPr lang="en-US" dirty="0" err="1"/>
-              <a:t>IoC</a:t>
-            </a:r>
-            <a:r>
-              <a:rPr lang="en-US" dirty="0"/>
-              <a:t> Battle: http://www.iocbattle.com/</a:t>
-            </a:r>
-          </a:p>
-          <a:p>
-            <a:r>
-              <a:rPr lang="en-US" dirty="0"/>
-              <a:t>* Inversion of control containers – Best practices - http://www.dotnetcodegeeks.com/2012/05/inversion-of-control-containers-best.html</a:t>
-            </a:r>
-          </a:p>
-          <a:p>
-            <a:r>
-              <a:rPr lang="en-US" dirty="0"/>
-              <a:t>* Building an </a:t>
-            </a:r>
-            <a:r>
-              <a:rPr lang="en-US" dirty="0" err="1"/>
-              <a:t>IoC</a:t>
-            </a:r>
-            <a:r>
-              <a:rPr lang="en-US" dirty="0"/>
-              <a:t> container in 15 lines of code - http://ayende.com/blog/2886/building-an-ioc-container-in-15-lines-of-code</a:t>
-            </a:r>
-          </a:p>
-          <a:p>
-            <a:r>
-              <a:rPr lang="en-US" dirty="0"/>
-              <a:t>* Using </a:t>
-            </a:r>
-            <a:r>
-              <a:rPr lang="en-US" dirty="0" err="1"/>
-              <a:t>IDisposable</a:t>
-            </a:r>
-            <a:r>
-              <a:rPr lang="en-US" dirty="0"/>
-              <a:t> with </a:t>
-            </a:r>
-            <a:r>
-              <a:rPr lang="en-US" dirty="0" err="1"/>
-              <a:t>Autofac</a:t>
-            </a:r>
-            <a:r>
-              <a:rPr lang="en-US" dirty="0"/>
-              <a:t> - http://binarysculpting.com/2012/08/19/using-idisposable-with-autofac/</a:t>
-            </a:r>
-          </a:p>
-          <a:p>
-            <a:r>
-              <a:rPr lang="en-US" dirty="0"/>
-              <a:t>* Service Locator is an Anti-Pattern - http://blog.ploeh.dk/2010/02/03/ServiceLocatorisanAnti-Pattern/</a:t>
-            </a:r>
-          </a:p>
-          <a:p>
-            <a:r>
-              <a:rPr lang="en-US" dirty="0"/>
-              <a:t>* Dependency Injection in ASP.NET Core - https://blogs.msdn.microsoft.com/webdev/2016/03/28/dependency-injection-in-asp-net-core/</a:t>
-            </a:r>
-          </a:p>
-          <a:p>
-            <a:r>
-              <a:rPr lang="en-US"/>
-              <a:t>* Dependency Injection with .NET Core - https://msdn.microsoft.com/en-us/magazine/mt707534.aspx</a:t>
-            </a:r>
-            <a:endParaRPr lang="en-US" dirty="0"/>
-          </a:p>
-        </p:txBody>
-      </p:sp>
-      <p:sp>
-        <p:nvSpPr>
-          <p:cNvPr id="4" name="Slide Number Placeholder 3"/>
-          <p:cNvSpPr>
-            <a:spLocks noGrp="1"/>
-          </p:cNvSpPr>
-          <p:nvPr>
-            <p:ph type="sldNum" sz="quarter" idx="10"/>
-          </p:nvPr>
-        </p:nvSpPr>
-        <p:spPr/>
-        <p:txBody>
-          <a:bodyPr/>
-          <a:lstStyle/>
-          <a:p>
-            <a:fld id="{4E8BADB7-1FBB-B74E-B90C-DA1567BD042E}" type="slidenum">
-              <a:rPr lang="en-US" smtClean="0"/>
-              <a:t>45</a:t>
             </a:fld>
             <a:endParaRPr lang="en-US"/>
           </a:p>
@@ -20631,11 +20549,11 @@
           <a:p>
             <a:r>
               <a:rPr lang="en-US" dirty="0"/>
-              <a:t>I</a:t>
+              <a:t>They’re dependent on me. Sometimes they make requests</a:t>
             </a:r>
             <a:r>
               <a:rPr lang="en-US" baseline="0" dirty="0"/>
-              <a:t> have two kids</a:t>
+              <a:t> from me, like “give me money!”</a:t>
             </a:r>
             <a:endParaRPr lang="en-US" dirty="0"/>
           </a:p>
@@ -20667,7 +20585,7 @@
     </p:spTree>
     <p:extLst>
       <p:ext uri="{BB962C8B-B14F-4D97-AF65-F5344CB8AC3E}">
-        <p14:creationId xmlns:p14="http://schemas.microsoft.com/office/powerpoint/2010/main" val="2783488556"/>
+        <p14:creationId xmlns:p14="http://schemas.microsoft.com/office/powerpoint/2010/main" val="3397222873"/>
       </p:ext>
     </p:extLst>
   </p:cSld>
@@ -20722,12 +20640,16 @@
           <a:lstStyle/>
           <a:p>
             <a:r>
-              <a:rPr lang="en-US" dirty="0"/>
-              <a:t>They’re dependent on me. Sometimes they make requests</a:t>
-            </a:r>
-            <a:r>
               <a:rPr lang="en-US" baseline="0" dirty="0"/>
-              <a:t> from me, like “give me money!”</a:t>
+              <a:t>I may return 0, or </a:t>
+            </a:r>
+            <a:r>
+              <a:rPr lang="en-US" baseline="0" dirty="0" err="1"/>
+              <a:t>RoomNotCleanedException</a:t>
+            </a:r>
+            <a:r>
+              <a:rPr lang="en-US" baseline="0" dirty="0"/>
+              <a:t>. (or even -2)</a:t>
             </a:r>
             <a:endParaRPr lang="en-US" dirty="0"/>
           </a:p>
@@ -20759,7 +20681,7 @@
     </p:spTree>
     <p:extLst>
       <p:ext uri="{BB962C8B-B14F-4D97-AF65-F5344CB8AC3E}">
-        <p14:creationId xmlns:p14="http://schemas.microsoft.com/office/powerpoint/2010/main" val="3397222873"/>
+        <p14:creationId xmlns:p14="http://schemas.microsoft.com/office/powerpoint/2010/main" val="1238758787"/>
       </p:ext>
     </p:extLst>
   </p:cSld>
@@ -20815,15 +20737,7 @@
           <a:p>
             <a:r>
               <a:rPr lang="en-US" baseline="0" dirty="0"/>
-              <a:t>I may return 0, or </a:t>
-            </a:r>
-            <a:r>
-              <a:rPr lang="en-US" baseline="0" dirty="0" err="1"/>
-              <a:t>RoomNotCleanedException</a:t>
-            </a:r>
-            <a:r>
-              <a:rPr lang="en-US" baseline="0" dirty="0"/>
-              <a:t>. (or even -2)</a:t>
+              <a:t>Or I may pay them for their hard work (a quarter is a quarter!)</a:t>
             </a:r>
             <a:endParaRPr lang="en-US" dirty="0"/>
           </a:p>
@@ -20855,7 +20769,7 @@
     </p:spTree>
     <p:extLst>
       <p:ext uri="{BB962C8B-B14F-4D97-AF65-F5344CB8AC3E}">
-        <p14:creationId xmlns:p14="http://schemas.microsoft.com/office/powerpoint/2010/main" val="1238758787"/>
+        <p14:creationId xmlns:p14="http://schemas.microsoft.com/office/powerpoint/2010/main" val="489090368"/>
       </p:ext>
     </p:extLst>
   </p:cSld>
@@ -20911,7 +20825,7 @@
           <a:p>
             <a:r>
               <a:rPr lang="en-US" baseline="0" dirty="0"/>
-              <a:t>Or I may pay them for their hard work (a quarter is a quarter!)</a:t>
+              <a:t>If I don't work, make money, pay the mortgage, get groceries, etc. I turn into a null reference, and that's not good.</a:t>
             </a:r>
             <a:endParaRPr lang="en-US" dirty="0"/>
           </a:p>
@@ -20943,7 +20857,7 @@
     </p:spTree>
     <p:extLst>
       <p:ext uri="{BB962C8B-B14F-4D97-AF65-F5344CB8AC3E}">
-        <p14:creationId xmlns:p14="http://schemas.microsoft.com/office/powerpoint/2010/main" val="489090368"/>
+        <p14:creationId xmlns:p14="http://schemas.microsoft.com/office/powerpoint/2010/main" val="120618974"/>
       </p:ext>
     </p:extLst>
   </p:cSld>
@@ -20999,7 +20913,7 @@
           <a:p>
             <a:r>
               <a:rPr lang="en-US" baseline="0" dirty="0"/>
-              <a:t>If I don't work, make money, pay the mortgage, get groceries, etc. I turn into a null reference, and that's not good.</a:t>
+              <a:t>That’s all dependencies are. This is the simplest answer I could come up with off the top of my head</a:t>
             </a:r>
             <a:endParaRPr lang="en-US" dirty="0"/>
           </a:p>
@@ -21031,7 +20945,7 @@
     </p:spTree>
     <p:extLst>
       <p:ext uri="{BB962C8B-B14F-4D97-AF65-F5344CB8AC3E}">
-        <p14:creationId xmlns:p14="http://schemas.microsoft.com/office/powerpoint/2010/main" val="120618974"/>
+        <p14:creationId xmlns:p14="http://schemas.microsoft.com/office/powerpoint/2010/main" val="3898480509"/>
       </p:ext>
     </p:extLst>
   </p:cSld>
@@ -23925,7 +23839,10 @@
           <a:bodyPr/>
           <a:lstStyle/>
           <a:p>
-            <a:endParaRPr lang="en-US" dirty="0"/>
+            <a:r>
+              <a:rPr lang="en-US" dirty="0"/>
+              <a:t>Dependencies Demystified</a:t>
+            </a:r>
           </a:p>
         </p:txBody>
       </p:sp>
@@ -23963,7 +23880,16 @@
           <a:bodyPr/>
           <a:lstStyle/>
           <a:p>
-            <a:endParaRPr lang="en-US" dirty="0"/>
+            <a:r>
+              <a:rPr lang="en-US" dirty="0"/>
+              <a:t>Jason Bock</a:t>
+            </a:r>
+          </a:p>
+          <a:p>
+            <a:r>
+              <a:rPr lang="en-US" dirty="0"/>
+              <a:t>Practice Lead</a:t>
+            </a:r>
           </a:p>
         </p:txBody>
       </p:sp>
@@ -23989,7 +23915,7 @@
     </p:spTree>
     <p:extLst>
       <p:ext uri="{BB962C8B-B14F-4D97-AF65-F5344CB8AC3E}">
-        <p14:creationId xmlns:p14="http://schemas.microsoft.com/office/powerpoint/2010/main" val="543732617"/>
+        <p14:creationId xmlns:p14="http://schemas.microsoft.com/office/powerpoint/2010/main" val="1326797267"/>
       </p:ext>
     </p:extLst>
   </p:cSld>
@@ -24000,88 +23926,6 @@
 </file>
 
 <file path=ppt/slides/slide10.xml><?xml version="1.0" encoding="utf-8"?>
-<p:sld xmlns:a="http://schemas.openxmlformats.org/drawingml/2006/main" xmlns:r="http://schemas.openxmlformats.org/officeDocument/2006/relationships" xmlns:p="http://schemas.openxmlformats.org/presentationml/2006/main">
-  <p:cSld>
-    <p:spTree>
-      <p:nvGrpSpPr>
-        <p:cNvPr id="1" name=""/>
-        <p:cNvGrpSpPr/>
-        <p:nvPr/>
-      </p:nvGrpSpPr>
-      <p:grpSpPr>
-        <a:xfrm>
-          <a:off x="0" y="0"/>
-          <a:ext cx="0" cy="0"/>
-          <a:chOff x="0" y="0"/>
-          <a:chExt cx="0" cy="0"/>
-        </a:xfrm>
-      </p:grpSpPr>
-      <p:sp>
-        <p:nvSpPr>
-          <p:cNvPr id="3" name="Title 2"/>
-          <p:cNvSpPr>
-            <a:spLocks noGrp="1"/>
-          </p:cNvSpPr>
-          <p:nvPr>
-            <p:ph type="title"/>
-          </p:nvPr>
-        </p:nvSpPr>
-        <p:spPr/>
-        <p:txBody>
-          <a:bodyPr/>
-          <a:lstStyle/>
-          <a:p>
-            <a:r>
-              <a:rPr lang="en-US" dirty="0"/>
-              <a:t>Dependencies</a:t>
-            </a:r>
-          </a:p>
-        </p:txBody>
-      </p:sp>
-      <p:pic>
-        <p:nvPicPr>
-          <p:cNvPr id="6" name="Picture 5"/>
-          <p:cNvPicPr>
-            <a:picLocks noChangeAspect="1"/>
-          </p:cNvPicPr>
-          <p:nvPr/>
-        </p:nvPicPr>
-        <p:blipFill>
-          <a:blip r:embed="rId3">
-            <a:extLst>
-              <a:ext uri="{28A0092B-C50C-407E-A947-70E740481C1C}">
-                <a14:useLocalDpi xmlns:a14="http://schemas.microsoft.com/office/drawing/2010/main" val="0"/>
-              </a:ext>
-            </a:extLst>
-          </a:blip>
-          <a:stretch>
-            <a:fillRect/>
-          </a:stretch>
-        </p:blipFill>
-        <p:spPr>
-          <a:xfrm>
-            <a:off x="1773885" y="947057"/>
-            <a:ext cx="8650514" cy="4865914"/>
-          </a:xfrm>
-          <a:prstGeom prst="rect">
-            <a:avLst/>
-          </a:prstGeom>
-        </p:spPr>
-      </p:pic>
-    </p:spTree>
-    <p:extLst>
-      <p:ext uri="{BB962C8B-B14F-4D97-AF65-F5344CB8AC3E}">
-        <p14:creationId xmlns:p14="http://schemas.microsoft.com/office/powerpoint/2010/main" val="1773185236"/>
-      </p:ext>
-    </p:extLst>
-  </p:cSld>
-  <p:clrMapOvr>
-    <a:masterClrMapping/>
-  </p:clrMapOvr>
-</p:sld>
-</file>
-
-<file path=ppt/slides/slide11.xml><?xml version="1.0" encoding="utf-8"?>
 <p:sld xmlns:a="http://schemas.openxmlformats.org/drawingml/2006/main" xmlns:r="http://schemas.openxmlformats.org/officeDocument/2006/relationships" xmlns:p="http://schemas.openxmlformats.org/presentationml/2006/main">
   <p:cSld>
     <p:spTree>
@@ -24163,7 +24007,7 @@
 </p:sld>
 </file>
 
-<file path=ppt/slides/slide12.xml><?xml version="1.0" encoding="utf-8"?>
+<file path=ppt/slides/slide11.xml><?xml version="1.0" encoding="utf-8"?>
 <p:sld xmlns:a="http://schemas.openxmlformats.org/drawingml/2006/main" xmlns:r="http://schemas.openxmlformats.org/officeDocument/2006/relationships" xmlns:p="http://schemas.openxmlformats.org/presentationml/2006/main">
   <p:cSld>
     <p:spTree>
@@ -24245,7 +24089,7 @@
 </p:sld>
 </file>
 
-<file path=ppt/slides/slide13.xml><?xml version="1.0" encoding="utf-8"?>
+<file path=ppt/slides/slide12.xml><?xml version="1.0" encoding="utf-8"?>
 <p:sld xmlns:a="http://schemas.openxmlformats.org/drawingml/2006/main" xmlns:r="http://schemas.openxmlformats.org/officeDocument/2006/relationships" xmlns:p="http://schemas.openxmlformats.org/presentationml/2006/main">
   <p:cSld>
     <p:spTree>
@@ -24326,7 +24170,7 @@
 </p:sld>
 </file>
 
-<file path=ppt/slides/slide14.xml><?xml version="1.0" encoding="utf-8"?>
+<file path=ppt/slides/slide13.xml><?xml version="1.0" encoding="utf-8"?>
 <p:sld xmlns:a="http://schemas.openxmlformats.org/drawingml/2006/main" xmlns:r="http://schemas.openxmlformats.org/officeDocument/2006/relationships" xmlns:p="http://schemas.openxmlformats.org/presentationml/2006/main">
   <p:cSld>
     <p:spTree>
@@ -24500,7 +24344,7 @@
 </p:sld>
 </file>
 
-<file path=ppt/slides/slide15.xml><?xml version="1.0" encoding="utf-8"?>
+<file path=ppt/slides/slide14.xml><?xml version="1.0" encoding="utf-8"?>
 <p:sld xmlns:a="http://schemas.openxmlformats.org/drawingml/2006/main" xmlns:r="http://schemas.openxmlformats.org/officeDocument/2006/relationships" xmlns:p="http://schemas.openxmlformats.org/presentationml/2006/main">
   <p:cSld>
     <p:spTree>
@@ -24717,7 +24561,7 @@
 </p:sld>
 </file>
 
-<file path=ppt/slides/slide16.xml><?xml version="1.0" encoding="utf-8"?>
+<file path=ppt/slides/slide15.xml><?xml version="1.0" encoding="utf-8"?>
 <p:sld xmlns:a="http://schemas.openxmlformats.org/drawingml/2006/main" xmlns:r="http://schemas.openxmlformats.org/officeDocument/2006/relationships" xmlns:p="http://schemas.openxmlformats.org/presentationml/2006/main">
   <p:cSld>
     <p:spTree>
@@ -24827,7 +24671,7 @@
 </p:sld>
 </file>
 
-<file path=ppt/slides/slide17.xml><?xml version="1.0" encoding="utf-8"?>
+<file path=ppt/slides/slide16.xml><?xml version="1.0" encoding="utf-8"?>
 <p:sld xmlns:a="http://schemas.openxmlformats.org/drawingml/2006/main" xmlns:r="http://schemas.openxmlformats.org/officeDocument/2006/relationships" xmlns:p="http://schemas.openxmlformats.org/presentationml/2006/main">
   <p:cSld>
     <p:spTree>
@@ -24941,7 +24785,7 @@
 </p:sld>
 </file>
 
-<file path=ppt/slides/slide18.xml><?xml version="1.0" encoding="utf-8"?>
+<file path=ppt/slides/slide17.xml><?xml version="1.0" encoding="utf-8"?>
 <p:sld xmlns:a="http://schemas.openxmlformats.org/drawingml/2006/main" xmlns:r="http://schemas.openxmlformats.org/officeDocument/2006/relationships" xmlns:p="http://schemas.openxmlformats.org/presentationml/2006/main">
   <p:cSld>
     <p:spTree>
@@ -25055,7 +24899,7 @@
 </p:sld>
 </file>
 
-<file path=ppt/slides/slide19.xml><?xml version="1.0" encoding="utf-8"?>
+<file path=ppt/slides/slide18.xml><?xml version="1.0" encoding="utf-8"?>
 <p:sld xmlns:a="http://schemas.openxmlformats.org/drawingml/2006/main" xmlns:r="http://schemas.openxmlformats.org/officeDocument/2006/relationships" xmlns:p="http://schemas.openxmlformats.org/presentationml/2006/main">
   <p:cSld>
     <p:spTree>
@@ -25358,6 +25202,76 @@
 </p:sld>
 </file>
 
+<file path=ppt/slides/slide19.xml><?xml version="1.0" encoding="utf-8"?>
+<p:sld xmlns:a="http://schemas.openxmlformats.org/drawingml/2006/main" xmlns:r="http://schemas.openxmlformats.org/officeDocument/2006/relationships" xmlns:p="http://schemas.openxmlformats.org/presentationml/2006/main">
+  <p:cSld>
+    <p:spTree>
+      <p:nvGrpSpPr>
+        <p:cNvPr id="1" name=""/>
+        <p:cNvGrpSpPr/>
+        <p:nvPr/>
+      </p:nvGrpSpPr>
+      <p:grpSpPr>
+        <a:xfrm>
+          <a:off x="0" y="0"/>
+          <a:ext cx="0" cy="0"/>
+          <a:chOff x="0" y="0"/>
+          <a:chExt cx="0" cy="0"/>
+        </a:xfrm>
+      </p:grpSpPr>
+      <p:sp>
+        <p:nvSpPr>
+          <p:cNvPr id="3" name="Title 2"/>
+          <p:cNvSpPr>
+            <a:spLocks noGrp="1"/>
+          </p:cNvSpPr>
+          <p:nvPr>
+            <p:ph type="title"/>
+          </p:nvPr>
+        </p:nvSpPr>
+        <p:spPr/>
+        <p:txBody>
+          <a:bodyPr/>
+          <a:lstStyle/>
+          <a:p>
+            <a:r>
+              <a:rPr lang="en-US" dirty="0"/>
+              <a:t>Dependencies</a:t>
+            </a:r>
+          </a:p>
+        </p:txBody>
+      </p:sp>
+      <p:graphicFrame>
+        <p:nvGraphicFramePr>
+          <p:cNvPr id="4" name="Diagram 3"/>
+          <p:cNvGraphicFramePr/>
+          <p:nvPr>
+            <p:extLst/>
+          </p:nvPr>
+        </p:nvGraphicFramePr>
+        <p:xfrm>
+          <a:off x="2156699" y="1176866"/>
+          <a:ext cx="7884886" cy="4309534"/>
+        </p:xfrm>
+        <a:graphic>
+          <a:graphicData uri="http://schemas.openxmlformats.org/drawingml/2006/diagram">
+            <dgm:relIds xmlns:dgm="http://schemas.openxmlformats.org/drawingml/2006/diagram" xmlns:r="http://schemas.openxmlformats.org/officeDocument/2006/relationships" r:dm="rId3" r:lo="rId4" r:qs="rId5" r:cs="rId6"/>
+          </a:graphicData>
+        </a:graphic>
+      </p:graphicFrame>
+    </p:spTree>
+    <p:extLst>
+      <p:ext uri="{BB962C8B-B14F-4D97-AF65-F5344CB8AC3E}">
+        <p14:creationId xmlns:p14="http://schemas.microsoft.com/office/powerpoint/2010/main" val="3951033708"/>
+      </p:ext>
+    </p:extLst>
+  </p:cSld>
+  <p:clrMapOvr>
+    <a:masterClrMapping/>
+  </p:clrMapOvr>
+</p:sld>
+</file>
+
 <file path=ppt/slides/slide2.xml><?xml version="1.0" encoding="utf-8"?>
 <p:sld xmlns:a="http://schemas.openxmlformats.org/drawingml/2006/main" xmlns:r="http://schemas.openxmlformats.org/officeDocument/2006/relationships" xmlns:p="http://schemas.openxmlformats.org/presentationml/2006/main">
   <p:cSld>
@@ -25377,12 +25291,12 @@
       </p:grpSpPr>
       <p:sp>
         <p:nvSpPr>
-          <p:cNvPr id="2" name="Title 1"/>
+          <p:cNvPr id="2" name="Content Placeholder 1"/>
           <p:cNvSpPr>
             <a:spLocks noGrp="1"/>
           </p:cNvSpPr>
           <p:nvPr>
-            <p:ph type="ctrTitle"/>
+            <p:ph idx="1"/>
           </p:nvPr>
         </p:nvSpPr>
         <p:spPr/>
@@ -25392,19 +25306,46 @@
           <a:p>
             <a:r>
               <a:rPr lang="en-US" dirty="0"/>
-              <a:t>Dependencies Demystified</a:t>
-            </a:r>
+              <a:t>http://www.magenic.com</a:t>
+            </a:r>
+          </a:p>
+          <a:p>
+            <a:r>
+              <a:rPr lang="en-US" dirty="0"/>
+              <a:t>http://www.jasonbock.net</a:t>
+            </a:r>
+          </a:p>
+          <a:p>
+            <a:r>
+              <a:rPr lang="en-US" dirty="0"/>
+              <a:t>https://www.twitter.com/jasonbock</a:t>
+            </a:r>
+          </a:p>
+          <a:p>
+            <a:r>
+              <a:rPr lang="en-US" dirty="0"/>
+              <a:t>https://www.github.com/jasonbock</a:t>
+            </a:r>
+          </a:p>
+          <a:p>
+            <a:r>
+              <a:rPr lang="en-US" dirty="0"/>
+              <a:t>jasonb@magenic.com</a:t>
+            </a:r>
+          </a:p>
+          <a:p>
+            <a:endParaRPr lang="en-US" dirty="0"/>
           </a:p>
         </p:txBody>
       </p:sp>
       <p:sp>
         <p:nvSpPr>
-          <p:cNvPr id="3" name="Subtitle 2"/>
+          <p:cNvPr id="3" name="Title 2"/>
           <p:cNvSpPr>
             <a:spLocks noGrp="1"/>
           </p:cNvSpPr>
           <p:nvPr>
-            <p:ph type="subTitle" idx="1"/>
+            <p:ph type="title"/>
           </p:nvPr>
         </p:nvSpPr>
         <p:spPr/>
@@ -25412,61 +25353,17 @@
           <a:bodyPr/>
           <a:lstStyle/>
           <a:p>
-            <a:endParaRPr lang="en-US" dirty="0"/>
-          </a:p>
-        </p:txBody>
-      </p:sp>
-      <p:sp>
-        <p:nvSpPr>
-          <p:cNvPr id="4" name="Text Placeholder 3"/>
-          <p:cNvSpPr>
-            <a:spLocks noGrp="1"/>
-          </p:cNvSpPr>
-          <p:nvPr>
-            <p:ph type="body" idx="10"/>
-          </p:nvPr>
-        </p:nvSpPr>
-        <p:spPr/>
-        <p:txBody>
-          <a:bodyPr/>
-          <a:lstStyle/>
-          <a:p>
             <a:r>
               <a:rPr lang="en-US" dirty="0"/>
-              <a:t>Jason Bock</a:t>
-            </a:r>
-          </a:p>
-          <a:p>
-            <a:r>
-              <a:rPr lang="en-US" dirty="0"/>
-              <a:t>Practice Lead</a:t>
-            </a:r>
-          </a:p>
-        </p:txBody>
-      </p:sp>
-      <p:sp>
-        <p:nvSpPr>
-          <p:cNvPr id="5" name="Text Placeholder 4"/>
-          <p:cNvSpPr>
-            <a:spLocks noGrp="1"/>
-          </p:cNvSpPr>
-          <p:nvPr>
-            <p:ph type="body" idx="11"/>
-          </p:nvPr>
-        </p:nvSpPr>
-        <p:spPr/>
-        <p:txBody>
-          <a:bodyPr/>
-          <a:lstStyle/>
-          <a:p>
-            <a:endParaRPr lang="en-US" dirty="0"/>
+              <a:t>Personal Info</a:t>
+            </a:r>
           </a:p>
         </p:txBody>
       </p:sp>
     </p:spTree>
     <p:extLst>
       <p:ext uri="{BB962C8B-B14F-4D97-AF65-F5344CB8AC3E}">
-        <p14:creationId xmlns:p14="http://schemas.microsoft.com/office/powerpoint/2010/main" val="1326797267"/>
+        <p14:creationId xmlns:p14="http://schemas.microsoft.com/office/powerpoint/2010/main" val="889619731"/>
       </p:ext>
     </p:extLst>
   </p:cSld>
@@ -25524,76 +25421,6 @@
           </p:nvPr>
         </p:nvGraphicFramePr>
         <p:xfrm>
-          <a:off x="2156699" y="1176866"/>
-          <a:ext cx="7884886" cy="4309534"/>
-        </p:xfrm>
-        <a:graphic>
-          <a:graphicData uri="http://schemas.openxmlformats.org/drawingml/2006/diagram">
-            <dgm:relIds xmlns:dgm="http://schemas.openxmlformats.org/drawingml/2006/diagram" xmlns:r="http://schemas.openxmlformats.org/officeDocument/2006/relationships" r:dm="rId3" r:lo="rId4" r:qs="rId5" r:cs="rId6"/>
-          </a:graphicData>
-        </a:graphic>
-      </p:graphicFrame>
-    </p:spTree>
-    <p:extLst>
-      <p:ext uri="{BB962C8B-B14F-4D97-AF65-F5344CB8AC3E}">
-        <p14:creationId xmlns:p14="http://schemas.microsoft.com/office/powerpoint/2010/main" val="3951033708"/>
-      </p:ext>
-    </p:extLst>
-  </p:cSld>
-  <p:clrMapOvr>
-    <a:masterClrMapping/>
-  </p:clrMapOvr>
-</p:sld>
-</file>
-
-<file path=ppt/slides/slide21.xml><?xml version="1.0" encoding="utf-8"?>
-<p:sld xmlns:a="http://schemas.openxmlformats.org/drawingml/2006/main" xmlns:r="http://schemas.openxmlformats.org/officeDocument/2006/relationships" xmlns:p="http://schemas.openxmlformats.org/presentationml/2006/main">
-  <p:cSld>
-    <p:spTree>
-      <p:nvGrpSpPr>
-        <p:cNvPr id="1" name=""/>
-        <p:cNvGrpSpPr/>
-        <p:nvPr/>
-      </p:nvGrpSpPr>
-      <p:grpSpPr>
-        <a:xfrm>
-          <a:off x="0" y="0"/>
-          <a:ext cx="0" cy="0"/>
-          <a:chOff x="0" y="0"/>
-          <a:chExt cx="0" cy="0"/>
-        </a:xfrm>
-      </p:grpSpPr>
-      <p:sp>
-        <p:nvSpPr>
-          <p:cNvPr id="3" name="Title 2"/>
-          <p:cNvSpPr>
-            <a:spLocks noGrp="1"/>
-          </p:cNvSpPr>
-          <p:nvPr>
-            <p:ph type="title"/>
-          </p:nvPr>
-        </p:nvSpPr>
-        <p:spPr/>
-        <p:txBody>
-          <a:bodyPr/>
-          <a:lstStyle/>
-          <a:p>
-            <a:r>
-              <a:rPr lang="en-US" dirty="0"/>
-              <a:t>Dependencies</a:t>
-            </a:r>
-          </a:p>
-        </p:txBody>
-      </p:sp>
-      <p:graphicFrame>
-        <p:nvGraphicFramePr>
-          <p:cNvPr id="4" name="Diagram 3"/>
-          <p:cNvGraphicFramePr/>
-          <p:nvPr>
-            <p:extLst/>
-          </p:nvPr>
-        </p:nvGraphicFramePr>
-        <p:xfrm>
           <a:off x="2156699" y="2167466"/>
           <a:ext cx="7884886" cy="2426305"/>
         </p:xfrm>
@@ -25616,7 +25443,7 @@
 </p:sld>
 </file>
 
-<file path=ppt/slides/slide22.xml><?xml version="1.0" encoding="utf-8"?>
+<file path=ppt/slides/slide21.xml><?xml version="1.0" encoding="utf-8"?>
 <p:sld xmlns:a="http://schemas.openxmlformats.org/drawingml/2006/main" xmlns:r="http://schemas.openxmlformats.org/officeDocument/2006/relationships" xmlns:p="http://schemas.openxmlformats.org/presentationml/2006/main">
   <p:cSld>
     <p:spTree>
@@ -25690,7 +25517,7 @@
 </p:sld>
 </file>
 
-<file path=ppt/slides/slide23.xml><?xml version="1.0" encoding="utf-8"?>
+<file path=ppt/slides/slide22.xml><?xml version="1.0" encoding="utf-8"?>
 <p:sld xmlns:a="http://schemas.openxmlformats.org/drawingml/2006/main" xmlns:r="http://schemas.openxmlformats.org/officeDocument/2006/relationships" xmlns:p="http://schemas.openxmlformats.org/presentationml/2006/main">
   <p:cSld>
     <p:spTree>
@@ -26593,7 +26420,7 @@
 </p:sld>
 </file>
 
-<file path=ppt/slides/slide24.xml><?xml version="1.0" encoding="utf-8"?>
+<file path=ppt/slides/slide23.xml><?xml version="1.0" encoding="utf-8"?>
 <p:sld xmlns:a="http://schemas.openxmlformats.org/drawingml/2006/main" xmlns:r="http://schemas.openxmlformats.org/officeDocument/2006/relationships" xmlns:p="http://schemas.openxmlformats.org/presentationml/2006/main">
   <p:cSld>
     <p:spTree>
@@ -26783,7 +26610,7 @@
 </p:sld>
 </file>
 
-<file path=ppt/slides/slide25.xml><?xml version="1.0" encoding="utf-8"?>
+<file path=ppt/slides/slide24.xml><?xml version="1.0" encoding="utf-8"?>
 <p:sld xmlns:a="http://schemas.openxmlformats.org/drawingml/2006/main" xmlns:r="http://schemas.openxmlformats.org/officeDocument/2006/relationships" xmlns:p="http://schemas.openxmlformats.org/presentationml/2006/main">
   <p:cSld>
     <p:spTree>
@@ -28572,7 +28399,7 @@
 </p:sld>
 </file>
 
-<file path=ppt/slides/slide26.xml><?xml version="1.0" encoding="utf-8"?>
+<file path=ppt/slides/slide25.xml><?xml version="1.0" encoding="utf-8"?>
 <p:sld xmlns:a="http://schemas.openxmlformats.org/drawingml/2006/main" xmlns:r="http://schemas.openxmlformats.org/officeDocument/2006/relationships" xmlns:p="http://schemas.openxmlformats.org/presentationml/2006/main">
   <p:cSld>
     <p:spTree>
@@ -28623,7 +28450,7 @@
 </p:sld>
 </file>
 
-<file path=ppt/slides/slide27.xml><?xml version="1.0" encoding="utf-8"?>
+<file path=ppt/slides/slide26.xml><?xml version="1.0" encoding="utf-8"?>
 <p:sld xmlns:a="http://schemas.openxmlformats.org/drawingml/2006/main" xmlns:r="http://schemas.openxmlformats.org/officeDocument/2006/relationships" xmlns:p="http://schemas.openxmlformats.org/presentationml/2006/main">
   <p:cSld>
     <p:spTree>
@@ -29526,7 +29353,7 @@
 </p:sld>
 </file>
 
-<file path=ppt/slides/slide28.xml><?xml version="1.0" encoding="utf-8"?>
+<file path=ppt/slides/slide27.xml><?xml version="1.0" encoding="utf-8"?>
 <p:sld xmlns:a="http://schemas.openxmlformats.org/drawingml/2006/main" xmlns:r="http://schemas.openxmlformats.org/officeDocument/2006/relationships" xmlns:p="http://schemas.openxmlformats.org/presentationml/2006/main">
   <p:cSld>
     <p:spTree>
@@ -29596,7 +29423,7 @@
 </p:sld>
 </file>
 
-<file path=ppt/slides/slide29.xml><?xml version="1.0" encoding="utf-8"?>
+<file path=ppt/slides/slide28.xml><?xml version="1.0" encoding="utf-8"?>
 <p:sld xmlns:a="http://schemas.openxmlformats.org/drawingml/2006/main" xmlns:r="http://schemas.openxmlformats.org/officeDocument/2006/relationships" xmlns:p="http://schemas.openxmlformats.org/presentationml/2006/main">
   <p:cSld>
     <p:spTree>
@@ -29670,108 +29497,7 @@
 </p:sld>
 </file>
 
-<file path=ppt/slides/slide3.xml><?xml version="1.0" encoding="utf-8"?>
-<p:sld xmlns:a="http://schemas.openxmlformats.org/drawingml/2006/main" xmlns:r="http://schemas.openxmlformats.org/officeDocument/2006/relationships" xmlns:p="http://schemas.openxmlformats.org/presentationml/2006/main">
-  <p:cSld>
-    <p:spTree>
-      <p:nvGrpSpPr>
-        <p:cNvPr id="1" name=""/>
-        <p:cNvGrpSpPr/>
-        <p:nvPr/>
-      </p:nvGrpSpPr>
-      <p:grpSpPr>
-        <a:xfrm>
-          <a:off x="0" y="0"/>
-          <a:ext cx="0" cy="0"/>
-          <a:chOff x="0" y="0"/>
-          <a:chExt cx="0" cy="0"/>
-        </a:xfrm>
-      </p:grpSpPr>
-      <p:sp>
-        <p:nvSpPr>
-          <p:cNvPr id="2" name="Content Placeholder 1"/>
-          <p:cNvSpPr>
-            <a:spLocks noGrp="1"/>
-          </p:cNvSpPr>
-          <p:nvPr>
-            <p:ph idx="1"/>
-          </p:nvPr>
-        </p:nvSpPr>
-        <p:spPr/>
-        <p:txBody>
-          <a:bodyPr/>
-          <a:lstStyle/>
-          <a:p>
-            <a:r>
-              <a:rPr lang="en-US" dirty="0"/>
-              <a:t>http://www.magenic.com</a:t>
-            </a:r>
-          </a:p>
-          <a:p>
-            <a:r>
-              <a:rPr lang="en-US" dirty="0"/>
-              <a:t>http://www.jasonbock.net</a:t>
-            </a:r>
-          </a:p>
-          <a:p>
-            <a:r>
-              <a:rPr lang="en-US" dirty="0"/>
-              <a:t>https://www.twitter.com/jasonbock</a:t>
-            </a:r>
-          </a:p>
-          <a:p>
-            <a:r>
-              <a:rPr lang="en-US" dirty="0"/>
-              <a:t>https://www.github.com/jasonbock</a:t>
-            </a:r>
-          </a:p>
-          <a:p>
-            <a:r>
-              <a:rPr lang="en-US" dirty="0"/>
-              <a:t>jasonb@magenic.com</a:t>
-            </a:r>
-          </a:p>
-          <a:p>
-            <a:endParaRPr lang="en-US" dirty="0"/>
-          </a:p>
-        </p:txBody>
-      </p:sp>
-      <p:sp>
-        <p:nvSpPr>
-          <p:cNvPr id="3" name="Title 2"/>
-          <p:cNvSpPr>
-            <a:spLocks noGrp="1"/>
-          </p:cNvSpPr>
-          <p:nvPr>
-            <p:ph type="title"/>
-          </p:nvPr>
-        </p:nvSpPr>
-        <p:spPr/>
-        <p:txBody>
-          <a:bodyPr/>
-          <a:lstStyle/>
-          <a:p>
-            <a:r>
-              <a:rPr lang="en-US" dirty="0"/>
-              <a:t>Personal Info</a:t>
-            </a:r>
-          </a:p>
-        </p:txBody>
-      </p:sp>
-    </p:spTree>
-    <p:extLst>
-      <p:ext uri="{BB962C8B-B14F-4D97-AF65-F5344CB8AC3E}">
-        <p14:creationId xmlns:p14="http://schemas.microsoft.com/office/powerpoint/2010/main" val="889619731"/>
-      </p:ext>
-    </p:extLst>
-  </p:cSld>
-  <p:clrMapOvr>
-    <a:masterClrMapping/>
-  </p:clrMapOvr>
-</p:sld>
-</file>
-
-<file path=ppt/slides/slide30.xml><?xml version="1.0" encoding="utf-8"?>
+<file path=ppt/slides/slide29.xml><?xml version="1.0" encoding="utf-8"?>
 <p:sld xmlns:a="http://schemas.openxmlformats.org/drawingml/2006/main" xmlns:r="http://schemas.openxmlformats.org/officeDocument/2006/relationships" xmlns:p="http://schemas.openxmlformats.org/presentationml/2006/main">
   <p:cSld>
     <p:spTree>
@@ -29885,7 +29611,7 @@
 </p:sld>
 </file>
 
-<file path=ppt/slides/slide31.xml><?xml version="1.0" encoding="utf-8"?>
+<file path=ppt/slides/slide3.xml><?xml version="1.0" encoding="utf-8"?>
 <p:sld xmlns:a="http://schemas.openxmlformats.org/drawingml/2006/main" xmlns:r="http://schemas.openxmlformats.org/officeDocument/2006/relationships" xmlns:p="http://schemas.openxmlformats.org/presentationml/2006/main">
   <p:cSld>
     <p:spTree>
@@ -29919,6 +29645,113 @@
           <a:p>
             <a:r>
               <a:rPr lang="en-US" dirty="0"/>
+              <a:t>Downloads</a:t>
+            </a:r>
+          </a:p>
+        </p:txBody>
+      </p:sp>
+      <p:sp>
+        <p:nvSpPr>
+          <p:cNvPr id="5" name="Content Placeholder 1"/>
+          <p:cNvSpPr>
+            <a:spLocks noGrp="1"/>
+          </p:cNvSpPr>
+          <p:nvPr>
+            <p:ph idx="1"/>
+          </p:nvPr>
+        </p:nvSpPr>
+        <p:spPr>
+          <a:xfrm>
+            <a:off x="432154" y="911225"/>
+            <a:ext cx="11430000" cy="4810845"/>
+          </a:xfrm>
+        </p:spPr>
+        <p:txBody>
+          <a:bodyPr anchor="ctr" anchorCtr="0"/>
+          <a:lstStyle/>
+          <a:p>
+            <a:pPr marL="68580" indent="0" algn="ctr">
+              <a:buNone/>
+            </a:pPr>
+            <a:r>
+              <a:rPr lang="en-US" sz="4000" dirty="0"/>
+              <a:t>https://github.com/JasonBock/</a:t>
+            </a:r>
+          </a:p>
+          <a:p>
+            <a:pPr marL="68580" indent="0" algn="ctr">
+              <a:buNone/>
+            </a:pPr>
+            <a:r>
+              <a:rPr lang="en-US" sz="4000" dirty="0" err="1"/>
+              <a:t>DependenciesDemystified</a:t>
+            </a:r>
+            <a:endParaRPr lang="en-US" sz="4000" dirty="0"/>
+          </a:p>
+          <a:p>
+            <a:pPr marL="68580" indent="0" algn="ctr">
+              <a:buNone/>
+            </a:pPr>
+            <a:endParaRPr lang="en-US" sz="4000" dirty="0"/>
+          </a:p>
+          <a:p>
+            <a:pPr marL="68580" indent="0" algn="ctr">
+              <a:buNone/>
+            </a:pPr>
+            <a:r>
+              <a:rPr lang="en-US" sz="4000" dirty="0"/>
+              <a:t>https://github.com/JasonBock/Presentations/blob/master/Dependencies%20Demystified.pptx</a:t>
+            </a:r>
+          </a:p>
+        </p:txBody>
+      </p:sp>
+    </p:spTree>
+    <p:extLst>
+      <p:ext uri="{BB962C8B-B14F-4D97-AF65-F5344CB8AC3E}">
+        <p14:creationId xmlns:p14="http://schemas.microsoft.com/office/powerpoint/2010/main" val="1898430345"/>
+      </p:ext>
+    </p:extLst>
+  </p:cSld>
+  <p:clrMapOvr>
+    <a:masterClrMapping/>
+  </p:clrMapOvr>
+</p:sld>
+</file>
+
+<file path=ppt/slides/slide30.xml><?xml version="1.0" encoding="utf-8"?>
+<p:sld xmlns:a="http://schemas.openxmlformats.org/drawingml/2006/main" xmlns:r="http://schemas.openxmlformats.org/officeDocument/2006/relationships" xmlns:p="http://schemas.openxmlformats.org/presentationml/2006/main">
+  <p:cSld>
+    <p:spTree>
+      <p:nvGrpSpPr>
+        <p:cNvPr id="1" name=""/>
+        <p:cNvGrpSpPr/>
+        <p:nvPr/>
+      </p:nvGrpSpPr>
+      <p:grpSpPr>
+        <a:xfrm>
+          <a:off x="0" y="0"/>
+          <a:ext cx="0" cy="0"/>
+          <a:chOff x="0" y="0"/>
+          <a:chExt cx="0" cy="0"/>
+        </a:xfrm>
+      </p:grpSpPr>
+      <p:sp>
+        <p:nvSpPr>
+          <p:cNvPr id="3" name="Title 2"/>
+          <p:cNvSpPr>
+            <a:spLocks noGrp="1"/>
+          </p:cNvSpPr>
+          <p:nvPr>
+            <p:ph type="title"/>
+          </p:nvPr>
+        </p:nvSpPr>
+        <p:spPr/>
+        <p:txBody>
+          <a:bodyPr/>
+          <a:lstStyle/>
+          <a:p>
+            <a:r>
+              <a:rPr lang="en-US" dirty="0"/>
               <a:t>Containers</a:t>
             </a:r>
           </a:p>
@@ -30027,7 +29860,7 @@
 </p:sld>
 </file>
 
-<file path=ppt/slides/slide32.xml><?xml version="1.0" encoding="utf-8"?>
+<file path=ppt/slides/slide31.xml><?xml version="1.0" encoding="utf-8"?>
 <p:sld xmlns:a="http://schemas.openxmlformats.org/drawingml/2006/main" xmlns:r="http://schemas.openxmlformats.org/officeDocument/2006/relationships" xmlns:p="http://schemas.openxmlformats.org/presentationml/2006/main">
   <p:cSld>
     <p:spTree>
@@ -30506,7 +30339,7 @@
 </p:sld>
 </file>
 
-<file path=ppt/slides/slide33.xml><?xml version="1.0" encoding="utf-8"?>
+<file path=ppt/slides/slide32.xml><?xml version="1.0" encoding="utf-8"?>
 <p:sld xmlns:a="http://schemas.openxmlformats.org/drawingml/2006/main" xmlns:r="http://schemas.openxmlformats.org/officeDocument/2006/relationships" xmlns:p="http://schemas.openxmlformats.org/presentationml/2006/main">
   <p:cSld>
     <p:spTree>
@@ -30907,7 +30740,7 @@
 </p:sld>
 </file>
 
-<file path=ppt/slides/slide34.xml><?xml version="1.0" encoding="utf-8"?>
+<file path=ppt/slides/slide33.xml><?xml version="1.0" encoding="utf-8"?>
 <p:sld xmlns:a="http://schemas.openxmlformats.org/drawingml/2006/main" xmlns:r="http://schemas.openxmlformats.org/officeDocument/2006/relationships" xmlns:p="http://schemas.openxmlformats.org/presentationml/2006/main">
   <p:cSld>
     <p:spTree>
@@ -31328,7 +31161,7 @@
 </p:sld>
 </file>
 
-<file path=ppt/slides/slide35.xml><?xml version="1.0" encoding="utf-8"?>
+<file path=ppt/slides/slide34.xml><?xml version="1.0" encoding="utf-8"?>
 <p:sld xmlns:a="http://schemas.openxmlformats.org/drawingml/2006/main" xmlns:r="http://schemas.openxmlformats.org/officeDocument/2006/relationships" xmlns:p="http://schemas.openxmlformats.org/presentationml/2006/main">
   <p:cSld>
     <p:spTree>
@@ -31484,7 +31317,7 @@
 </p:sld>
 </file>
 
-<file path=ppt/slides/slide36.xml><?xml version="1.0" encoding="utf-8"?>
+<file path=ppt/slides/slide35.xml><?xml version="1.0" encoding="utf-8"?>
 <p:sld xmlns:a="http://schemas.openxmlformats.org/drawingml/2006/main" xmlns:r="http://schemas.openxmlformats.org/officeDocument/2006/relationships" xmlns:p="http://schemas.openxmlformats.org/presentationml/2006/main">
   <p:cSld>
     <p:spTree>
@@ -31598,7 +31431,7 @@
 </p:sld>
 </file>
 
-<file path=ppt/slides/slide37.xml><?xml version="1.0" encoding="utf-8"?>
+<file path=ppt/slides/slide36.xml><?xml version="1.0" encoding="utf-8"?>
 <p:sld xmlns:a="http://schemas.openxmlformats.org/drawingml/2006/main" xmlns:r="http://schemas.openxmlformats.org/officeDocument/2006/relationships" xmlns:p="http://schemas.openxmlformats.org/presentationml/2006/main">
   <p:cSld>
     <p:spTree>
@@ -31712,7 +31545,7 @@
 </p:sld>
 </file>
 
-<file path=ppt/slides/slide38.xml><?xml version="1.0" encoding="utf-8"?>
+<file path=ppt/slides/slide37.xml><?xml version="1.0" encoding="utf-8"?>
 <p:sld xmlns:a="http://schemas.openxmlformats.org/drawingml/2006/main" xmlns:r="http://schemas.openxmlformats.org/officeDocument/2006/relationships" xmlns:p="http://schemas.openxmlformats.org/presentationml/2006/main">
   <p:cSld>
     <p:spTree>
@@ -31826,7 +31659,7 @@
 </p:sld>
 </file>
 
-<file path=ppt/slides/slide39.xml><?xml version="1.0" encoding="utf-8"?>
+<file path=ppt/slides/slide38.xml><?xml version="1.0" encoding="utf-8"?>
 <p:sld xmlns:a="http://schemas.openxmlformats.org/drawingml/2006/main" xmlns:r="http://schemas.openxmlformats.org/officeDocument/2006/relationships" xmlns:p="http://schemas.openxmlformats.org/presentationml/2006/main">
   <p:cSld>
     <p:spTree>
@@ -31953,123 +31786,7 @@
 </p:sld>
 </file>
 
-<file path=ppt/slides/slide4.xml><?xml version="1.0" encoding="utf-8"?>
-<p:sld xmlns:a="http://schemas.openxmlformats.org/drawingml/2006/main" xmlns:r="http://schemas.openxmlformats.org/officeDocument/2006/relationships" xmlns:p="http://schemas.openxmlformats.org/presentationml/2006/main">
-  <p:cSld>
-    <p:spTree>
-      <p:nvGrpSpPr>
-        <p:cNvPr id="1" name=""/>
-        <p:cNvGrpSpPr/>
-        <p:nvPr/>
-      </p:nvGrpSpPr>
-      <p:grpSpPr>
-        <a:xfrm>
-          <a:off x="0" y="0"/>
-          <a:ext cx="0" cy="0"/>
-          <a:chOff x="0" y="0"/>
-          <a:chExt cx="0" cy="0"/>
-        </a:xfrm>
-      </p:grpSpPr>
-      <p:sp>
-        <p:nvSpPr>
-          <p:cNvPr id="3" name="Title 2"/>
-          <p:cNvSpPr>
-            <a:spLocks noGrp="1"/>
-          </p:cNvSpPr>
-          <p:nvPr>
-            <p:ph type="title"/>
-          </p:nvPr>
-        </p:nvSpPr>
-        <p:spPr/>
-        <p:txBody>
-          <a:bodyPr/>
-          <a:lstStyle/>
-          <a:p>
-            <a:r>
-              <a:rPr lang="en-US" dirty="0"/>
-              <a:t>Downloads</a:t>
-            </a:r>
-          </a:p>
-        </p:txBody>
-      </p:sp>
-      <p:sp>
-        <p:nvSpPr>
-          <p:cNvPr id="5" name="Content Placeholder 1"/>
-          <p:cNvSpPr>
-            <a:spLocks noGrp="1"/>
-          </p:cNvSpPr>
-          <p:nvPr>
-            <p:ph idx="1"/>
-          </p:nvPr>
-        </p:nvSpPr>
-        <p:spPr>
-          <a:xfrm>
-            <a:off x="432154" y="911225"/>
-            <a:ext cx="11430000" cy="4810845"/>
-          </a:xfrm>
-        </p:spPr>
-        <p:txBody>
-          <a:bodyPr anchor="ctr" anchorCtr="0"/>
-          <a:lstStyle/>
-          <a:p>
-            <a:pPr marL="68580" indent="0" algn="ctr">
-              <a:buNone/>
-            </a:pPr>
-            <a:r>
-              <a:rPr lang="en-US" sz="4000" dirty="0"/>
-              <a:t>https://github.com/JasonBock/</a:t>
-            </a:r>
-          </a:p>
-          <a:p>
-            <a:pPr marL="68580" indent="0" algn="ctr">
-              <a:buNone/>
-            </a:pPr>
-            <a:r>
-              <a:rPr lang="en-US" sz="4000" dirty="0" err="1"/>
-              <a:t>DependenciesDemystified</a:t>
-            </a:r>
-            <a:endParaRPr lang="en-US" sz="4000" dirty="0"/>
-          </a:p>
-          <a:p>
-            <a:pPr marL="68580" indent="0" algn="ctr">
-              <a:buNone/>
-            </a:pPr>
-            <a:endParaRPr lang="en-US" sz="4000" dirty="0"/>
-          </a:p>
-          <a:p>
-            <a:pPr marL="68580" indent="0" algn="ctr">
-              <a:buNone/>
-            </a:pPr>
-            <a:r>
-              <a:rPr lang="en-US" sz="4000" dirty="0"/>
-              <a:t>https://www.slideshare.net/JasonBock2/</a:t>
-            </a:r>
-          </a:p>
-          <a:p>
-            <a:pPr marL="68580" indent="0" algn="ctr">
-              <a:buNone/>
-            </a:pPr>
-            <a:r>
-              <a:rPr lang="en-US" sz="4000" dirty="0"/>
-              <a:t>dependencies-demystified-87641066</a:t>
-            </a:r>
-          </a:p>
-        </p:txBody>
-      </p:sp>
-    </p:spTree>
-    <p:extLst>
-      <p:ext uri="{BB962C8B-B14F-4D97-AF65-F5344CB8AC3E}">
-        <p14:creationId xmlns:p14="http://schemas.microsoft.com/office/powerpoint/2010/main" val="1898430345"/>
-      </p:ext>
-    </p:extLst>
-  </p:cSld>
-  <p:clrMapOvr>
-    <a:masterClrMapping/>
-  </p:clrMapOvr>
-</p:sld>
-</file>
-
-<file path=ppt/slides/slide40.xml><?xml version="1.0" encoding="utf-8"?>
+<file path=ppt/slides/slide39.xml><?xml version="1.0" encoding="utf-8"?>
 <p:sld xmlns:a="http://schemas.openxmlformats.org/drawingml/2006/main" xmlns:r="http://schemas.openxmlformats.org/officeDocument/2006/relationships" xmlns:p="http://schemas.openxmlformats.org/presentationml/2006/main">
   <p:cSld>
     <p:spTree>
@@ -32143,710 +31860,7 @@
 </p:sld>
 </file>
 
-<file path=ppt/slides/slide41.xml><?xml version="1.0" encoding="utf-8"?>
-<p:sld xmlns:a="http://schemas.openxmlformats.org/drawingml/2006/main" xmlns:r="http://schemas.openxmlformats.org/officeDocument/2006/relationships" xmlns:p="http://schemas.openxmlformats.org/presentationml/2006/main">
-  <p:cSld>
-    <p:spTree>
-      <p:nvGrpSpPr>
-        <p:cNvPr id="1" name=""/>
-        <p:cNvGrpSpPr/>
-        <p:nvPr/>
-      </p:nvGrpSpPr>
-      <p:grpSpPr>
-        <a:xfrm>
-          <a:off x="0" y="0"/>
-          <a:ext cx="0" cy="0"/>
-          <a:chOff x="0" y="0"/>
-          <a:chExt cx="0" cy="0"/>
-        </a:xfrm>
-      </p:grpSpPr>
-      <p:sp>
-        <p:nvSpPr>
-          <p:cNvPr id="3" name="Title 2"/>
-          <p:cNvSpPr>
-            <a:spLocks noGrp="1"/>
-          </p:cNvSpPr>
-          <p:nvPr>
-            <p:ph type="title"/>
-          </p:nvPr>
-        </p:nvSpPr>
-        <p:spPr/>
-        <p:txBody>
-          <a:bodyPr/>
-          <a:lstStyle/>
-          <a:p>
-            <a:r>
-              <a:rPr lang="en-US" dirty="0"/>
-              <a:t>Containers</a:t>
-            </a:r>
-          </a:p>
-        </p:txBody>
-      </p:sp>
-      <p:graphicFrame>
-        <p:nvGraphicFramePr>
-          <p:cNvPr id="5" name="Diagram 4"/>
-          <p:cNvGraphicFramePr/>
-          <p:nvPr>
-            <p:extLst>
-              <p:ext uri="{D42A27DB-BD31-4B8C-83A1-F6EECF244321}">
-                <p14:modId xmlns:p14="http://schemas.microsoft.com/office/powerpoint/2010/main" val="1381961604"/>
-              </p:ext>
-            </p:extLst>
-          </p:nvPr>
-        </p:nvGraphicFramePr>
-        <p:xfrm>
-          <a:off x="2156699" y="1176866"/>
-          <a:ext cx="7884886" cy="4309534"/>
-        </p:xfrm>
-        <a:graphic>
-          <a:graphicData uri="http://schemas.openxmlformats.org/drawingml/2006/diagram">
-            <dgm:relIds xmlns:dgm="http://schemas.openxmlformats.org/drawingml/2006/diagram" xmlns:r="http://schemas.openxmlformats.org/officeDocument/2006/relationships" r:dm="rId3" r:lo="rId4" r:qs="rId5" r:cs="rId6"/>
-          </a:graphicData>
-        </a:graphic>
-      </p:graphicFrame>
-    </p:spTree>
-    <p:extLst>
-      <p:ext uri="{BB962C8B-B14F-4D97-AF65-F5344CB8AC3E}">
-        <p14:creationId xmlns:p14="http://schemas.microsoft.com/office/powerpoint/2010/main" val="493694731"/>
-      </p:ext>
-    </p:extLst>
-  </p:cSld>
-  <p:clrMapOvr>
-    <a:masterClrMapping/>
-  </p:clrMapOvr>
-</p:sld>
-</file>
-
-<file path=ppt/slides/slide42.xml><?xml version="1.0" encoding="utf-8"?>
-<p:sld xmlns:a="http://schemas.openxmlformats.org/drawingml/2006/main" xmlns:r="http://schemas.openxmlformats.org/officeDocument/2006/relationships" xmlns:p="http://schemas.openxmlformats.org/presentationml/2006/main">
-  <p:cSld>
-    <p:spTree>
-      <p:nvGrpSpPr>
-        <p:cNvPr id="1" name=""/>
-        <p:cNvGrpSpPr/>
-        <p:nvPr/>
-      </p:nvGrpSpPr>
-      <p:grpSpPr>
-        <a:xfrm>
-          <a:off x="0" y="0"/>
-          <a:ext cx="0" cy="0"/>
-          <a:chOff x="0" y="0"/>
-          <a:chExt cx="0" cy="0"/>
-        </a:xfrm>
-      </p:grpSpPr>
-      <p:sp>
-        <p:nvSpPr>
-          <p:cNvPr id="3" name="Title 2"/>
-          <p:cNvSpPr>
-            <a:spLocks noGrp="1"/>
-          </p:cNvSpPr>
-          <p:nvPr>
-            <p:ph type="title"/>
-          </p:nvPr>
-        </p:nvSpPr>
-        <p:spPr/>
-        <p:txBody>
-          <a:bodyPr/>
-          <a:lstStyle/>
-          <a:p>
-            <a:r>
-              <a:rPr lang="en-US" dirty="0"/>
-              <a:t>Containers</a:t>
-            </a:r>
-          </a:p>
-        </p:txBody>
-      </p:sp>
-      <p:graphicFrame>
-        <p:nvGraphicFramePr>
-          <p:cNvPr id="4" name="Diagram 3"/>
-          <p:cNvGraphicFramePr/>
-          <p:nvPr>
-            <p:extLst>
-              <p:ext uri="{D42A27DB-BD31-4B8C-83A1-F6EECF244321}">
-                <p14:modId xmlns:p14="http://schemas.microsoft.com/office/powerpoint/2010/main" val="3336539574"/>
-              </p:ext>
-            </p:extLst>
-          </p:nvPr>
-        </p:nvGraphicFramePr>
-        <p:xfrm>
-          <a:off x="0" y="1220409"/>
-          <a:ext cx="7884886" cy="4309534"/>
-        </p:xfrm>
-        <a:graphic>
-          <a:graphicData uri="http://schemas.openxmlformats.org/drawingml/2006/diagram">
-            <dgm:relIds xmlns:dgm="http://schemas.openxmlformats.org/drawingml/2006/diagram" xmlns:r="http://schemas.openxmlformats.org/officeDocument/2006/relationships" r:dm="rId3" r:lo="rId4" r:qs="rId5" r:cs="rId6"/>
-          </a:graphicData>
-        </a:graphic>
-      </p:graphicFrame>
-      <p:sp>
-        <p:nvSpPr>
-          <p:cNvPr id="2" name="Right Brace 1"/>
-          <p:cNvSpPr/>
-          <p:nvPr/>
-        </p:nvSpPr>
-        <p:spPr>
-          <a:xfrm>
-            <a:off x="7162800" y="1220409"/>
-            <a:ext cx="838199" cy="4309534"/>
-          </a:xfrm>
-          <a:prstGeom prst="rightBrace">
-            <a:avLst/>
-          </a:prstGeom>
-          <a:ln w="25400"/>
-        </p:spPr>
-        <p:style>
-          <a:lnRef idx="1">
-            <a:schemeClr val="accent1"/>
-          </a:lnRef>
-          <a:fillRef idx="0">
-            <a:schemeClr val="accent1"/>
-          </a:fillRef>
-          <a:effectRef idx="0">
-            <a:schemeClr val="accent1"/>
-          </a:effectRef>
-          <a:fontRef idx="minor">
-            <a:schemeClr val="tx1"/>
-          </a:fontRef>
-        </p:style>
-        <p:txBody>
-          <a:bodyPr rtlCol="0" anchor="ctr"/>
-          <a:lstStyle/>
-          <a:p>
-            <a:pPr algn="ctr"/>
-            <a:endParaRPr lang="en-US"/>
-          </a:p>
-        </p:txBody>
-      </p:sp>
-      <p:sp>
-        <p:nvSpPr>
-          <p:cNvPr id="6" name="Oval 5"/>
-          <p:cNvSpPr/>
-          <p:nvPr/>
-        </p:nvSpPr>
-        <p:spPr>
-          <a:xfrm>
-            <a:off x="8000999" y="3086704"/>
-            <a:ext cx="576072" cy="576943"/>
-          </a:xfrm>
-          <a:prstGeom prst="ellipse">
-            <a:avLst/>
-          </a:prstGeom>
-        </p:spPr>
-        <p:style>
-          <a:lnRef idx="2">
-            <a:schemeClr val="accent1">
-              <a:shade val="50000"/>
-            </a:schemeClr>
-          </a:lnRef>
-          <a:fillRef idx="1">
-            <a:schemeClr val="accent1"/>
-          </a:fillRef>
-          <a:effectRef idx="0">
-            <a:schemeClr val="accent1"/>
-          </a:effectRef>
-          <a:fontRef idx="minor">
-            <a:schemeClr val="lt1"/>
-          </a:fontRef>
-        </p:style>
-        <p:txBody>
-          <a:bodyPr rtlCol="0" anchor="ctr"/>
-          <a:lstStyle/>
-          <a:p>
-            <a:pPr algn="ctr"/>
-            <a:endParaRPr lang="en-US"/>
-          </a:p>
-        </p:txBody>
-      </p:sp>
-      <p:sp>
-        <p:nvSpPr>
-          <p:cNvPr id="7" name="Rectangle 6"/>
-          <p:cNvSpPr/>
-          <p:nvPr/>
-        </p:nvSpPr>
-        <p:spPr>
-          <a:xfrm>
-            <a:off x="9220200" y="2694818"/>
-            <a:ext cx="2250439" cy="1360714"/>
-          </a:xfrm>
-          <a:prstGeom prst="rect">
-            <a:avLst/>
-          </a:prstGeom>
-        </p:spPr>
-        <p:style>
-          <a:lnRef idx="2">
-            <a:schemeClr val="accent1">
-              <a:shade val="50000"/>
-            </a:schemeClr>
-          </a:lnRef>
-          <a:fillRef idx="1">
-            <a:schemeClr val="accent1"/>
-          </a:fillRef>
-          <a:effectRef idx="0">
-            <a:schemeClr val="accent1"/>
-          </a:effectRef>
-          <a:fontRef idx="minor">
-            <a:schemeClr val="lt1"/>
-          </a:fontRef>
-        </p:style>
-        <p:txBody>
-          <a:bodyPr rtlCol="0" anchor="ctr"/>
-          <a:lstStyle/>
-          <a:p>
-            <a:pPr algn="ctr"/>
-            <a:r>
-              <a:rPr lang="en-US" sz="3600" dirty="0"/>
-              <a:t>Container</a:t>
-            </a:r>
-          </a:p>
-        </p:txBody>
-      </p:sp>
-      <p:cxnSp>
-        <p:nvCxnSpPr>
-          <p:cNvPr id="9" name="Straight Arrow Connector 8"/>
-          <p:cNvCxnSpPr>
-            <a:stCxn id="6" idx="6"/>
-            <a:endCxn id="7" idx="1"/>
-          </p:cNvCxnSpPr>
-          <p:nvPr/>
-        </p:nvCxnSpPr>
-        <p:spPr>
-          <a:xfrm flipV="1">
-            <a:off x="8577071" y="3375175"/>
-            <a:ext cx="643130" cy="1"/>
-          </a:xfrm>
-          <a:prstGeom prst="straightConnector1">
-            <a:avLst/>
-          </a:prstGeom>
-          <a:ln w="25400">
-            <a:tailEnd type="triangle" w="lg" len="lg"/>
-          </a:ln>
-        </p:spPr>
-        <p:style>
-          <a:lnRef idx="1">
-            <a:schemeClr val="accent1"/>
-          </a:lnRef>
-          <a:fillRef idx="0">
-            <a:schemeClr val="accent1"/>
-          </a:fillRef>
-          <a:effectRef idx="0">
-            <a:schemeClr val="accent1"/>
-          </a:effectRef>
-          <a:fontRef idx="minor">
-            <a:schemeClr val="tx1"/>
-          </a:fontRef>
-        </p:style>
-      </p:cxnSp>
-    </p:spTree>
-    <p:extLst>
-      <p:ext uri="{BB962C8B-B14F-4D97-AF65-F5344CB8AC3E}">
-        <p14:creationId xmlns:p14="http://schemas.microsoft.com/office/powerpoint/2010/main" val="3487890396"/>
-      </p:ext>
-    </p:extLst>
-  </p:cSld>
-  <p:clrMapOvr>
-    <a:masterClrMapping/>
-  </p:clrMapOvr>
-</p:sld>
-</file>
-
-<file path=ppt/slides/slide43.xml><?xml version="1.0" encoding="utf-8"?>
-<p:sld xmlns:a="http://schemas.openxmlformats.org/drawingml/2006/main" xmlns:r="http://schemas.openxmlformats.org/officeDocument/2006/relationships" xmlns:p="http://schemas.openxmlformats.org/presentationml/2006/main">
-  <p:cSld>
-    <p:spTree>
-      <p:nvGrpSpPr>
-        <p:cNvPr id="1" name=""/>
-        <p:cNvGrpSpPr/>
-        <p:nvPr/>
-      </p:nvGrpSpPr>
-      <p:grpSpPr>
-        <a:xfrm>
-          <a:off x="0" y="0"/>
-          <a:ext cx="0" cy="0"/>
-          <a:chOff x="0" y="0"/>
-          <a:chExt cx="0" cy="0"/>
-        </a:xfrm>
-      </p:grpSpPr>
-      <p:sp>
-        <p:nvSpPr>
-          <p:cNvPr id="2" name="Title 1"/>
-          <p:cNvSpPr>
-            <a:spLocks noGrp="1"/>
-          </p:cNvSpPr>
-          <p:nvPr>
-            <p:ph type="title"/>
-          </p:nvPr>
-        </p:nvSpPr>
-        <p:spPr/>
-        <p:txBody>
-          <a:bodyPr/>
-          <a:lstStyle/>
-          <a:p>
-            <a:r>
-              <a:rPr lang="en-US" dirty="0"/>
-              <a:t>Demo: Autofac and .NET Core Integration</a:t>
-            </a:r>
-          </a:p>
-        </p:txBody>
-      </p:sp>
-      <p:sp>
-        <p:nvSpPr>
-          <p:cNvPr id="3" name="Text Placeholder 2"/>
-          <p:cNvSpPr>
-            <a:spLocks noGrp="1"/>
-          </p:cNvSpPr>
-          <p:nvPr>
-            <p:ph type="body" idx="1"/>
-          </p:nvPr>
-        </p:nvSpPr>
-        <p:spPr/>
-        <p:txBody>
-          <a:bodyPr/>
-          <a:lstStyle/>
-          <a:p>
-            <a:r>
-              <a:rPr lang="en-US" dirty="0"/>
-              <a:t>Dependencies Demystified</a:t>
-            </a:r>
-          </a:p>
-        </p:txBody>
-      </p:sp>
-    </p:spTree>
-    <p:extLst>
-      <p:ext uri="{BB962C8B-B14F-4D97-AF65-F5344CB8AC3E}">
-        <p14:creationId xmlns:p14="http://schemas.microsoft.com/office/powerpoint/2010/main" val="430535863"/>
-      </p:ext>
-    </p:extLst>
-  </p:cSld>
-  <p:clrMapOvr>
-    <a:masterClrMapping/>
-  </p:clrMapOvr>
-</p:sld>
-</file>
-
-<file path=ppt/slides/slide44.xml><?xml version="1.0" encoding="utf-8"?>
-<p:sld xmlns:a="http://schemas.openxmlformats.org/drawingml/2006/main" xmlns:r="http://schemas.openxmlformats.org/officeDocument/2006/relationships" xmlns:p="http://schemas.openxmlformats.org/presentationml/2006/main">
-  <p:cSld>
-    <p:spTree>
-      <p:nvGrpSpPr>
-        <p:cNvPr id="1" name=""/>
-        <p:cNvGrpSpPr/>
-        <p:nvPr/>
-      </p:nvGrpSpPr>
-      <p:grpSpPr>
-        <a:xfrm>
-          <a:off x="0" y="0"/>
-          <a:ext cx="0" cy="0"/>
-          <a:chOff x="0" y="0"/>
-          <a:chExt cx="0" cy="0"/>
-        </a:xfrm>
-      </p:grpSpPr>
-      <p:sp>
-        <p:nvSpPr>
-          <p:cNvPr id="3" name="Title 2"/>
-          <p:cNvSpPr>
-            <a:spLocks noGrp="1"/>
-          </p:cNvSpPr>
-          <p:nvPr>
-            <p:ph type="title"/>
-          </p:nvPr>
-        </p:nvSpPr>
-        <p:spPr/>
-        <p:txBody>
-          <a:bodyPr/>
-          <a:lstStyle/>
-          <a:p>
-            <a:r>
-              <a:rPr lang="en-US" dirty="0"/>
-              <a:t>Conclusion</a:t>
-            </a:r>
-          </a:p>
-        </p:txBody>
-      </p:sp>
-      <p:sp>
-        <p:nvSpPr>
-          <p:cNvPr id="2" name="Rectangle 1"/>
-          <p:cNvSpPr/>
-          <p:nvPr/>
-        </p:nvSpPr>
-        <p:spPr>
-          <a:xfrm>
-            <a:off x="1376759" y="1300246"/>
-            <a:ext cx="9444765" cy="4154984"/>
-          </a:xfrm>
-          <a:prstGeom prst="rect">
-            <a:avLst/>
-          </a:prstGeom>
-        </p:spPr>
-        <p:txBody>
-          <a:bodyPr wrap="square">
-            <a:spAutoFit/>
-          </a:bodyPr>
-          <a:lstStyle/>
-          <a:p>
-            <a:r>
-              <a:rPr lang="en-US" sz="4400" dirty="0"/>
-              <a:t>“The reason that I use </a:t>
-            </a:r>
-            <a:r>
-              <a:rPr lang="en-US" sz="4400" dirty="0" err="1"/>
-              <a:t>IoC</a:t>
-            </a:r>
-            <a:r>
-              <a:rPr lang="en-US" sz="4400" dirty="0"/>
-              <a:t> is not to encourage testing, it is not to break dependencies, it is not to get separation of concerns…I am using </a:t>
-            </a:r>
-            <a:r>
-              <a:rPr lang="en-US" sz="4400" dirty="0" err="1"/>
-              <a:t>IoC</a:t>
-            </a:r>
-            <a:r>
-              <a:rPr lang="en-US" sz="4400" dirty="0"/>
-              <a:t> because it makes all of the above so </a:t>
-            </a:r>
-            <a:r>
-              <a:rPr lang="en-US" sz="4400" i="1" dirty="0"/>
-              <a:t>easy.”</a:t>
-            </a:r>
-            <a:endParaRPr lang="en-US" sz="4400" dirty="0"/>
-          </a:p>
-        </p:txBody>
-      </p:sp>
-      <p:sp>
-        <p:nvSpPr>
-          <p:cNvPr id="6" name="Rectangle 5"/>
-          <p:cNvSpPr/>
-          <p:nvPr/>
-        </p:nvSpPr>
-        <p:spPr>
-          <a:xfrm>
-            <a:off x="5610225" y="6276894"/>
-            <a:ext cx="6581775" cy="453605"/>
-          </a:xfrm>
-          <a:prstGeom prst="rect">
-            <a:avLst/>
-          </a:prstGeom>
-        </p:spPr>
-        <p:txBody>
-          <a:bodyPr wrap="square" anchor="ctr" anchorCtr="0">
-            <a:noAutofit/>
-          </a:bodyPr>
-          <a:lstStyle/>
-          <a:p>
-            <a:pPr algn="r"/>
-            <a:r>
-              <a:rPr lang="en-US" sz="1200" dirty="0">
-                <a:latin typeface="+mj-lt"/>
-                <a:cs typeface="Calibri" pitchFamily="34" charset="0"/>
-              </a:rPr>
-              <a:t>http://ayende.com/blog/2887/dependency-injection-doesnt-cut-it-anymore</a:t>
-            </a:r>
-          </a:p>
-        </p:txBody>
-      </p:sp>
-    </p:spTree>
-    <p:extLst>
-      <p:ext uri="{BB962C8B-B14F-4D97-AF65-F5344CB8AC3E}">
-        <p14:creationId xmlns:p14="http://schemas.microsoft.com/office/powerpoint/2010/main" val="2636596712"/>
-      </p:ext>
-    </p:extLst>
-  </p:cSld>
-  <p:clrMapOvr>
-    <a:masterClrMapping/>
-  </p:clrMapOvr>
-</p:sld>
-</file>
-
-<file path=ppt/slides/slide45.xml><?xml version="1.0" encoding="utf-8"?>
-<p:sld xmlns:a="http://schemas.openxmlformats.org/drawingml/2006/main" xmlns:r="http://schemas.openxmlformats.org/officeDocument/2006/relationships" xmlns:p="http://schemas.openxmlformats.org/presentationml/2006/main">
-  <p:cSld>
-    <p:spTree>
-      <p:nvGrpSpPr>
-        <p:cNvPr id="1" name=""/>
-        <p:cNvGrpSpPr/>
-        <p:nvPr/>
-      </p:nvGrpSpPr>
-      <p:grpSpPr>
-        <a:xfrm>
-          <a:off x="0" y="0"/>
-          <a:ext cx="0" cy="0"/>
-          <a:chOff x="0" y="0"/>
-          <a:chExt cx="0" cy="0"/>
-        </a:xfrm>
-      </p:grpSpPr>
-      <p:sp>
-        <p:nvSpPr>
-          <p:cNvPr id="2" name="Title 1"/>
-          <p:cNvSpPr>
-            <a:spLocks noGrp="1"/>
-          </p:cNvSpPr>
-          <p:nvPr>
-            <p:ph type="ctrTitle"/>
-          </p:nvPr>
-        </p:nvSpPr>
-        <p:spPr/>
-        <p:txBody>
-          <a:bodyPr/>
-          <a:lstStyle/>
-          <a:p>
-            <a:r>
-              <a:rPr lang="en-US"/>
-              <a:t>Dependencies </a:t>
-            </a:r>
-            <a:r>
-              <a:rPr lang="en-US" dirty="0"/>
-              <a:t>Demystified</a:t>
-            </a:r>
-          </a:p>
-        </p:txBody>
-      </p:sp>
-      <p:sp>
-        <p:nvSpPr>
-          <p:cNvPr id="3" name="Subtitle 2"/>
-          <p:cNvSpPr>
-            <a:spLocks noGrp="1"/>
-          </p:cNvSpPr>
-          <p:nvPr>
-            <p:ph type="subTitle" idx="1"/>
-          </p:nvPr>
-        </p:nvSpPr>
-        <p:spPr/>
-        <p:txBody>
-          <a:bodyPr/>
-          <a:lstStyle/>
-          <a:p>
-            <a:endParaRPr lang="en-US" dirty="0"/>
-          </a:p>
-        </p:txBody>
-      </p:sp>
-      <p:sp>
-        <p:nvSpPr>
-          <p:cNvPr id="4" name="Text Placeholder 3"/>
-          <p:cNvSpPr>
-            <a:spLocks noGrp="1"/>
-          </p:cNvSpPr>
-          <p:nvPr>
-            <p:ph type="body" idx="10"/>
-          </p:nvPr>
-        </p:nvSpPr>
-        <p:spPr/>
-        <p:txBody>
-          <a:bodyPr/>
-          <a:lstStyle/>
-          <a:p>
-            <a:r>
-              <a:rPr lang="en-US" dirty="0"/>
-              <a:t>Jason Bock</a:t>
-            </a:r>
-          </a:p>
-          <a:p>
-            <a:r>
-              <a:rPr lang="en-US" dirty="0"/>
-              <a:t>Practice Lead</a:t>
-            </a:r>
-          </a:p>
-        </p:txBody>
-      </p:sp>
-      <p:sp>
-        <p:nvSpPr>
-          <p:cNvPr id="5" name="Text Placeholder 4"/>
-          <p:cNvSpPr>
-            <a:spLocks noGrp="1"/>
-          </p:cNvSpPr>
-          <p:nvPr>
-            <p:ph type="body" idx="11"/>
-          </p:nvPr>
-        </p:nvSpPr>
-        <p:spPr/>
-        <p:txBody>
-          <a:bodyPr/>
-          <a:lstStyle/>
-          <a:p>
-            <a:endParaRPr lang="en-US" dirty="0"/>
-          </a:p>
-        </p:txBody>
-      </p:sp>
-      <p:sp>
-        <p:nvSpPr>
-          <p:cNvPr id="6" name="TextBox 5"/>
-          <p:cNvSpPr txBox="1"/>
-          <p:nvPr/>
-        </p:nvSpPr>
-        <p:spPr>
-          <a:xfrm>
-            <a:off x="2065122" y="4147755"/>
-            <a:ext cx="6643917" cy="1676621"/>
-          </a:xfrm>
-          <a:prstGeom prst="rect">
-            <a:avLst/>
-          </a:prstGeom>
-          <a:noFill/>
-        </p:spPr>
-        <p:txBody>
-          <a:bodyPr wrap="square" rtlCol="0" anchor="ctr" anchorCtr="0">
-            <a:noAutofit/>
-          </a:bodyPr>
-          <a:lstStyle/>
-          <a:p>
-            <a:r>
-              <a:rPr lang="en-US" dirty="0"/>
-              <a:t>Remember…</a:t>
-            </a:r>
-          </a:p>
-          <a:p>
-            <a:pPr marL="285750" indent="-285750">
-              <a:buClr>
-                <a:srgbClr val="7AB800"/>
-              </a:buClr>
-              <a:buFont typeface="Wingdings" panose="05000000000000000000" pitchFamily="2" charset="2"/>
-              <a:buChar char="§"/>
-            </a:pPr>
-            <a:r>
-              <a:rPr lang="en-US" dirty="0"/>
-              <a:t>https://github.com/JasonBock/DependenciesDemystified</a:t>
-            </a:r>
-          </a:p>
-          <a:p>
-            <a:pPr marL="285750" indent="-285750">
-              <a:buClr>
-                <a:srgbClr val="7AB800"/>
-              </a:buClr>
-              <a:buFont typeface="Wingdings" panose="05000000000000000000" pitchFamily="2" charset="2"/>
-              <a:buChar char="§"/>
-            </a:pPr>
-            <a:r>
-              <a:rPr lang="en-US" dirty="0"/>
-              <a:t>https://www.slideshare.net/JasonBock2/dependencies-demystified-87641066</a:t>
-            </a:r>
-          </a:p>
-          <a:p>
-            <a:pPr marL="285750" indent="-285750">
-              <a:buClr>
-                <a:srgbClr val="7AB800"/>
-              </a:buClr>
-              <a:buFont typeface="Wingdings" panose="05000000000000000000" pitchFamily="2" charset="2"/>
-              <a:buChar char="§"/>
-            </a:pPr>
-            <a:r>
-              <a:rPr lang="en-US" dirty="0"/>
-              <a:t>References in the notes on this slide</a:t>
-            </a:r>
-          </a:p>
-        </p:txBody>
-      </p:sp>
-    </p:spTree>
-    <p:extLst>
-      <p:ext uri="{BB962C8B-B14F-4D97-AF65-F5344CB8AC3E}">
-        <p14:creationId xmlns:p14="http://schemas.microsoft.com/office/powerpoint/2010/main" val="4037032987"/>
-      </p:ext>
-    </p:extLst>
-  </p:cSld>
-  <p:clrMapOvr>
-    <a:masterClrMapping/>
-  </p:clrMapOvr>
-</p:sld>
-</file>
-
-<file path=ppt/slides/slide5.xml><?xml version="1.0" encoding="utf-8"?>
+<file path=ppt/slides/slide4.xml><?xml version="1.0" encoding="utf-8"?>
 <p:sld xmlns:a="http://schemas.openxmlformats.org/drawingml/2006/main" xmlns:r="http://schemas.openxmlformats.org/officeDocument/2006/relationships" xmlns:p="http://schemas.openxmlformats.org/presentationml/2006/main">
   <p:cSld>
     <p:spTree>
@@ -33163,7 +32177,7 @@
               <a:rPr lang="en-US" sz="2400" dirty="0">
                 <a:latin typeface="+mn-lt"/>
               </a:rPr>
-              <a:t>https://www.slideshare.net/JasonBock2/</a:t>
+              <a:t>https://github.com/JasonBock/Presentations/</a:t>
             </a:r>
           </a:p>
           <a:p>
@@ -33174,7 +32188,7 @@
               <a:rPr lang="en-US" sz="2400" dirty="0">
                 <a:latin typeface="+mn-lt"/>
               </a:rPr>
-              <a:t>dependencies-demystified-87641066</a:t>
+              <a:t>blob/master/Dependencies%20Demystified.pptx</a:t>
             </a:r>
           </a:p>
         </p:txBody>
@@ -33192,7 +32206,710 @@
 </p:sld>
 </file>
 
-<file path=ppt/slides/slide6.xml><?xml version="1.0" encoding="utf-8"?>
+<file path=ppt/slides/slide40.xml><?xml version="1.0" encoding="utf-8"?>
+<p:sld xmlns:a="http://schemas.openxmlformats.org/drawingml/2006/main" xmlns:r="http://schemas.openxmlformats.org/officeDocument/2006/relationships" xmlns:p="http://schemas.openxmlformats.org/presentationml/2006/main">
+  <p:cSld>
+    <p:spTree>
+      <p:nvGrpSpPr>
+        <p:cNvPr id="1" name=""/>
+        <p:cNvGrpSpPr/>
+        <p:nvPr/>
+      </p:nvGrpSpPr>
+      <p:grpSpPr>
+        <a:xfrm>
+          <a:off x="0" y="0"/>
+          <a:ext cx="0" cy="0"/>
+          <a:chOff x="0" y="0"/>
+          <a:chExt cx="0" cy="0"/>
+        </a:xfrm>
+      </p:grpSpPr>
+      <p:sp>
+        <p:nvSpPr>
+          <p:cNvPr id="3" name="Title 2"/>
+          <p:cNvSpPr>
+            <a:spLocks noGrp="1"/>
+          </p:cNvSpPr>
+          <p:nvPr>
+            <p:ph type="title"/>
+          </p:nvPr>
+        </p:nvSpPr>
+        <p:spPr/>
+        <p:txBody>
+          <a:bodyPr/>
+          <a:lstStyle/>
+          <a:p>
+            <a:r>
+              <a:rPr lang="en-US" dirty="0"/>
+              <a:t>Containers</a:t>
+            </a:r>
+          </a:p>
+        </p:txBody>
+      </p:sp>
+      <p:graphicFrame>
+        <p:nvGraphicFramePr>
+          <p:cNvPr id="5" name="Diagram 4"/>
+          <p:cNvGraphicFramePr/>
+          <p:nvPr>
+            <p:extLst>
+              <p:ext uri="{D42A27DB-BD31-4B8C-83A1-F6EECF244321}">
+                <p14:modId xmlns:p14="http://schemas.microsoft.com/office/powerpoint/2010/main" val="1381961604"/>
+              </p:ext>
+            </p:extLst>
+          </p:nvPr>
+        </p:nvGraphicFramePr>
+        <p:xfrm>
+          <a:off x="2156699" y="1176866"/>
+          <a:ext cx="7884886" cy="4309534"/>
+        </p:xfrm>
+        <a:graphic>
+          <a:graphicData uri="http://schemas.openxmlformats.org/drawingml/2006/diagram">
+            <dgm:relIds xmlns:dgm="http://schemas.openxmlformats.org/drawingml/2006/diagram" xmlns:r="http://schemas.openxmlformats.org/officeDocument/2006/relationships" r:dm="rId3" r:lo="rId4" r:qs="rId5" r:cs="rId6"/>
+          </a:graphicData>
+        </a:graphic>
+      </p:graphicFrame>
+    </p:spTree>
+    <p:extLst>
+      <p:ext uri="{BB962C8B-B14F-4D97-AF65-F5344CB8AC3E}">
+        <p14:creationId xmlns:p14="http://schemas.microsoft.com/office/powerpoint/2010/main" val="493694731"/>
+      </p:ext>
+    </p:extLst>
+  </p:cSld>
+  <p:clrMapOvr>
+    <a:masterClrMapping/>
+  </p:clrMapOvr>
+</p:sld>
+</file>
+
+<file path=ppt/slides/slide41.xml><?xml version="1.0" encoding="utf-8"?>
+<p:sld xmlns:a="http://schemas.openxmlformats.org/drawingml/2006/main" xmlns:r="http://schemas.openxmlformats.org/officeDocument/2006/relationships" xmlns:p="http://schemas.openxmlformats.org/presentationml/2006/main">
+  <p:cSld>
+    <p:spTree>
+      <p:nvGrpSpPr>
+        <p:cNvPr id="1" name=""/>
+        <p:cNvGrpSpPr/>
+        <p:nvPr/>
+      </p:nvGrpSpPr>
+      <p:grpSpPr>
+        <a:xfrm>
+          <a:off x="0" y="0"/>
+          <a:ext cx="0" cy="0"/>
+          <a:chOff x="0" y="0"/>
+          <a:chExt cx="0" cy="0"/>
+        </a:xfrm>
+      </p:grpSpPr>
+      <p:sp>
+        <p:nvSpPr>
+          <p:cNvPr id="3" name="Title 2"/>
+          <p:cNvSpPr>
+            <a:spLocks noGrp="1"/>
+          </p:cNvSpPr>
+          <p:nvPr>
+            <p:ph type="title"/>
+          </p:nvPr>
+        </p:nvSpPr>
+        <p:spPr/>
+        <p:txBody>
+          <a:bodyPr/>
+          <a:lstStyle/>
+          <a:p>
+            <a:r>
+              <a:rPr lang="en-US" dirty="0"/>
+              <a:t>Containers</a:t>
+            </a:r>
+          </a:p>
+        </p:txBody>
+      </p:sp>
+      <p:graphicFrame>
+        <p:nvGraphicFramePr>
+          <p:cNvPr id="4" name="Diagram 3"/>
+          <p:cNvGraphicFramePr/>
+          <p:nvPr>
+            <p:extLst>
+              <p:ext uri="{D42A27DB-BD31-4B8C-83A1-F6EECF244321}">
+                <p14:modId xmlns:p14="http://schemas.microsoft.com/office/powerpoint/2010/main" val="3336539574"/>
+              </p:ext>
+            </p:extLst>
+          </p:nvPr>
+        </p:nvGraphicFramePr>
+        <p:xfrm>
+          <a:off x="0" y="1220409"/>
+          <a:ext cx="7884886" cy="4309534"/>
+        </p:xfrm>
+        <a:graphic>
+          <a:graphicData uri="http://schemas.openxmlformats.org/drawingml/2006/diagram">
+            <dgm:relIds xmlns:dgm="http://schemas.openxmlformats.org/drawingml/2006/diagram" xmlns:r="http://schemas.openxmlformats.org/officeDocument/2006/relationships" r:dm="rId3" r:lo="rId4" r:qs="rId5" r:cs="rId6"/>
+          </a:graphicData>
+        </a:graphic>
+      </p:graphicFrame>
+      <p:sp>
+        <p:nvSpPr>
+          <p:cNvPr id="2" name="Right Brace 1"/>
+          <p:cNvSpPr/>
+          <p:nvPr/>
+        </p:nvSpPr>
+        <p:spPr>
+          <a:xfrm>
+            <a:off x="7162800" y="1220409"/>
+            <a:ext cx="838199" cy="4309534"/>
+          </a:xfrm>
+          <a:prstGeom prst="rightBrace">
+            <a:avLst/>
+          </a:prstGeom>
+          <a:ln w="25400"/>
+        </p:spPr>
+        <p:style>
+          <a:lnRef idx="1">
+            <a:schemeClr val="accent1"/>
+          </a:lnRef>
+          <a:fillRef idx="0">
+            <a:schemeClr val="accent1"/>
+          </a:fillRef>
+          <a:effectRef idx="0">
+            <a:schemeClr val="accent1"/>
+          </a:effectRef>
+          <a:fontRef idx="minor">
+            <a:schemeClr val="tx1"/>
+          </a:fontRef>
+        </p:style>
+        <p:txBody>
+          <a:bodyPr rtlCol="0" anchor="ctr"/>
+          <a:lstStyle/>
+          <a:p>
+            <a:pPr algn="ctr"/>
+            <a:endParaRPr lang="en-US"/>
+          </a:p>
+        </p:txBody>
+      </p:sp>
+      <p:sp>
+        <p:nvSpPr>
+          <p:cNvPr id="6" name="Oval 5"/>
+          <p:cNvSpPr/>
+          <p:nvPr/>
+        </p:nvSpPr>
+        <p:spPr>
+          <a:xfrm>
+            <a:off x="8000999" y="3086704"/>
+            <a:ext cx="576072" cy="576943"/>
+          </a:xfrm>
+          <a:prstGeom prst="ellipse">
+            <a:avLst/>
+          </a:prstGeom>
+        </p:spPr>
+        <p:style>
+          <a:lnRef idx="2">
+            <a:schemeClr val="accent1">
+              <a:shade val="50000"/>
+            </a:schemeClr>
+          </a:lnRef>
+          <a:fillRef idx="1">
+            <a:schemeClr val="accent1"/>
+          </a:fillRef>
+          <a:effectRef idx="0">
+            <a:schemeClr val="accent1"/>
+          </a:effectRef>
+          <a:fontRef idx="minor">
+            <a:schemeClr val="lt1"/>
+          </a:fontRef>
+        </p:style>
+        <p:txBody>
+          <a:bodyPr rtlCol="0" anchor="ctr"/>
+          <a:lstStyle/>
+          <a:p>
+            <a:pPr algn="ctr"/>
+            <a:endParaRPr lang="en-US"/>
+          </a:p>
+        </p:txBody>
+      </p:sp>
+      <p:sp>
+        <p:nvSpPr>
+          <p:cNvPr id="7" name="Rectangle 6"/>
+          <p:cNvSpPr/>
+          <p:nvPr/>
+        </p:nvSpPr>
+        <p:spPr>
+          <a:xfrm>
+            <a:off x="9220200" y="2694818"/>
+            <a:ext cx="2250439" cy="1360714"/>
+          </a:xfrm>
+          <a:prstGeom prst="rect">
+            <a:avLst/>
+          </a:prstGeom>
+        </p:spPr>
+        <p:style>
+          <a:lnRef idx="2">
+            <a:schemeClr val="accent1">
+              <a:shade val="50000"/>
+            </a:schemeClr>
+          </a:lnRef>
+          <a:fillRef idx="1">
+            <a:schemeClr val="accent1"/>
+          </a:fillRef>
+          <a:effectRef idx="0">
+            <a:schemeClr val="accent1"/>
+          </a:effectRef>
+          <a:fontRef idx="minor">
+            <a:schemeClr val="lt1"/>
+          </a:fontRef>
+        </p:style>
+        <p:txBody>
+          <a:bodyPr rtlCol="0" anchor="ctr"/>
+          <a:lstStyle/>
+          <a:p>
+            <a:pPr algn="ctr"/>
+            <a:r>
+              <a:rPr lang="en-US" sz="3600" dirty="0"/>
+              <a:t>Container</a:t>
+            </a:r>
+          </a:p>
+        </p:txBody>
+      </p:sp>
+      <p:cxnSp>
+        <p:nvCxnSpPr>
+          <p:cNvPr id="9" name="Straight Arrow Connector 8"/>
+          <p:cNvCxnSpPr>
+            <a:stCxn id="6" idx="6"/>
+            <a:endCxn id="7" idx="1"/>
+          </p:cNvCxnSpPr>
+          <p:nvPr/>
+        </p:nvCxnSpPr>
+        <p:spPr>
+          <a:xfrm flipV="1">
+            <a:off x="8577071" y="3375175"/>
+            <a:ext cx="643130" cy="1"/>
+          </a:xfrm>
+          <a:prstGeom prst="straightConnector1">
+            <a:avLst/>
+          </a:prstGeom>
+          <a:ln w="25400">
+            <a:tailEnd type="triangle" w="lg" len="lg"/>
+          </a:ln>
+        </p:spPr>
+        <p:style>
+          <a:lnRef idx="1">
+            <a:schemeClr val="accent1"/>
+          </a:lnRef>
+          <a:fillRef idx="0">
+            <a:schemeClr val="accent1"/>
+          </a:fillRef>
+          <a:effectRef idx="0">
+            <a:schemeClr val="accent1"/>
+          </a:effectRef>
+          <a:fontRef idx="minor">
+            <a:schemeClr val="tx1"/>
+          </a:fontRef>
+        </p:style>
+      </p:cxnSp>
+    </p:spTree>
+    <p:extLst>
+      <p:ext uri="{BB962C8B-B14F-4D97-AF65-F5344CB8AC3E}">
+        <p14:creationId xmlns:p14="http://schemas.microsoft.com/office/powerpoint/2010/main" val="3487890396"/>
+      </p:ext>
+    </p:extLst>
+  </p:cSld>
+  <p:clrMapOvr>
+    <a:masterClrMapping/>
+  </p:clrMapOvr>
+</p:sld>
+</file>
+
+<file path=ppt/slides/slide42.xml><?xml version="1.0" encoding="utf-8"?>
+<p:sld xmlns:a="http://schemas.openxmlformats.org/drawingml/2006/main" xmlns:r="http://schemas.openxmlformats.org/officeDocument/2006/relationships" xmlns:p="http://schemas.openxmlformats.org/presentationml/2006/main">
+  <p:cSld>
+    <p:spTree>
+      <p:nvGrpSpPr>
+        <p:cNvPr id="1" name=""/>
+        <p:cNvGrpSpPr/>
+        <p:nvPr/>
+      </p:nvGrpSpPr>
+      <p:grpSpPr>
+        <a:xfrm>
+          <a:off x="0" y="0"/>
+          <a:ext cx="0" cy="0"/>
+          <a:chOff x="0" y="0"/>
+          <a:chExt cx="0" cy="0"/>
+        </a:xfrm>
+      </p:grpSpPr>
+      <p:sp>
+        <p:nvSpPr>
+          <p:cNvPr id="2" name="Title 1"/>
+          <p:cNvSpPr>
+            <a:spLocks noGrp="1"/>
+          </p:cNvSpPr>
+          <p:nvPr>
+            <p:ph type="title"/>
+          </p:nvPr>
+        </p:nvSpPr>
+        <p:spPr/>
+        <p:txBody>
+          <a:bodyPr/>
+          <a:lstStyle/>
+          <a:p>
+            <a:r>
+              <a:rPr lang="en-US" dirty="0"/>
+              <a:t>Demo: Autofac and .NET Core Integration</a:t>
+            </a:r>
+          </a:p>
+        </p:txBody>
+      </p:sp>
+      <p:sp>
+        <p:nvSpPr>
+          <p:cNvPr id="3" name="Text Placeholder 2"/>
+          <p:cNvSpPr>
+            <a:spLocks noGrp="1"/>
+          </p:cNvSpPr>
+          <p:nvPr>
+            <p:ph type="body" idx="1"/>
+          </p:nvPr>
+        </p:nvSpPr>
+        <p:spPr/>
+        <p:txBody>
+          <a:bodyPr/>
+          <a:lstStyle/>
+          <a:p>
+            <a:r>
+              <a:rPr lang="en-US" dirty="0"/>
+              <a:t>Dependencies Demystified</a:t>
+            </a:r>
+          </a:p>
+        </p:txBody>
+      </p:sp>
+    </p:spTree>
+    <p:extLst>
+      <p:ext uri="{BB962C8B-B14F-4D97-AF65-F5344CB8AC3E}">
+        <p14:creationId xmlns:p14="http://schemas.microsoft.com/office/powerpoint/2010/main" val="430535863"/>
+      </p:ext>
+    </p:extLst>
+  </p:cSld>
+  <p:clrMapOvr>
+    <a:masterClrMapping/>
+  </p:clrMapOvr>
+</p:sld>
+</file>
+
+<file path=ppt/slides/slide43.xml><?xml version="1.0" encoding="utf-8"?>
+<p:sld xmlns:a="http://schemas.openxmlformats.org/drawingml/2006/main" xmlns:r="http://schemas.openxmlformats.org/officeDocument/2006/relationships" xmlns:p="http://schemas.openxmlformats.org/presentationml/2006/main">
+  <p:cSld>
+    <p:spTree>
+      <p:nvGrpSpPr>
+        <p:cNvPr id="1" name=""/>
+        <p:cNvGrpSpPr/>
+        <p:nvPr/>
+      </p:nvGrpSpPr>
+      <p:grpSpPr>
+        <a:xfrm>
+          <a:off x="0" y="0"/>
+          <a:ext cx="0" cy="0"/>
+          <a:chOff x="0" y="0"/>
+          <a:chExt cx="0" cy="0"/>
+        </a:xfrm>
+      </p:grpSpPr>
+      <p:sp>
+        <p:nvSpPr>
+          <p:cNvPr id="3" name="Title 2"/>
+          <p:cNvSpPr>
+            <a:spLocks noGrp="1"/>
+          </p:cNvSpPr>
+          <p:nvPr>
+            <p:ph type="title"/>
+          </p:nvPr>
+        </p:nvSpPr>
+        <p:spPr/>
+        <p:txBody>
+          <a:bodyPr/>
+          <a:lstStyle/>
+          <a:p>
+            <a:r>
+              <a:rPr lang="en-US" dirty="0"/>
+              <a:t>Conclusion</a:t>
+            </a:r>
+          </a:p>
+        </p:txBody>
+      </p:sp>
+      <p:sp>
+        <p:nvSpPr>
+          <p:cNvPr id="2" name="Rectangle 1"/>
+          <p:cNvSpPr/>
+          <p:nvPr/>
+        </p:nvSpPr>
+        <p:spPr>
+          <a:xfrm>
+            <a:off x="1376759" y="1300246"/>
+            <a:ext cx="9444765" cy="4154984"/>
+          </a:xfrm>
+          <a:prstGeom prst="rect">
+            <a:avLst/>
+          </a:prstGeom>
+        </p:spPr>
+        <p:txBody>
+          <a:bodyPr wrap="square">
+            <a:spAutoFit/>
+          </a:bodyPr>
+          <a:lstStyle/>
+          <a:p>
+            <a:r>
+              <a:rPr lang="en-US" sz="4400" dirty="0"/>
+              <a:t>“The reason that I use </a:t>
+            </a:r>
+            <a:r>
+              <a:rPr lang="en-US" sz="4400" dirty="0" err="1"/>
+              <a:t>IoC</a:t>
+            </a:r>
+            <a:r>
+              <a:rPr lang="en-US" sz="4400" dirty="0"/>
+              <a:t> is not to encourage testing, it is not to break dependencies, it is not to get separation of concerns…I am using </a:t>
+            </a:r>
+            <a:r>
+              <a:rPr lang="en-US" sz="4400" dirty="0" err="1"/>
+              <a:t>IoC</a:t>
+            </a:r>
+            <a:r>
+              <a:rPr lang="en-US" sz="4400" dirty="0"/>
+              <a:t> because it makes all of the above so </a:t>
+            </a:r>
+            <a:r>
+              <a:rPr lang="en-US" sz="4400" i="1" dirty="0"/>
+              <a:t>easy.”</a:t>
+            </a:r>
+            <a:endParaRPr lang="en-US" sz="4400" dirty="0"/>
+          </a:p>
+        </p:txBody>
+      </p:sp>
+      <p:sp>
+        <p:nvSpPr>
+          <p:cNvPr id="6" name="Rectangle 5"/>
+          <p:cNvSpPr/>
+          <p:nvPr/>
+        </p:nvSpPr>
+        <p:spPr>
+          <a:xfrm>
+            <a:off x="5610225" y="6276894"/>
+            <a:ext cx="6581775" cy="453605"/>
+          </a:xfrm>
+          <a:prstGeom prst="rect">
+            <a:avLst/>
+          </a:prstGeom>
+        </p:spPr>
+        <p:txBody>
+          <a:bodyPr wrap="square" anchor="ctr" anchorCtr="0">
+            <a:noAutofit/>
+          </a:bodyPr>
+          <a:lstStyle/>
+          <a:p>
+            <a:pPr algn="r"/>
+            <a:r>
+              <a:rPr lang="en-US" sz="1200" dirty="0">
+                <a:latin typeface="+mj-lt"/>
+                <a:cs typeface="Calibri" pitchFamily="34" charset="0"/>
+              </a:rPr>
+              <a:t>http://ayende.com/blog/2887/dependency-injection-doesnt-cut-it-anymore</a:t>
+            </a:r>
+          </a:p>
+        </p:txBody>
+      </p:sp>
+    </p:spTree>
+    <p:extLst>
+      <p:ext uri="{BB962C8B-B14F-4D97-AF65-F5344CB8AC3E}">
+        <p14:creationId xmlns:p14="http://schemas.microsoft.com/office/powerpoint/2010/main" val="2636596712"/>
+      </p:ext>
+    </p:extLst>
+  </p:cSld>
+  <p:clrMapOvr>
+    <a:masterClrMapping/>
+  </p:clrMapOvr>
+</p:sld>
+</file>
+
+<file path=ppt/slides/slide44.xml><?xml version="1.0" encoding="utf-8"?>
+<p:sld xmlns:a="http://schemas.openxmlformats.org/drawingml/2006/main" xmlns:r="http://schemas.openxmlformats.org/officeDocument/2006/relationships" xmlns:p="http://schemas.openxmlformats.org/presentationml/2006/main">
+  <p:cSld>
+    <p:spTree>
+      <p:nvGrpSpPr>
+        <p:cNvPr id="1" name=""/>
+        <p:cNvGrpSpPr/>
+        <p:nvPr/>
+      </p:nvGrpSpPr>
+      <p:grpSpPr>
+        <a:xfrm>
+          <a:off x="0" y="0"/>
+          <a:ext cx="0" cy="0"/>
+          <a:chOff x="0" y="0"/>
+          <a:chExt cx="0" cy="0"/>
+        </a:xfrm>
+      </p:grpSpPr>
+      <p:sp>
+        <p:nvSpPr>
+          <p:cNvPr id="2" name="Title 1"/>
+          <p:cNvSpPr>
+            <a:spLocks noGrp="1"/>
+          </p:cNvSpPr>
+          <p:nvPr>
+            <p:ph type="ctrTitle"/>
+          </p:nvPr>
+        </p:nvSpPr>
+        <p:spPr/>
+        <p:txBody>
+          <a:bodyPr/>
+          <a:lstStyle/>
+          <a:p>
+            <a:r>
+              <a:rPr lang="en-US"/>
+              <a:t>Dependencies </a:t>
+            </a:r>
+            <a:r>
+              <a:rPr lang="en-US" dirty="0"/>
+              <a:t>Demystified</a:t>
+            </a:r>
+          </a:p>
+        </p:txBody>
+      </p:sp>
+      <p:sp>
+        <p:nvSpPr>
+          <p:cNvPr id="3" name="Subtitle 2"/>
+          <p:cNvSpPr>
+            <a:spLocks noGrp="1"/>
+          </p:cNvSpPr>
+          <p:nvPr>
+            <p:ph type="subTitle" idx="1"/>
+          </p:nvPr>
+        </p:nvSpPr>
+        <p:spPr/>
+        <p:txBody>
+          <a:bodyPr/>
+          <a:lstStyle/>
+          <a:p>
+            <a:endParaRPr lang="en-US" dirty="0"/>
+          </a:p>
+        </p:txBody>
+      </p:sp>
+      <p:sp>
+        <p:nvSpPr>
+          <p:cNvPr id="4" name="Text Placeholder 3"/>
+          <p:cNvSpPr>
+            <a:spLocks noGrp="1"/>
+          </p:cNvSpPr>
+          <p:nvPr>
+            <p:ph type="body" idx="10"/>
+          </p:nvPr>
+        </p:nvSpPr>
+        <p:spPr/>
+        <p:txBody>
+          <a:bodyPr/>
+          <a:lstStyle/>
+          <a:p>
+            <a:r>
+              <a:rPr lang="en-US" dirty="0"/>
+              <a:t>Jason Bock</a:t>
+            </a:r>
+          </a:p>
+          <a:p>
+            <a:r>
+              <a:rPr lang="en-US" dirty="0"/>
+              <a:t>Practice Lead</a:t>
+            </a:r>
+          </a:p>
+        </p:txBody>
+      </p:sp>
+      <p:sp>
+        <p:nvSpPr>
+          <p:cNvPr id="5" name="Text Placeholder 4"/>
+          <p:cNvSpPr>
+            <a:spLocks noGrp="1"/>
+          </p:cNvSpPr>
+          <p:nvPr>
+            <p:ph type="body" idx="11"/>
+          </p:nvPr>
+        </p:nvSpPr>
+        <p:spPr/>
+        <p:txBody>
+          <a:bodyPr/>
+          <a:lstStyle/>
+          <a:p>
+            <a:endParaRPr lang="en-US" dirty="0"/>
+          </a:p>
+        </p:txBody>
+      </p:sp>
+      <p:sp>
+        <p:nvSpPr>
+          <p:cNvPr id="6" name="TextBox 5"/>
+          <p:cNvSpPr txBox="1"/>
+          <p:nvPr/>
+        </p:nvSpPr>
+        <p:spPr>
+          <a:xfrm>
+            <a:off x="2065123" y="4147755"/>
+            <a:ext cx="6347358" cy="1676621"/>
+          </a:xfrm>
+          <a:prstGeom prst="rect">
+            <a:avLst/>
+          </a:prstGeom>
+          <a:noFill/>
+        </p:spPr>
+        <p:txBody>
+          <a:bodyPr wrap="square" rtlCol="0" anchor="ctr" anchorCtr="0">
+            <a:noAutofit/>
+          </a:bodyPr>
+          <a:lstStyle/>
+          <a:p>
+            <a:r>
+              <a:rPr lang="en-US" dirty="0"/>
+              <a:t>Remember…</a:t>
+            </a:r>
+          </a:p>
+          <a:p>
+            <a:pPr marL="285750" indent="-285750">
+              <a:buClr>
+                <a:srgbClr val="7AB800"/>
+              </a:buClr>
+              <a:buFont typeface="Wingdings" panose="05000000000000000000" pitchFamily="2" charset="2"/>
+              <a:buChar char="§"/>
+            </a:pPr>
+            <a:r>
+              <a:rPr lang="en-US" dirty="0"/>
+              <a:t>https://github.com/JasonBock/DependenciesDemystified</a:t>
+            </a:r>
+          </a:p>
+          <a:p>
+            <a:pPr marL="285750" indent="-285750">
+              <a:buClr>
+                <a:srgbClr val="7AB800"/>
+              </a:buClr>
+              <a:buFont typeface="Wingdings" panose="05000000000000000000" pitchFamily="2" charset="2"/>
+              <a:buChar char="§"/>
+            </a:pPr>
+            <a:r>
+              <a:rPr lang="en-US" dirty="0"/>
+              <a:t>https://github.com/JasonBock/Presentations/blob/master/Dependencies%20Demystified.pptx</a:t>
+            </a:r>
+          </a:p>
+          <a:p>
+            <a:pPr marL="285750" indent="-285750">
+              <a:buClr>
+                <a:srgbClr val="7AB800"/>
+              </a:buClr>
+              <a:buFont typeface="Wingdings" panose="05000000000000000000" pitchFamily="2" charset="2"/>
+              <a:buChar char="§"/>
+            </a:pPr>
+            <a:r>
+              <a:rPr lang="en-US" dirty="0"/>
+              <a:t>References in the notes on this slide</a:t>
+            </a:r>
+          </a:p>
+        </p:txBody>
+      </p:sp>
+    </p:spTree>
+    <p:extLst>
+      <p:ext uri="{BB962C8B-B14F-4D97-AF65-F5344CB8AC3E}">
+        <p14:creationId xmlns:p14="http://schemas.microsoft.com/office/powerpoint/2010/main" val="4037032987"/>
+      </p:ext>
+    </p:extLst>
+  </p:cSld>
+  <p:clrMapOvr>
+    <a:masterClrMapping/>
+  </p:clrMapOvr>
+</p:sld>
+</file>
+
+<file path=ppt/slides/slide5.xml><?xml version="1.0" encoding="utf-8"?>
 <p:sld xmlns:a="http://schemas.openxmlformats.org/drawingml/2006/main" xmlns:r="http://schemas.openxmlformats.org/officeDocument/2006/relationships" xmlns:p="http://schemas.openxmlformats.org/presentationml/2006/main">
   <p:cSld>
     <p:spTree>
@@ -33424,7 +33141,7 @@
 </p:sld>
 </file>
 
-<file path=ppt/slides/slide7.xml><?xml version="1.0" encoding="utf-8"?>
+<file path=ppt/slides/slide6.xml><?xml version="1.0" encoding="utf-8"?>
 <p:sld xmlns:a="http://schemas.openxmlformats.org/drawingml/2006/main" xmlns:r="http://schemas.openxmlformats.org/officeDocument/2006/relationships" xmlns:p="http://schemas.openxmlformats.org/presentationml/2006/main">
   <p:cSld>
     <p:spTree>
@@ -33596,7 +33313,7 @@
 </p:sld>
 </file>
 
-<file path=ppt/slides/slide8.xml><?xml version="1.0" encoding="utf-8"?>
+<file path=ppt/slides/slide7.xml><?xml version="1.0" encoding="utf-8"?>
 <p:sld xmlns:a="http://schemas.openxmlformats.org/drawingml/2006/main" xmlns:r="http://schemas.openxmlformats.org/officeDocument/2006/relationships" xmlns:p="http://schemas.openxmlformats.org/presentationml/2006/main">
   <p:cSld>
     <p:spTree>
@@ -33678,7 +33395,7 @@
 </p:sld>
 </file>
 
-<file path=ppt/slides/slide9.xml><?xml version="1.0" encoding="utf-8"?>
+<file path=ppt/slides/slide8.xml><?xml version="1.0" encoding="utf-8"?>
 <p:sld xmlns:a="http://schemas.openxmlformats.org/drawingml/2006/main" xmlns:r="http://schemas.openxmlformats.org/officeDocument/2006/relationships" xmlns:p="http://schemas.openxmlformats.org/presentationml/2006/main">
   <p:cSld>
     <p:spTree>
@@ -33751,6 +33468,88 @@
     <p:extLst>
       <p:ext uri="{BB962C8B-B14F-4D97-AF65-F5344CB8AC3E}">
         <p14:creationId xmlns:p14="http://schemas.microsoft.com/office/powerpoint/2010/main" val="3424447295"/>
+      </p:ext>
+    </p:extLst>
+  </p:cSld>
+  <p:clrMapOvr>
+    <a:masterClrMapping/>
+  </p:clrMapOvr>
+</p:sld>
+</file>
+
+<file path=ppt/slides/slide9.xml><?xml version="1.0" encoding="utf-8"?>
+<p:sld xmlns:a="http://schemas.openxmlformats.org/drawingml/2006/main" xmlns:r="http://schemas.openxmlformats.org/officeDocument/2006/relationships" xmlns:p="http://schemas.openxmlformats.org/presentationml/2006/main">
+  <p:cSld>
+    <p:spTree>
+      <p:nvGrpSpPr>
+        <p:cNvPr id="1" name=""/>
+        <p:cNvGrpSpPr/>
+        <p:nvPr/>
+      </p:nvGrpSpPr>
+      <p:grpSpPr>
+        <a:xfrm>
+          <a:off x="0" y="0"/>
+          <a:ext cx="0" cy="0"/>
+          <a:chOff x="0" y="0"/>
+          <a:chExt cx="0" cy="0"/>
+        </a:xfrm>
+      </p:grpSpPr>
+      <p:sp>
+        <p:nvSpPr>
+          <p:cNvPr id="3" name="Title 2"/>
+          <p:cNvSpPr>
+            <a:spLocks noGrp="1"/>
+          </p:cNvSpPr>
+          <p:nvPr>
+            <p:ph type="title"/>
+          </p:nvPr>
+        </p:nvSpPr>
+        <p:spPr/>
+        <p:txBody>
+          <a:bodyPr/>
+          <a:lstStyle/>
+          <a:p>
+            <a:r>
+              <a:rPr lang="en-US" dirty="0"/>
+              <a:t>Dependencies</a:t>
+            </a:r>
+          </a:p>
+        </p:txBody>
+      </p:sp>
+      <p:pic>
+        <p:nvPicPr>
+          <p:cNvPr id="6" name="Picture 5"/>
+          <p:cNvPicPr>
+            <a:picLocks noChangeAspect="1"/>
+          </p:cNvPicPr>
+          <p:nvPr/>
+        </p:nvPicPr>
+        <p:blipFill>
+          <a:blip r:embed="rId3">
+            <a:extLst>
+              <a:ext uri="{28A0092B-C50C-407E-A947-70E740481C1C}">
+                <a14:useLocalDpi xmlns:a14="http://schemas.microsoft.com/office/drawing/2010/main" val="0"/>
+              </a:ext>
+            </a:extLst>
+          </a:blip>
+          <a:stretch>
+            <a:fillRect/>
+          </a:stretch>
+        </p:blipFill>
+        <p:spPr>
+          <a:xfrm>
+            <a:off x="1773885" y="947057"/>
+            <a:ext cx="8650514" cy="4865914"/>
+          </a:xfrm>
+          <a:prstGeom prst="rect">
+            <a:avLst/>
+          </a:prstGeom>
+        </p:spPr>
+      </p:pic>
+    </p:spTree>
+    <p:extLst>
+      <p:ext uri="{BB962C8B-B14F-4D97-AF65-F5344CB8AC3E}">
+        <p14:creationId xmlns:p14="http://schemas.microsoft.com/office/powerpoint/2010/main" val="1773185236"/>
       </p:ext>
     </p:extLst>
   </p:cSld>

--- a/Dependencies Demystified.pptx
+++ b/Dependencies Demystified.pptx
@@ -5,7 +5,7 @@
     <p:sldMasterId id="2147483648" r:id="rId4"/>
   </p:sldMasterIdLst>
   <p:notesMasterIdLst>
-    <p:notesMasterId r:id="rId49"/>
+    <p:notesMasterId r:id="rId50"/>
   </p:notesMasterIdLst>
   <p:sldIdLst>
     <p:sldId id="271" r:id="rId5"/>
@@ -46,12 +46,13 @@
     <p:sldId id="306" r:id="rId40"/>
     <p:sldId id="307" r:id="rId41"/>
     <p:sldId id="308" r:id="rId42"/>
-    <p:sldId id="309" r:id="rId43"/>
-    <p:sldId id="310" r:id="rId44"/>
-    <p:sldId id="311" r:id="rId45"/>
-    <p:sldId id="314" r:id="rId46"/>
-    <p:sldId id="315" r:id="rId47"/>
-    <p:sldId id="316" r:id="rId48"/>
+    <p:sldId id="317" r:id="rId43"/>
+    <p:sldId id="309" r:id="rId44"/>
+    <p:sldId id="310" r:id="rId45"/>
+    <p:sldId id="311" r:id="rId46"/>
+    <p:sldId id="314" r:id="rId47"/>
+    <p:sldId id="315" r:id="rId48"/>
+    <p:sldId id="316" r:id="rId49"/>
   </p:sldIdLst>
   <p:sldSz cx="12192000" cy="6858000"/>
   <p:notesSz cx="6858000" cy="9144000"/>
@@ -16613,7 +16614,7 @@
           <a:p>
             <a:fld id="{9ECE5BDF-9B7E-3646-B6C9-FC2C3E116129}" type="datetimeFigureOut">
               <a:rPr lang="en-US" smtClean="0"/>
-              <a:t>2/18/2018</a:t>
+              <a:t>12/2/2019</a:t>
             </a:fld>
             <a:endParaRPr lang="en-US"/>
           </a:p>
@@ -17199,11 +17200,7 @@
             </a:r>
             <a:r>
               <a:rPr lang="en-US" baseline="0" dirty="0"/>
-              <a:t> in Design Patterns. The patterns themselves are good, but they’re all based on this premise. You don’t want to how the patterns are implemented, you just want to use them in </a:t>
-            </a:r>
-            <a:r>
-              <a:rPr lang="en-US" baseline="0"/>
-              <a:t>a pluggable way.</a:t>
+              <a:t> in Design Patterns. The patterns themselves are good, but they’re all based on this premise. You don’t want to how the patterns are implemented; you just want to use them in a pluggable way.</a:t>
             </a:r>
             <a:endParaRPr lang="en-US" dirty="0"/>
           </a:p>
@@ -19777,23 +19774,24 @@
           <a:bodyPr/>
           <a:lstStyle/>
           <a:p>
+            <a:pPr marL="285750" indent="-285750">
+              <a:buFont typeface="Arial" panose="020B0604020202020204" pitchFamily="34" charset="0"/>
+              <a:buChar char="•"/>
+            </a:pPr>
             <a:r>
               <a:rPr lang="en-US" dirty="0"/>
-              <a:t>So let’s see how we can use Autofac to register dependencies and resolve them using a Lazy&lt;&gt;</a:t>
-            </a:r>
-            <a:r>
-              <a:rPr lang="en-US" baseline="0" dirty="0"/>
-              <a:t> and a </a:t>
-            </a:r>
-            <a:r>
-              <a:rPr lang="en-US" baseline="0" dirty="0" err="1"/>
-              <a:t>Func</a:t>
-            </a:r>
-            <a:r>
-              <a:rPr lang="en-US" baseline="0" dirty="0"/>
-              <a:t>&lt;string, T&gt;, where the former isn’t registered, but the latter is:</a:t>
-            </a:r>
-            <a:endParaRPr lang="en-US" dirty="0"/>
+              <a:t>Register dependent modules first, then register yours (last one wins)</a:t>
+            </a:r>
+          </a:p>
+          <a:p>
+            <a:pPr marL="285750" indent="-285750">
+              <a:buFont typeface="Arial" panose="020B0604020202020204" pitchFamily="34" charset="0"/>
+              <a:buChar char="•"/>
+            </a:pPr>
+            <a:r>
+              <a:rPr lang="en-US" dirty="0"/>
+              <a:t>App/host builds container and sets configuration section reader (if needed)</a:t>
+            </a:r>
           </a:p>
         </p:txBody>
       </p:sp>
@@ -19823,7 +19821,7 @@
     </p:spTree>
     <p:extLst>
       <p:ext uri="{BB962C8B-B14F-4D97-AF65-F5344CB8AC3E}">
-        <p14:creationId xmlns:p14="http://schemas.microsoft.com/office/powerpoint/2010/main" val="2514936869"/>
+        <p14:creationId xmlns:p14="http://schemas.microsoft.com/office/powerpoint/2010/main" val="170066674"/>
       </p:ext>
     </p:extLst>
   </p:cSld>
@@ -19879,11 +19877,19 @@
           <a:p>
             <a:r>
               <a:rPr lang="en-US" dirty="0"/>
-              <a:t>Now, most of us</a:t>
+              <a:t>So let’s see how we can use Autofac to register dependencies and resolve them using a Lazy&lt;&gt;</a:t>
             </a:r>
             <a:r>
               <a:rPr lang="en-US" baseline="0" dirty="0"/>
-              <a:t> aren’t writing console applications for production; other application hosts are used. And now .NET Core introduced a “common” DI framework.</a:t>
+              <a:t> and a </a:t>
+            </a:r>
+            <a:r>
+              <a:rPr lang="en-US" baseline="0" dirty="0" err="1"/>
+              <a:t>Func</a:t>
+            </a:r>
+            <a:r>
+              <a:rPr lang="en-US" baseline="0" dirty="0"/>
+              <a:t>&lt;string, T&gt;, where the former isn’t registered, but the latter is:</a:t>
             </a:r>
             <a:endParaRPr lang="en-US" dirty="0"/>
           </a:p>
@@ -19915,7 +19921,7 @@
     </p:spTree>
     <p:extLst>
       <p:ext uri="{BB962C8B-B14F-4D97-AF65-F5344CB8AC3E}">
-        <p14:creationId xmlns:p14="http://schemas.microsoft.com/office/powerpoint/2010/main" val="2883189519"/>
+        <p14:creationId xmlns:p14="http://schemas.microsoft.com/office/powerpoint/2010/main" val="2514936869"/>
       </p:ext>
     </p:extLst>
   </p:cSld>
@@ -19971,19 +19977,11 @@
           <a:p>
             <a:r>
               <a:rPr lang="en-US" dirty="0"/>
-              <a:t>Most modern</a:t>
+              <a:t>Now, most of us</a:t>
             </a:r>
             <a:r>
               <a:rPr lang="en-US" baseline="0" dirty="0"/>
-              <a:t> hosts have integration points with NuGet packages that make it pretty simple to put your favorite </a:t>
-            </a:r>
-            <a:r>
-              <a:rPr lang="en-US" baseline="0" dirty="0" err="1"/>
-              <a:t>IoC</a:t>
-            </a:r>
-            <a:r>
-              <a:rPr lang="en-US" baseline="0" dirty="0"/>
-              <a:t> in play with the application.</a:t>
+              <a:t> aren’t writing console applications for production; other application hosts are used. And now .NET Core introduced a “common” DI framework.</a:t>
             </a:r>
             <a:endParaRPr lang="en-US" dirty="0"/>
           </a:p>
@@ -20015,7 +20013,7 @@
     </p:spTree>
     <p:extLst>
       <p:ext uri="{BB962C8B-B14F-4D97-AF65-F5344CB8AC3E}">
-        <p14:creationId xmlns:p14="http://schemas.microsoft.com/office/powerpoint/2010/main" val="3729922570"/>
+        <p14:creationId xmlns:p14="http://schemas.microsoft.com/office/powerpoint/2010/main" val="2883189519"/>
       </p:ext>
     </p:extLst>
   </p:cSld>
@@ -20071,11 +20069,19 @@
           <a:p>
             <a:r>
               <a:rPr lang="en-US" dirty="0"/>
-              <a:t>Last demo: use Autofac with</a:t>
+              <a:t>Most modern</a:t>
             </a:r>
             <a:r>
               <a:rPr lang="en-US" baseline="0" dirty="0"/>
-              <a:t> .NET Core</a:t>
+              <a:t> hosts have integration points with NuGet packages that make it pretty simple to put your favorite </a:t>
+            </a:r>
+            <a:r>
+              <a:rPr lang="en-US" baseline="0" dirty="0" err="1"/>
+              <a:t>IoC</a:t>
+            </a:r>
+            <a:r>
+              <a:rPr lang="en-US" baseline="0" dirty="0"/>
+              <a:t> in play with the application.</a:t>
             </a:r>
             <a:endParaRPr lang="en-US" dirty="0"/>
           </a:p>
@@ -20107,7 +20113,7 @@
     </p:spTree>
     <p:extLst>
       <p:ext uri="{BB962C8B-B14F-4D97-AF65-F5344CB8AC3E}">
-        <p14:creationId xmlns:p14="http://schemas.microsoft.com/office/powerpoint/2010/main" val="1162403057"/>
+        <p14:creationId xmlns:p14="http://schemas.microsoft.com/office/powerpoint/2010/main" val="3729922570"/>
       </p:ext>
     </p:extLst>
   </p:cSld>
@@ -20163,8 +20169,13 @@
           <a:p>
             <a:r>
               <a:rPr lang="en-US" dirty="0"/>
-              <a:t>This sums it up well</a:t>
-            </a:r>
+              <a:t>Last demo: use Autofac with</a:t>
+            </a:r>
+            <a:r>
+              <a:rPr lang="en-US" baseline="0" dirty="0"/>
+              <a:t> .NET Core</a:t>
+            </a:r>
+            <a:endParaRPr lang="en-US" dirty="0"/>
           </a:p>
         </p:txBody>
       </p:sp>
@@ -20194,7 +20205,7 @@
     </p:spTree>
     <p:extLst>
       <p:ext uri="{BB962C8B-B14F-4D97-AF65-F5344CB8AC3E}">
-        <p14:creationId xmlns:p14="http://schemas.microsoft.com/office/powerpoint/2010/main" val="3304604059"/>
+        <p14:creationId xmlns:p14="http://schemas.microsoft.com/office/powerpoint/2010/main" val="1162403057"/>
       </p:ext>
     </p:extLst>
   </p:cSld>
@@ -20342,127 +20353,7 @@
           <a:p>
             <a:r>
               <a:rPr lang="en-US" dirty="0"/>
-              <a:t>* Dependency injection in ASP.NET Core - https://docs.microsoft.com/en-us/aspnet/core/fundamentals/dependency-injection</a:t>
-            </a:r>
-          </a:p>
-          <a:p>
-            <a:r>
-              <a:rPr lang="en-US" dirty="0"/>
-              <a:t>* Essential .NET - Dependency Injection with .NET Core - https://msdn.microsoft.com/en-us/magazine/mt707534.aspx</a:t>
-            </a:r>
-          </a:p>
-          <a:p>
-            <a:r>
-              <a:rPr lang="en-US" dirty="0"/>
-              <a:t>* </a:t>
-            </a:r>
-            <a:r>
-              <a:rPr lang="en-US" dirty="0" err="1"/>
-              <a:t>.Net</a:t>
-            </a:r>
-            <a:r>
-              <a:rPr lang="en-US" dirty="0"/>
-              <a:t> Core Dependency Injection - https://stackify.com/net-core-dependency-injection/</a:t>
-            </a:r>
-          </a:p>
-          <a:p>
-            <a:r>
-              <a:rPr lang="en-US" dirty="0"/>
-              <a:t>* Inversion of Control Patterns for the Microsoft .NET Framework - https://visualstudiomagazine.com/articles/2010/08/01/inversion-of-control-patterns-for-the-microsoft-net-framework.aspx</a:t>
-            </a:r>
-          </a:p>
-          <a:p>
-            <a:r>
-              <a:rPr lang="en-US" dirty="0"/>
-              <a:t>* List of .NET Dependency Injection Containers (IOC) - http://www.hanselman.com/blog/ListOfNETDependencyInjectionContainersIOC.aspx</a:t>
-            </a:r>
-          </a:p>
-          <a:p>
-            <a:r>
-              <a:rPr lang="en-US" dirty="0"/>
-              <a:t>* </a:t>
-            </a:r>
-            <a:r>
-              <a:rPr lang="en-US" dirty="0" err="1"/>
-              <a:t>IoC</a:t>
-            </a:r>
-            <a:r>
-              <a:rPr lang="en-US" dirty="0"/>
-              <a:t> Container Benchmark - Performance comparison - http://www.palmmedia.de/Blog/2011/8/30/ioc-container-benchmark-performance-comparison</a:t>
-            </a:r>
-          </a:p>
-          <a:p>
-            <a:r>
-              <a:rPr lang="en-US" dirty="0"/>
-              <a:t>* </a:t>
-            </a:r>
-            <a:r>
-              <a:rPr lang="en-US" dirty="0" err="1"/>
-              <a:t>IoC</a:t>
-            </a:r>
-            <a:r>
-              <a:rPr lang="en-US" dirty="0"/>
-              <a:t> Battle: http://www.iocbattle.com/</a:t>
-            </a:r>
-          </a:p>
-          <a:p>
-            <a:r>
-              <a:rPr lang="en-US" dirty="0"/>
-              <a:t>* Inversion of control containers – Best practices - http://www.dotnetcodegeeks.com/2012/05/inversion-of-control-containers-best.html</a:t>
-            </a:r>
-          </a:p>
-          <a:p>
-            <a:r>
-              <a:rPr lang="en-US" dirty="0"/>
-              <a:t>* Building an </a:t>
-            </a:r>
-            <a:r>
-              <a:rPr lang="en-US" dirty="0" err="1"/>
-              <a:t>IoC</a:t>
-            </a:r>
-            <a:r>
-              <a:rPr lang="en-US" dirty="0"/>
-              <a:t> container in 15 lines of code - http://ayende.com/blog/2886/building-an-ioc-container-in-15-lines-of-code</a:t>
-            </a:r>
-          </a:p>
-          <a:p>
-            <a:r>
-              <a:rPr lang="en-US" dirty="0"/>
-              <a:t>* Using </a:t>
-            </a:r>
-            <a:r>
-              <a:rPr lang="en-US" dirty="0" err="1"/>
-              <a:t>IDisposable</a:t>
-            </a:r>
-            <a:r>
-              <a:rPr lang="en-US" dirty="0"/>
-              <a:t> with </a:t>
-            </a:r>
-            <a:r>
-              <a:rPr lang="en-US" dirty="0" err="1"/>
-              <a:t>Autofac</a:t>
-            </a:r>
-            <a:r>
-              <a:rPr lang="en-US" dirty="0"/>
-              <a:t> - http://binarysculpting.com/2012/08/19/using-idisposable-with-autofac/</a:t>
-            </a:r>
-          </a:p>
-          <a:p>
-            <a:r>
-              <a:rPr lang="en-US" dirty="0"/>
-              <a:t>* Service Locator is an Anti-Pattern - http://blog.ploeh.dk/2010/02/03/ServiceLocatorisanAnti-Pattern/</a:t>
-            </a:r>
-          </a:p>
-          <a:p>
-            <a:r>
-              <a:rPr lang="en-US" dirty="0"/>
-              <a:t>* Dependency Injection in ASP.NET Core - https://blogs.msdn.microsoft.com/webdev/2016/03/28/dependency-injection-in-asp-net-core/</a:t>
-            </a:r>
-          </a:p>
-          <a:p>
-            <a:r>
-              <a:rPr lang="en-US" dirty="0"/>
-              <a:t>* Dependency Injection with .NET Core - https://msdn.microsoft.com/en-us/magazine/mt707534.aspx</a:t>
+              <a:t>This sums it up well</a:t>
             </a:r>
           </a:p>
         </p:txBody>
@@ -20485,6 +20376,213 @@
             <a:fld id="{4E8BADB7-1FBB-B74E-B90C-DA1567BD042E}" type="slidenum">
               <a:rPr lang="en-US" smtClean="0"/>
               <a:t>44</a:t>
+            </a:fld>
+            <a:endParaRPr lang="en-US"/>
+          </a:p>
+        </p:txBody>
+      </p:sp>
+    </p:spTree>
+    <p:extLst>
+      <p:ext uri="{BB962C8B-B14F-4D97-AF65-F5344CB8AC3E}">
+        <p14:creationId xmlns:p14="http://schemas.microsoft.com/office/powerpoint/2010/main" val="3304604059"/>
+      </p:ext>
+    </p:extLst>
+  </p:cSld>
+  <p:clrMapOvr>
+    <a:masterClrMapping/>
+  </p:clrMapOvr>
+</p:notes>
+</file>
+
+<file path=ppt/notesSlides/notesSlide41.xml><?xml version="1.0" encoding="utf-8"?>
+<p:notes xmlns:a="http://schemas.openxmlformats.org/drawingml/2006/main" xmlns:r="http://schemas.openxmlformats.org/officeDocument/2006/relationships" xmlns:p="http://schemas.openxmlformats.org/presentationml/2006/main">
+  <p:cSld>
+    <p:spTree>
+      <p:nvGrpSpPr>
+        <p:cNvPr id="1" name=""/>
+        <p:cNvGrpSpPr/>
+        <p:nvPr/>
+      </p:nvGrpSpPr>
+      <p:grpSpPr>
+        <a:xfrm>
+          <a:off x="0" y="0"/>
+          <a:ext cx="0" cy="0"/>
+          <a:chOff x="0" y="0"/>
+          <a:chExt cx="0" cy="0"/>
+        </a:xfrm>
+      </p:grpSpPr>
+      <p:sp>
+        <p:nvSpPr>
+          <p:cNvPr id="2" name="Slide Image Placeholder 1"/>
+          <p:cNvSpPr>
+            <a:spLocks noGrp="1" noRot="1" noChangeAspect="1"/>
+          </p:cNvSpPr>
+          <p:nvPr>
+            <p:ph type="sldImg"/>
+          </p:nvPr>
+        </p:nvSpPr>
+        <p:spPr/>
+      </p:sp>
+      <p:sp>
+        <p:nvSpPr>
+          <p:cNvPr id="3" name="Notes Placeholder 2"/>
+          <p:cNvSpPr>
+            <a:spLocks noGrp="1"/>
+          </p:cNvSpPr>
+          <p:nvPr>
+            <p:ph type="body" idx="1"/>
+          </p:nvPr>
+        </p:nvSpPr>
+        <p:spPr/>
+        <p:txBody>
+          <a:bodyPr/>
+          <a:lstStyle/>
+          <a:p>
+            <a:r>
+              <a:rPr lang="en-US" dirty="0"/>
+              <a:t>* Dependency injection in ASP.NET Core - https://docs.microsoft.com/en-us/aspnet/core/fundamentals/dependency-injection</a:t>
+            </a:r>
+          </a:p>
+          <a:p>
+            <a:r>
+              <a:rPr lang="en-US" dirty="0"/>
+              <a:t>* Essential .NET - Dependency Injection with .NET Core - https://msdn.microsoft.com/en-us/magazine/mt707534.aspx</a:t>
+            </a:r>
+          </a:p>
+          <a:p>
+            <a:r>
+              <a:rPr lang="en-US" dirty="0"/>
+              <a:t>* </a:t>
+            </a:r>
+            <a:r>
+              <a:rPr lang="en-US" dirty="0" err="1"/>
+              <a:t>.Net</a:t>
+            </a:r>
+            <a:r>
+              <a:rPr lang="en-US" dirty="0"/>
+              <a:t> Core Dependency Injection - https://stackify.com/net-core-dependency-injection/</a:t>
+            </a:r>
+          </a:p>
+          <a:p>
+            <a:r>
+              <a:rPr lang="en-US" dirty="0"/>
+              <a:t>* Inversion of Control Patterns for the Microsoft .NET Framework - https://visualstudiomagazine.com/articles/2010/08/01/inversion-of-control-patterns-for-the-microsoft-net-framework.aspx</a:t>
+            </a:r>
+          </a:p>
+          <a:p>
+            <a:r>
+              <a:rPr lang="en-US" dirty="0"/>
+              <a:t>* List of .NET Dependency Injection Containers (IOC) - http://www.hanselman.com/blog/ListOfNETDependencyInjectionContainersIOC.aspx</a:t>
+            </a:r>
+          </a:p>
+          <a:p>
+            <a:r>
+              <a:rPr lang="en-US" dirty="0"/>
+              <a:t>* </a:t>
+            </a:r>
+            <a:r>
+              <a:rPr lang="en-US" dirty="0" err="1"/>
+              <a:t>IoC</a:t>
+            </a:r>
+            <a:r>
+              <a:rPr lang="en-US" dirty="0"/>
+              <a:t> Container Benchmark - Performance comparison - http://www.palmmedia.de/Blog/2011/8/30/ioc-container-benchmark-performance-comparison</a:t>
+            </a:r>
+          </a:p>
+          <a:p>
+            <a:r>
+              <a:rPr lang="en-US" dirty="0"/>
+              <a:t>* </a:t>
+            </a:r>
+            <a:r>
+              <a:rPr lang="en-US" dirty="0" err="1"/>
+              <a:t>IoC</a:t>
+            </a:r>
+            <a:r>
+              <a:rPr lang="en-US" dirty="0"/>
+              <a:t> Battle: http://www.iocbattle.com/</a:t>
+            </a:r>
+          </a:p>
+          <a:p>
+            <a:r>
+              <a:rPr lang="en-US" dirty="0"/>
+              <a:t>* Inversion of control containers – Best practices - http://www.dotnetcodegeeks.com/2012/05/inversion-of-control-containers-best.html</a:t>
+            </a:r>
+          </a:p>
+          <a:p>
+            <a:r>
+              <a:rPr lang="en-US" dirty="0"/>
+              <a:t>* Building an </a:t>
+            </a:r>
+            <a:r>
+              <a:rPr lang="en-US" dirty="0" err="1"/>
+              <a:t>IoC</a:t>
+            </a:r>
+            <a:r>
+              <a:rPr lang="en-US" dirty="0"/>
+              <a:t> container in 15 lines of code - http://ayende.com/blog/2886/building-an-ioc-container-in-15-lines-of-code</a:t>
+            </a:r>
+          </a:p>
+          <a:p>
+            <a:r>
+              <a:rPr lang="en-US" dirty="0"/>
+              <a:t>* Using </a:t>
+            </a:r>
+            <a:r>
+              <a:rPr lang="en-US" dirty="0" err="1"/>
+              <a:t>IDisposable</a:t>
+            </a:r>
+            <a:r>
+              <a:rPr lang="en-US" dirty="0"/>
+              <a:t> with </a:t>
+            </a:r>
+            <a:r>
+              <a:rPr lang="en-US" dirty="0" err="1"/>
+              <a:t>Autofac</a:t>
+            </a:r>
+            <a:r>
+              <a:rPr lang="en-US" dirty="0"/>
+              <a:t> - http://binarysculpting.com/2012/08/19/using-idisposable-with-autofac/</a:t>
+            </a:r>
+          </a:p>
+          <a:p>
+            <a:r>
+              <a:rPr lang="en-US" dirty="0"/>
+              <a:t>* Service Locator is an Anti-Pattern - http://blog.ploeh.dk/2010/02/03/ServiceLocatorisanAnti-Pattern/</a:t>
+            </a:r>
+          </a:p>
+          <a:p>
+            <a:r>
+              <a:rPr lang="en-US" dirty="0"/>
+              <a:t>* Dependency Injection in ASP.NET Core - https://blogs.msdn.microsoft.com/webdev/2016/03/28/dependency-injection-in-asp-net-core/</a:t>
+            </a:r>
+          </a:p>
+          <a:p>
+            <a:r>
+              <a:rPr lang="en-US" dirty="0"/>
+              <a:t>* Dependency Injection with .NET Core - https://msdn.microsoft.com/en-us/magazine/mt707534.aspx</a:t>
+            </a:r>
+          </a:p>
+        </p:txBody>
+      </p:sp>
+      <p:sp>
+        <p:nvSpPr>
+          <p:cNvPr id="4" name="Slide Number Placeholder 3"/>
+          <p:cNvSpPr>
+            <a:spLocks noGrp="1"/>
+          </p:cNvSpPr>
+          <p:nvPr>
+            <p:ph type="sldNum" sz="quarter" idx="10"/>
+          </p:nvPr>
+        </p:nvSpPr>
+        <p:spPr/>
+        <p:txBody>
+          <a:bodyPr/>
+          <a:lstStyle/>
+          <a:p>
+            <a:fld id="{4E8BADB7-1FBB-B74E-B90C-DA1567BD042E}" type="slidenum">
+              <a:rPr lang="en-US" smtClean="0"/>
+              <a:t>45</a:t>
             </a:fld>
             <a:endParaRPr lang="en-US"/>
           </a:p>
@@ -24152,7 +24250,7 @@
             <a:pPr algn="ctr"/>
             <a:r>
               <a:rPr lang="en-US" sz="4800" dirty="0"/>
-              <a:t>They're resources that you use in code that perform functions/services that you need.</a:t>
+              <a:t>They're resources that you use in code that perform services that you need that you don’t “own”</a:t>
             </a:r>
           </a:p>
         </p:txBody>
@@ -24628,6 +24726,11 @@
           <a:prstGeom prst="rect">
             <a:avLst/>
           </a:prstGeom>
+          <a:ln w="12700">
+            <a:solidFill>
+              <a:schemeClr val="tx1"/>
+            </a:solidFill>
+          </a:ln>
         </p:spPr>
       </p:pic>
       <p:sp>
@@ -25245,9 +25348,7 @@
         <p:nvGraphicFramePr>
           <p:cNvPr id="4" name="Diagram 3"/>
           <p:cNvGraphicFramePr/>
-          <p:nvPr>
-            <p:extLst/>
-          </p:nvPr>
+          <p:nvPr/>
         </p:nvGraphicFramePr>
         <p:xfrm>
           <a:off x="2156699" y="1176866"/>
@@ -25416,9 +25517,7 @@
         <p:nvGraphicFramePr>
           <p:cNvPr id="4" name="Diagram 3"/>
           <p:cNvGraphicFramePr/>
-          <p:nvPr>
-            <p:extLst/>
-          </p:nvPr>
+          <p:nvPr/>
         </p:nvGraphicFramePr>
         <p:xfrm>
           <a:off x="2156699" y="2167466"/>
@@ -28424,7 +28523,6 @@
           </p:cNvGraphicFramePr>
           <p:nvPr>
             <p:ph idx="1"/>
-            <p:extLst/>
           </p:nvPr>
         </p:nvGraphicFramePr>
         <p:xfrm>
@@ -29396,9 +29494,7 @@
         <p:nvGraphicFramePr>
           <p:cNvPr id="4" name="Diagram 3"/>
           <p:cNvGraphicFramePr/>
-          <p:nvPr>
-            <p:extLst/>
-          </p:nvPr>
+          <p:nvPr/>
         </p:nvGraphicFramePr>
         <p:xfrm>
           <a:off x="2156699" y="1317172"/>
@@ -29700,7 +29796,7 @@
             </a:pPr>
             <a:r>
               <a:rPr lang="en-US" sz="4000" dirty="0"/>
-              <a:t>https://github.com/JasonBock/Presentations/blob/master/Dependencies%20Demystified.pptx</a:t>
+              <a:t>https://github.com/JasonBock/Presentations</a:t>
             </a:r>
           </a:p>
         </p:txBody>
@@ -31805,7 +31901,7 @@
       </p:grpSpPr>
       <p:sp>
         <p:nvSpPr>
-          <p:cNvPr id="2" name="Title 1"/>
+          <p:cNvPr id="3" name="Title 2"/>
           <p:cNvSpPr>
             <a:spLocks noGrp="1"/>
           </p:cNvSpPr>
@@ -31820,37 +31916,709 @@
           <a:p>
             <a:r>
               <a:rPr lang="en-US" dirty="0"/>
-              <a:t>Demo: Using Autofac</a:t>
+              <a:t>Containers</a:t>
             </a:r>
           </a:p>
         </p:txBody>
       </p:sp>
       <p:sp>
         <p:nvSpPr>
-          <p:cNvPr id="3" name="Text Placeholder 2"/>
-          <p:cNvSpPr>
-            <a:spLocks noGrp="1"/>
-          </p:cNvSpPr>
-          <p:nvPr>
-            <p:ph type="body" idx="1"/>
-          </p:nvPr>
+          <p:cNvPr id="5" name="Rectangle 4">
+            <a:extLst>
+              <a:ext uri="{FF2B5EF4-FFF2-40B4-BE49-F238E27FC236}">
+                <a16:creationId xmlns:a16="http://schemas.microsoft.com/office/drawing/2014/main" id="{27F945FF-686F-4A43-88B4-D6BD2706A44D}"/>
+              </a:ext>
+            </a:extLst>
+          </p:cNvPr>
+          <p:cNvSpPr/>
+          <p:nvPr/>
         </p:nvSpPr>
-        <p:spPr/>
+        <p:spPr>
+          <a:xfrm>
+            <a:off x="1022865" y="3153994"/>
+            <a:ext cx="1589903" cy="955589"/>
+          </a:xfrm>
+          <a:prstGeom prst="rect">
+            <a:avLst/>
+          </a:prstGeom>
+        </p:spPr>
+        <p:style>
+          <a:lnRef idx="2">
+            <a:schemeClr val="accent1">
+              <a:shade val="50000"/>
+            </a:schemeClr>
+          </a:lnRef>
+          <a:fillRef idx="1">
+            <a:schemeClr val="accent1"/>
+          </a:fillRef>
+          <a:effectRef idx="0">
+            <a:schemeClr val="accent1"/>
+          </a:effectRef>
+          <a:fontRef idx="minor">
+            <a:schemeClr val="lt1"/>
+          </a:fontRef>
+        </p:style>
         <p:txBody>
-          <a:bodyPr/>
+          <a:bodyPr rtlCol="0" anchor="ctr"/>
           <a:lstStyle/>
           <a:p>
+            <a:pPr algn="ctr"/>
             <a:r>
               <a:rPr lang="en-US" dirty="0"/>
-              <a:t>Dependencies Demystified</a:t>
+              <a:t>App</a:t>
             </a:r>
           </a:p>
         </p:txBody>
       </p:sp>
+      <p:sp>
+        <p:nvSpPr>
+          <p:cNvPr id="7" name="Rectangle 6">
+            <a:extLst>
+              <a:ext uri="{FF2B5EF4-FFF2-40B4-BE49-F238E27FC236}">
+                <a16:creationId xmlns:a16="http://schemas.microsoft.com/office/drawing/2014/main" id="{2E987D9B-79E6-4274-839F-EF2A9BAD35B7}"/>
+              </a:ext>
+            </a:extLst>
+          </p:cNvPr>
+          <p:cNvSpPr/>
+          <p:nvPr/>
+        </p:nvSpPr>
+        <p:spPr>
+          <a:xfrm>
+            <a:off x="4454681" y="2198405"/>
+            <a:ext cx="1589903" cy="955589"/>
+          </a:xfrm>
+          <a:prstGeom prst="rect">
+            <a:avLst/>
+          </a:prstGeom>
+        </p:spPr>
+        <p:style>
+          <a:lnRef idx="2">
+            <a:schemeClr val="accent1">
+              <a:shade val="50000"/>
+            </a:schemeClr>
+          </a:lnRef>
+          <a:fillRef idx="1">
+            <a:schemeClr val="accent1"/>
+          </a:fillRef>
+          <a:effectRef idx="0">
+            <a:schemeClr val="accent1"/>
+          </a:effectRef>
+          <a:fontRef idx="minor">
+            <a:schemeClr val="lt1"/>
+          </a:fontRef>
+        </p:style>
+        <p:txBody>
+          <a:bodyPr rtlCol="0" anchor="ctr"/>
+          <a:lstStyle/>
+          <a:p>
+            <a:pPr algn="ctr"/>
+            <a:r>
+              <a:rPr lang="en-US" dirty="0" err="1"/>
+              <a:t>AssemblyA</a:t>
+            </a:r>
+            <a:endParaRPr lang="en-US" dirty="0"/>
+          </a:p>
+        </p:txBody>
+      </p:sp>
+      <p:sp>
+        <p:nvSpPr>
+          <p:cNvPr id="8" name="Rectangle 7">
+            <a:extLst>
+              <a:ext uri="{FF2B5EF4-FFF2-40B4-BE49-F238E27FC236}">
+                <a16:creationId xmlns:a16="http://schemas.microsoft.com/office/drawing/2014/main" id="{DDD8D1E7-9056-41FE-97A6-B9510E25B786}"/>
+              </a:ext>
+            </a:extLst>
+          </p:cNvPr>
+          <p:cNvSpPr/>
+          <p:nvPr/>
+        </p:nvSpPr>
+        <p:spPr>
+          <a:xfrm>
+            <a:off x="4454681" y="4109583"/>
+            <a:ext cx="1589903" cy="955589"/>
+          </a:xfrm>
+          <a:prstGeom prst="rect">
+            <a:avLst/>
+          </a:prstGeom>
+        </p:spPr>
+        <p:style>
+          <a:lnRef idx="2">
+            <a:schemeClr val="accent1">
+              <a:shade val="50000"/>
+            </a:schemeClr>
+          </a:lnRef>
+          <a:fillRef idx="1">
+            <a:schemeClr val="accent1"/>
+          </a:fillRef>
+          <a:effectRef idx="0">
+            <a:schemeClr val="accent1"/>
+          </a:effectRef>
+          <a:fontRef idx="minor">
+            <a:schemeClr val="lt1"/>
+          </a:fontRef>
+        </p:style>
+        <p:txBody>
+          <a:bodyPr rtlCol="0" anchor="ctr"/>
+          <a:lstStyle/>
+          <a:p>
+            <a:pPr algn="ctr"/>
+            <a:r>
+              <a:rPr lang="en-US" dirty="0" err="1"/>
+              <a:t>AssemblyB</a:t>
+            </a:r>
+            <a:endParaRPr lang="en-US" dirty="0"/>
+          </a:p>
+        </p:txBody>
+      </p:sp>
+      <p:sp>
+        <p:nvSpPr>
+          <p:cNvPr id="9" name="Rectangle 8">
+            <a:extLst>
+              <a:ext uri="{FF2B5EF4-FFF2-40B4-BE49-F238E27FC236}">
+                <a16:creationId xmlns:a16="http://schemas.microsoft.com/office/drawing/2014/main" id="{AF679F24-F6EC-4CDB-B4E6-A889145BCF0D}"/>
+              </a:ext>
+            </a:extLst>
+          </p:cNvPr>
+          <p:cNvSpPr/>
+          <p:nvPr/>
+        </p:nvSpPr>
+        <p:spPr>
+          <a:xfrm>
+            <a:off x="8129093" y="1242816"/>
+            <a:ext cx="1589903" cy="955589"/>
+          </a:xfrm>
+          <a:prstGeom prst="rect">
+            <a:avLst/>
+          </a:prstGeom>
+        </p:spPr>
+        <p:style>
+          <a:lnRef idx="2">
+            <a:schemeClr val="accent1">
+              <a:shade val="50000"/>
+            </a:schemeClr>
+          </a:lnRef>
+          <a:fillRef idx="1">
+            <a:schemeClr val="accent1"/>
+          </a:fillRef>
+          <a:effectRef idx="0">
+            <a:schemeClr val="accent1"/>
+          </a:effectRef>
+          <a:fontRef idx="minor">
+            <a:schemeClr val="lt1"/>
+          </a:fontRef>
+        </p:style>
+        <p:txBody>
+          <a:bodyPr rtlCol="0" anchor="ctr"/>
+          <a:lstStyle/>
+          <a:p>
+            <a:pPr algn="ctr"/>
+            <a:r>
+              <a:rPr lang="en-US" dirty="0" err="1"/>
+              <a:t>AssemblyC</a:t>
+            </a:r>
+            <a:endParaRPr lang="en-US" dirty="0"/>
+          </a:p>
+        </p:txBody>
+      </p:sp>
+      <p:sp>
+        <p:nvSpPr>
+          <p:cNvPr id="10" name="Rectangle 9">
+            <a:extLst>
+              <a:ext uri="{FF2B5EF4-FFF2-40B4-BE49-F238E27FC236}">
+                <a16:creationId xmlns:a16="http://schemas.microsoft.com/office/drawing/2014/main" id="{3BD09DE9-7749-4C8F-AEA7-FC1432D92244}"/>
+              </a:ext>
+            </a:extLst>
+          </p:cNvPr>
+          <p:cNvSpPr/>
+          <p:nvPr/>
+        </p:nvSpPr>
+        <p:spPr>
+          <a:xfrm>
+            <a:off x="8129093" y="3153994"/>
+            <a:ext cx="1589903" cy="955589"/>
+          </a:xfrm>
+          <a:prstGeom prst="rect">
+            <a:avLst/>
+          </a:prstGeom>
+        </p:spPr>
+        <p:style>
+          <a:lnRef idx="2">
+            <a:schemeClr val="accent1">
+              <a:shade val="50000"/>
+            </a:schemeClr>
+          </a:lnRef>
+          <a:fillRef idx="1">
+            <a:schemeClr val="accent1"/>
+          </a:fillRef>
+          <a:effectRef idx="0">
+            <a:schemeClr val="accent1"/>
+          </a:effectRef>
+          <a:fontRef idx="minor">
+            <a:schemeClr val="lt1"/>
+          </a:fontRef>
+        </p:style>
+        <p:txBody>
+          <a:bodyPr rtlCol="0" anchor="ctr"/>
+          <a:lstStyle/>
+          <a:p>
+            <a:pPr algn="ctr"/>
+            <a:r>
+              <a:rPr lang="en-US" dirty="0" err="1"/>
+              <a:t>AssemblyD</a:t>
+            </a:r>
+            <a:endParaRPr lang="en-US" dirty="0"/>
+          </a:p>
+        </p:txBody>
+      </p:sp>
+      <p:sp>
+        <p:nvSpPr>
+          <p:cNvPr id="11" name="Rectangle 10">
+            <a:extLst>
+              <a:ext uri="{FF2B5EF4-FFF2-40B4-BE49-F238E27FC236}">
+                <a16:creationId xmlns:a16="http://schemas.microsoft.com/office/drawing/2014/main" id="{2043B283-DA69-4E5D-9A11-53F06F215A45}"/>
+              </a:ext>
+            </a:extLst>
+          </p:cNvPr>
+          <p:cNvSpPr/>
+          <p:nvPr/>
+        </p:nvSpPr>
+        <p:spPr>
+          <a:xfrm>
+            <a:off x="9164454" y="2013053"/>
+            <a:ext cx="2204379" cy="370703"/>
+          </a:xfrm>
+          <a:prstGeom prst="rect">
+            <a:avLst/>
+          </a:prstGeom>
+          <a:solidFill>
+            <a:schemeClr val="accent6"/>
+          </a:solidFill>
+        </p:spPr>
+        <p:style>
+          <a:lnRef idx="2">
+            <a:schemeClr val="accent1">
+              <a:shade val="50000"/>
+            </a:schemeClr>
+          </a:lnRef>
+          <a:fillRef idx="1">
+            <a:schemeClr val="accent1"/>
+          </a:fillRef>
+          <a:effectRef idx="0">
+            <a:schemeClr val="accent1"/>
+          </a:effectRef>
+          <a:fontRef idx="minor">
+            <a:schemeClr val="lt1"/>
+          </a:fontRef>
+        </p:style>
+        <p:txBody>
+          <a:bodyPr rtlCol="0" anchor="ctr"/>
+          <a:lstStyle/>
+          <a:p>
+            <a:pPr algn="ctr"/>
+            <a:r>
+              <a:rPr lang="en-US" dirty="0" err="1"/>
+              <a:t>AssemblyCModule</a:t>
+            </a:r>
+            <a:endParaRPr lang="en-US" dirty="0"/>
+          </a:p>
+        </p:txBody>
+      </p:sp>
+      <p:sp>
+        <p:nvSpPr>
+          <p:cNvPr id="12" name="Rectangle 11">
+            <a:extLst>
+              <a:ext uri="{FF2B5EF4-FFF2-40B4-BE49-F238E27FC236}">
+                <a16:creationId xmlns:a16="http://schemas.microsoft.com/office/drawing/2014/main" id="{E2D730F6-3994-4667-A420-9FA2278CA986}"/>
+              </a:ext>
+            </a:extLst>
+          </p:cNvPr>
+          <p:cNvSpPr/>
+          <p:nvPr/>
+        </p:nvSpPr>
+        <p:spPr>
+          <a:xfrm>
+            <a:off x="9164453" y="3924231"/>
+            <a:ext cx="2204379" cy="370703"/>
+          </a:xfrm>
+          <a:prstGeom prst="rect">
+            <a:avLst/>
+          </a:prstGeom>
+          <a:solidFill>
+            <a:schemeClr val="accent6"/>
+          </a:solidFill>
+        </p:spPr>
+        <p:style>
+          <a:lnRef idx="2">
+            <a:schemeClr val="accent1">
+              <a:shade val="50000"/>
+            </a:schemeClr>
+          </a:lnRef>
+          <a:fillRef idx="1">
+            <a:schemeClr val="accent1"/>
+          </a:fillRef>
+          <a:effectRef idx="0">
+            <a:schemeClr val="accent1"/>
+          </a:effectRef>
+          <a:fontRef idx="minor">
+            <a:schemeClr val="lt1"/>
+          </a:fontRef>
+        </p:style>
+        <p:txBody>
+          <a:bodyPr rtlCol="0" anchor="ctr"/>
+          <a:lstStyle/>
+          <a:p>
+            <a:pPr algn="ctr"/>
+            <a:r>
+              <a:rPr lang="en-US" dirty="0" err="1"/>
+              <a:t>AssemblyDModule</a:t>
+            </a:r>
+            <a:endParaRPr lang="en-US" dirty="0"/>
+          </a:p>
+        </p:txBody>
+      </p:sp>
+      <p:sp>
+        <p:nvSpPr>
+          <p:cNvPr id="13" name="Rectangle 12">
+            <a:extLst>
+              <a:ext uri="{FF2B5EF4-FFF2-40B4-BE49-F238E27FC236}">
+                <a16:creationId xmlns:a16="http://schemas.microsoft.com/office/drawing/2014/main" id="{D95645BF-C3BF-4546-98AB-283F1AAB0CA3}"/>
+              </a:ext>
+            </a:extLst>
+          </p:cNvPr>
+          <p:cNvSpPr/>
+          <p:nvPr/>
+        </p:nvSpPr>
+        <p:spPr>
+          <a:xfrm>
+            <a:off x="5450701" y="4879821"/>
+            <a:ext cx="2204379" cy="370703"/>
+          </a:xfrm>
+          <a:prstGeom prst="rect">
+            <a:avLst/>
+          </a:prstGeom>
+          <a:solidFill>
+            <a:schemeClr val="accent6"/>
+          </a:solidFill>
+        </p:spPr>
+        <p:style>
+          <a:lnRef idx="2">
+            <a:schemeClr val="accent1">
+              <a:shade val="50000"/>
+            </a:schemeClr>
+          </a:lnRef>
+          <a:fillRef idx="1">
+            <a:schemeClr val="accent1"/>
+          </a:fillRef>
+          <a:effectRef idx="0">
+            <a:schemeClr val="accent1"/>
+          </a:effectRef>
+          <a:fontRef idx="minor">
+            <a:schemeClr val="lt1"/>
+          </a:fontRef>
+        </p:style>
+        <p:txBody>
+          <a:bodyPr rtlCol="0" anchor="ctr"/>
+          <a:lstStyle/>
+          <a:p>
+            <a:pPr algn="ctr"/>
+            <a:r>
+              <a:rPr lang="en-US" dirty="0" err="1"/>
+              <a:t>AssemblyBModule</a:t>
+            </a:r>
+            <a:endParaRPr lang="en-US" dirty="0"/>
+          </a:p>
+        </p:txBody>
+      </p:sp>
+      <p:sp>
+        <p:nvSpPr>
+          <p:cNvPr id="14" name="Rectangle 13">
+            <a:extLst>
+              <a:ext uri="{FF2B5EF4-FFF2-40B4-BE49-F238E27FC236}">
+                <a16:creationId xmlns:a16="http://schemas.microsoft.com/office/drawing/2014/main" id="{70D66AA2-9F29-4519-B57E-F33E3141C56F}"/>
+              </a:ext>
+            </a:extLst>
+          </p:cNvPr>
+          <p:cNvSpPr/>
+          <p:nvPr/>
+        </p:nvSpPr>
+        <p:spPr>
+          <a:xfrm>
+            <a:off x="5450700" y="2968642"/>
+            <a:ext cx="2204379" cy="370703"/>
+          </a:xfrm>
+          <a:prstGeom prst="rect">
+            <a:avLst/>
+          </a:prstGeom>
+          <a:solidFill>
+            <a:schemeClr val="accent6"/>
+          </a:solidFill>
+        </p:spPr>
+        <p:style>
+          <a:lnRef idx="2">
+            <a:schemeClr val="accent1">
+              <a:shade val="50000"/>
+            </a:schemeClr>
+          </a:lnRef>
+          <a:fillRef idx="1">
+            <a:schemeClr val="accent1"/>
+          </a:fillRef>
+          <a:effectRef idx="0">
+            <a:schemeClr val="accent1"/>
+          </a:effectRef>
+          <a:fontRef idx="minor">
+            <a:schemeClr val="lt1"/>
+          </a:fontRef>
+        </p:style>
+        <p:txBody>
+          <a:bodyPr rtlCol="0" anchor="ctr"/>
+          <a:lstStyle/>
+          <a:p>
+            <a:pPr algn="ctr"/>
+            <a:r>
+              <a:rPr lang="en-US" dirty="0" err="1"/>
+              <a:t>AssemblyAModule</a:t>
+            </a:r>
+            <a:endParaRPr lang="en-US" dirty="0"/>
+          </a:p>
+        </p:txBody>
+      </p:sp>
+      <p:cxnSp>
+        <p:nvCxnSpPr>
+          <p:cNvPr id="15" name="Straight Arrow Connector 14">
+            <a:extLst>
+              <a:ext uri="{FF2B5EF4-FFF2-40B4-BE49-F238E27FC236}">
+                <a16:creationId xmlns:a16="http://schemas.microsoft.com/office/drawing/2014/main" id="{0FF6A86B-7F0B-44EB-BDFD-F5B0B5E431A7}"/>
+              </a:ext>
+            </a:extLst>
+          </p:cNvPr>
+          <p:cNvCxnSpPr>
+            <a:stCxn id="14" idx="3"/>
+            <a:endCxn id="11" idx="1"/>
+          </p:cNvCxnSpPr>
+          <p:nvPr/>
+        </p:nvCxnSpPr>
+        <p:spPr>
+          <a:xfrm flipV="1">
+            <a:off x="7655079" y="2198405"/>
+            <a:ext cx="1509375" cy="955589"/>
+          </a:xfrm>
+          <a:prstGeom prst="straightConnector1">
+            <a:avLst/>
+          </a:prstGeom>
+          <a:ln>
+            <a:solidFill>
+              <a:schemeClr val="accent2"/>
+            </a:solidFill>
+            <a:tailEnd type="triangle"/>
+          </a:ln>
+        </p:spPr>
+        <p:style>
+          <a:lnRef idx="1">
+            <a:schemeClr val="accent1"/>
+          </a:lnRef>
+          <a:fillRef idx="0">
+            <a:schemeClr val="accent1"/>
+          </a:fillRef>
+          <a:effectRef idx="0">
+            <a:schemeClr val="accent1"/>
+          </a:effectRef>
+          <a:fontRef idx="minor">
+            <a:schemeClr val="tx1"/>
+          </a:fontRef>
+        </p:style>
+      </p:cxnSp>
+      <p:cxnSp>
+        <p:nvCxnSpPr>
+          <p:cNvPr id="16" name="Straight Arrow Connector 15">
+            <a:extLst>
+              <a:ext uri="{FF2B5EF4-FFF2-40B4-BE49-F238E27FC236}">
+                <a16:creationId xmlns:a16="http://schemas.microsoft.com/office/drawing/2014/main" id="{02CE0BBE-FBD3-4F78-9293-A291FD77D702}"/>
+              </a:ext>
+            </a:extLst>
+          </p:cNvPr>
+          <p:cNvCxnSpPr>
+            <a:stCxn id="14" idx="3"/>
+            <a:endCxn id="12" idx="1"/>
+          </p:cNvCxnSpPr>
+          <p:nvPr/>
+        </p:nvCxnSpPr>
+        <p:spPr>
+          <a:xfrm>
+            <a:off x="7655079" y="3153994"/>
+            <a:ext cx="1509374" cy="955589"/>
+          </a:xfrm>
+          <a:prstGeom prst="straightConnector1">
+            <a:avLst/>
+          </a:prstGeom>
+          <a:ln>
+            <a:solidFill>
+              <a:schemeClr val="accent2"/>
+            </a:solidFill>
+            <a:tailEnd type="triangle"/>
+          </a:ln>
+        </p:spPr>
+        <p:style>
+          <a:lnRef idx="1">
+            <a:schemeClr val="accent1"/>
+          </a:lnRef>
+          <a:fillRef idx="0">
+            <a:schemeClr val="accent1"/>
+          </a:fillRef>
+          <a:effectRef idx="0">
+            <a:schemeClr val="accent1"/>
+          </a:effectRef>
+          <a:fontRef idx="minor">
+            <a:schemeClr val="tx1"/>
+          </a:fontRef>
+        </p:style>
+      </p:cxnSp>
+      <p:cxnSp>
+        <p:nvCxnSpPr>
+          <p:cNvPr id="17" name="Straight Arrow Connector 16">
+            <a:extLst>
+              <a:ext uri="{FF2B5EF4-FFF2-40B4-BE49-F238E27FC236}">
+                <a16:creationId xmlns:a16="http://schemas.microsoft.com/office/drawing/2014/main" id="{FACC7E4C-3022-49D1-B0B8-ECF88E90D3CB}"/>
+              </a:ext>
+            </a:extLst>
+          </p:cNvPr>
+          <p:cNvCxnSpPr>
+            <a:stCxn id="18" idx="3"/>
+            <a:endCxn id="14" idx="1"/>
+          </p:cNvCxnSpPr>
+          <p:nvPr/>
+        </p:nvCxnSpPr>
+        <p:spPr>
+          <a:xfrm flipV="1">
+            <a:off x="4122142" y="3153994"/>
+            <a:ext cx="1328558" cy="955589"/>
+          </a:xfrm>
+          <a:prstGeom prst="straightConnector1">
+            <a:avLst/>
+          </a:prstGeom>
+          <a:ln>
+            <a:solidFill>
+              <a:schemeClr val="accent2"/>
+            </a:solidFill>
+            <a:tailEnd type="triangle"/>
+          </a:ln>
+        </p:spPr>
+        <p:style>
+          <a:lnRef idx="1">
+            <a:schemeClr val="accent1"/>
+          </a:lnRef>
+          <a:fillRef idx="0">
+            <a:schemeClr val="accent1"/>
+          </a:fillRef>
+          <a:effectRef idx="0">
+            <a:schemeClr val="accent1"/>
+          </a:effectRef>
+          <a:fontRef idx="minor">
+            <a:schemeClr val="tx1"/>
+          </a:fontRef>
+        </p:style>
+      </p:cxnSp>
+      <p:sp>
+        <p:nvSpPr>
+          <p:cNvPr id="18" name="Rectangle 17">
+            <a:extLst>
+              <a:ext uri="{FF2B5EF4-FFF2-40B4-BE49-F238E27FC236}">
+                <a16:creationId xmlns:a16="http://schemas.microsoft.com/office/drawing/2014/main" id="{543B7B83-1B07-4734-BC90-0B52F448AF7A}"/>
+              </a:ext>
+            </a:extLst>
+          </p:cNvPr>
+          <p:cNvSpPr/>
+          <p:nvPr/>
+        </p:nvSpPr>
+        <p:spPr>
+          <a:xfrm>
+            <a:off x="1917763" y="3924231"/>
+            <a:ext cx="2204379" cy="370703"/>
+          </a:xfrm>
+          <a:prstGeom prst="rect">
+            <a:avLst/>
+          </a:prstGeom>
+          <a:solidFill>
+            <a:schemeClr val="accent6"/>
+          </a:solidFill>
+        </p:spPr>
+        <p:style>
+          <a:lnRef idx="2">
+            <a:schemeClr val="accent1">
+              <a:shade val="50000"/>
+            </a:schemeClr>
+          </a:lnRef>
+          <a:fillRef idx="1">
+            <a:schemeClr val="accent1"/>
+          </a:fillRef>
+          <a:effectRef idx="0">
+            <a:schemeClr val="accent1"/>
+          </a:effectRef>
+          <a:fontRef idx="minor">
+            <a:schemeClr val="lt1"/>
+          </a:fontRef>
+        </p:style>
+        <p:txBody>
+          <a:bodyPr rtlCol="0" anchor="ctr"/>
+          <a:lstStyle/>
+          <a:p>
+            <a:pPr algn="ctr"/>
+            <a:r>
+              <a:rPr lang="en-US" dirty="0" err="1"/>
+              <a:t>AppModule</a:t>
+            </a:r>
+            <a:endParaRPr lang="en-US" dirty="0"/>
+          </a:p>
+        </p:txBody>
+      </p:sp>
+      <p:cxnSp>
+        <p:nvCxnSpPr>
+          <p:cNvPr id="19" name="Straight Arrow Connector 18">
+            <a:extLst>
+              <a:ext uri="{FF2B5EF4-FFF2-40B4-BE49-F238E27FC236}">
+                <a16:creationId xmlns:a16="http://schemas.microsoft.com/office/drawing/2014/main" id="{7A05C25A-7103-49D9-A42F-76A89B63811F}"/>
+              </a:ext>
+            </a:extLst>
+          </p:cNvPr>
+          <p:cNvCxnSpPr>
+            <a:stCxn id="18" idx="3"/>
+            <a:endCxn id="13" idx="1"/>
+          </p:cNvCxnSpPr>
+          <p:nvPr/>
+        </p:nvCxnSpPr>
+        <p:spPr>
+          <a:xfrm>
+            <a:off x="4122142" y="4109583"/>
+            <a:ext cx="1328559" cy="955590"/>
+          </a:xfrm>
+          <a:prstGeom prst="straightConnector1">
+            <a:avLst/>
+          </a:prstGeom>
+          <a:ln>
+            <a:solidFill>
+              <a:schemeClr val="accent2"/>
+            </a:solidFill>
+            <a:tailEnd type="triangle"/>
+          </a:ln>
+        </p:spPr>
+        <p:style>
+          <a:lnRef idx="1">
+            <a:schemeClr val="accent1"/>
+          </a:lnRef>
+          <a:fillRef idx="0">
+            <a:schemeClr val="accent1"/>
+          </a:fillRef>
+          <a:effectRef idx="0">
+            <a:schemeClr val="accent1"/>
+          </a:effectRef>
+          <a:fontRef idx="minor">
+            <a:schemeClr val="tx1"/>
+          </a:fontRef>
+        </p:style>
+      </p:cxnSp>
     </p:spTree>
     <p:extLst>
       <p:ext uri="{BB962C8B-B14F-4D97-AF65-F5344CB8AC3E}">
-        <p14:creationId xmlns:p14="http://schemas.microsoft.com/office/powerpoint/2010/main" val="499534098"/>
+        <p14:creationId xmlns:p14="http://schemas.microsoft.com/office/powerpoint/2010/main" val="4010290309"/>
       </p:ext>
     </p:extLst>
   </p:cSld>
@@ -32177,18 +32945,7 @@
               <a:rPr lang="en-US" sz="2400" dirty="0">
                 <a:latin typeface="+mn-lt"/>
               </a:rPr>
-              <a:t>https://github.com/JasonBock/Presentations/</a:t>
-            </a:r>
-          </a:p>
-          <a:p>
-            <a:pPr marL="68580" indent="0" algn="ctr">
-              <a:buNone/>
-            </a:pPr>
-            <a:r>
-              <a:rPr lang="en-US" sz="2400" dirty="0">
-                <a:latin typeface="+mn-lt"/>
-              </a:rPr>
-              <a:t>blob/master/Dependencies%20Demystified.pptx</a:t>
+              <a:t>https://github.com/JasonBock/Presentations</a:t>
             </a:r>
           </a:p>
         </p:txBody>
@@ -32207,6 +32964,80 @@
 </file>
 
 <file path=ppt/slides/slide40.xml><?xml version="1.0" encoding="utf-8"?>
+<p:sld xmlns:a="http://schemas.openxmlformats.org/drawingml/2006/main" xmlns:r="http://schemas.openxmlformats.org/officeDocument/2006/relationships" xmlns:p="http://schemas.openxmlformats.org/presentationml/2006/main">
+  <p:cSld>
+    <p:spTree>
+      <p:nvGrpSpPr>
+        <p:cNvPr id="1" name=""/>
+        <p:cNvGrpSpPr/>
+        <p:nvPr/>
+      </p:nvGrpSpPr>
+      <p:grpSpPr>
+        <a:xfrm>
+          <a:off x="0" y="0"/>
+          <a:ext cx="0" cy="0"/>
+          <a:chOff x="0" y="0"/>
+          <a:chExt cx="0" cy="0"/>
+        </a:xfrm>
+      </p:grpSpPr>
+      <p:sp>
+        <p:nvSpPr>
+          <p:cNvPr id="2" name="Title 1"/>
+          <p:cNvSpPr>
+            <a:spLocks noGrp="1"/>
+          </p:cNvSpPr>
+          <p:nvPr>
+            <p:ph type="title"/>
+          </p:nvPr>
+        </p:nvSpPr>
+        <p:spPr/>
+        <p:txBody>
+          <a:bodyPr/>
+          <a:lstStyle/>
+          <a:p>
+            <a:r>
+              <a:rPr lang="en-US" dirty="0"/>
+              <a:t>Demo: Using Autofac</a:t>
+            </a:r>
+          </a:p>
+        </p:txBody>
+      </p:sp>
+      <p:sp>
+        <p:nvSpPr>
+          <p:cNvPr id="3" name="Text Placeholder 2"/>
+          <p:cNvSpPr>
+            <a:spLocks noGrp="1"/>
+          </p:cNvSpPr>
+          <p:nvPr>
+            <p:ph type="body" idx="1"/>
+          </p:nvPr>
+        </p:nvSpPr>
+        <p:spPr/>
+        <p:txBody>
+          <a:bodyPr/>
+          <a:lstStyle/>
+          <a:p>
+            <a:r>
+              <a:rPr lang="en-US" dirty="0"/>
+              <a:t>Dependencies Demystified</a:t>
+            </a:r>
+          </a:p>
+        </p:txBody>
+      </p:sp>
+    </p:spTree>
+    <p:extLst>
+      <p:ext uri="{BB962C8B-B14F-4D97-AF65-F5344CB8AC3E}">
+        <p14:creationId xmlns:p14="http://schemas.microsoft.com/office/powerpoint/2010/main" val="499534098"/>
+      </p:ext>
+    </p:extLst>
+  </p:cSld>
+  <p:clrMapOvr>
+    <a:masterClrMapping/>
+  </p:clrMapOvr>
+</p:sld>
+</file>
+
+<file path=ppt/slides/slide41.xml><?xml version="1.0" encoding="utf-8"?>
 <p:sld xmlns:a="http://schemas.openxmlformats.org/drawingml/2006/main" xmlns:r="http://schemas.openxmlformats.org/officeDocument/2006/relationships" xmlns:p="http://schemas.openxmlformats.org/presentationml/2006/main">
   <p:cSld>
     <p:spTree>
@@ -32280,7 +33111,7 @@
 </p:sld>
 </file>
 
-<file path=ppt/slides/slide41.xml><?xml version="1.0" encoding="utf-8"?>
+<file path=ppt/slides/slide42.xml><?xml version="1.0" encoding="utf-8"?>
 <p:sld xmlns:a="http://schemas.openxmlformats.org/drawingml/2006/main" xmlns:r="http://schemas.openxmlformats.org/officeDocument/2006/relationships" xmlns:p="http://schemas.openxmlformats.org/presentationml/2006/main">
   <p:cSld>
     <p:spTree>
@@ -32512,7 +33343,7 @@
 </p:sld>
 </file>
 
-<file path=ppt/slides/slide42.xml><?xml version="1.0" encoding="utf-8"?>
+<file path=ppt/slides/slide43.xml><?xml version="1.0" encoding="utf-8"?>
 <p:sld xmlns:a="http://schemas.openxmlformats.org/drawingml/2006/main" xmlns:r="http://schemas.openxmlformats.org/officeDocument/2006/relationships" xmlns:p="http://schemas.openxmlformats.org/presentationml/2006/main">
   <p:cSld>
     <p:spTree>
@@ -32586,7 +33417,7 @@
 </p:sld>
 </file>
 
-<file path=ppt/slides/slide43.xml><?xml version="1.0" encoding="utf-8"?>
+<file path=ppt/slides/slide44.xml><?xml version="1.0" encoding="utf-8"?>
 <p:sld xmlns:a="http://schemas.openxmlformats.org/drawingml/2006/main" xmlns:r="http://schemas.openxmlformats.org/officeDocument/2006/relationships" xmlns:p="http://schemas.openxmlformats.org/presentationml/2006/main">
   <p:cSld>
     <p:spTree>
@@ -32719,7 +33550,7 @@
 </p:sld>
 </file>
 
-<file path=ppt/slides/slide44.xml><?xml version="1.0" encoding="utf-8"?>
+<file path=ppt/slides/slide45.xml><?xml version="1.0" encoding="utf-8"?>
 <p:sld xmlns:a="http://schemas.openxmlformats.org/drawingml/2006/main" xmlns:r="http://schemas.openxmlformats.org/officeDocument/2006/relationships" xmlns:p="http://schemas.openxmlformats.org/presentationml/2006/main">
   <p:cSld>
     <p:spTree>
@@ -32878,7 +33709,7 @@
             </a:pPr>
             <a:r>
               <a:rPr lang="en-US" dirty="0"/>
-              <a:t>https://github.com/JasonBock/Presentations/blob/master/Dependencies%20Demystified.pptx</a:t>
+              <a:t>https://github.com/JasonBock/Presentations</a:t>
             </a:r>
           </a:p>
           <a:p>
@@ -33182,7 +34013,7 @@
       </p:sp>
       <p:pic>
         <p:nvPicPr>
-          <p:cNvPr id="4" name="Picture 3"/>
+          <p:cNvPr id="5" name="Picture 4"/>
           <p:cNvPicPr>
             <a:picLocks noChangeAspect="1"/>
           </p:cNvPicPr>
@@ -33202,17 +34033,22 @@
         </p:blipFill>
         <p:spPr>
           <a:xfrm>
-            <a:off x="5947450" y="1542245"/>
-            <a:ext cx="2864472" cy="3589564"/>
+            <a:off x="880512" y="1542245"/>
+            <a:ext cx="2774305" cy="3623582"/>
           </a:xfrm>
           <a:prstGeom prst="rect">
             <a:avLst/>
           </a:prstGeom>
+          <a:ln w="12700">
+            <a:solidFill>
+              <a:schemeClr val="tx1"/>
+            </a:solidFill>
+          </a:ln>
         </p:spPr>
       </p:pic>
       <p:pic>
         <p:nvPicPr>
-          <p:cNvPr id="5" name="Picture 4"/>
+          <p:cNvPr id="14" name="Picture 13"/>
           <p:cNvPicPr>
             <a:picLocks noChangeAspect="1"/>
           </p:cNvPicPr>
@@ -33232,24 +34068,35 @@
         </p:blipFill>
         <p:spPr>
           <a:xfrm>
-            <a:off x="128672" y="1508227"/>
-            <a:ext cx="2774305" cy="3623582"/>
+            <a:off x="8537183" y="1556478"/>
+            <a:ext cx="2971338" cy="3623582"/>
           </a:xfrm>
           <a:prstGeom prst="rect">
             <a:avLst/>
           </a:prstGeom>
+          <a:ln w="12700">
+            <a:solidFill>
+              <a:schemeClr val="tx1"/>
+            </a:solidFill>
+          </a:ln>
         </p:spPr>
       </p:pic>
       <p:pic>
         <p:nvPicPr>
-          <p:cNvPr id="13" name="Picture 12"/>
+          <p:cNvPr id="6" name="Picture 5" descr="A picture containing dress, black, wearing, man&#10;&#10;Description automatically generated">
+            <a:extLst>
+              <a:ext uri="{FF2B5EF4-FFF2-40B4-BE49-F238E27FC236}">
+                <a16:creationId xmlns:a16="http://schemas.microsoft.com/office/drawing/2014/main" id="{DCD21BBB-77E9-47C5-B50D-12FC970E3604}"/>
+              </a:ext>
+            </a:extLst>
+          </p:cNvPr>
           <p:cNvPicPr>
             <a:picLocks noChangeAspect="1"/>
           </p:cNvPicPr>
           <p:nvPr/>
         </p:nvPicPr>
         <p:blipFill>
-          <a:blip r:embed="rId5">
+          <a:blip r:embed="rId5" cstate="print">
             <a:extLst>
               <a:ext uri="{28A0092B-C50C-407E-A947-70E740481C1C}">
                 <a14:useLocalDpi xmlns:a14="http://schemas.microsoft.com/office/drawing/2010/main" val="0"/>
@@ -33262,42 +34109,17 @@
         </p:blipFill>
         <p:spPr>
           <a:xfrm>
-            <a:off x="3060778" y="1508227"/>
-            <a:ext cx="2728871" cy="3623582"/>
+            <a:off x="4648959" y="1550399"/>
+            <a:ext cx="2894082" cy="3629661"/>
           </a:xfrm>
           <a:prstGeom prst="rect">
             <a:avLst/>
           </a:prstGeom>
-        </p:spPr>
-      </p:pic>
-      <p:pic>
-        <p:nvPicPr>
-          <p:cNvPr id="14" name="Picture 13"/>
-          <p:cNvPicPr>
-            <a:picLocks noChangeAspect="1"/>
-          </p:cNvPicPr>
-          <p:nvPr/>
-        </p:nvPicPr>
-        <p:blipFill>
-          <a:blip r:embed="rId6">
-            <a:extLst>
-              <a:ext uri="{28A0092B-C50C-407E-A947-70E740481C1C}">
-                <a14:useLocalDpi xmlns:a14="http://schemas.microsoft.com/office/drawing/2010/main" val="0"/>
-              </a:ext>
-            </a:extLst>
-          </a:blip>
-          <a:stretch>
-            <a:fillRect/>
-          </a:stretch>
-        </p:blipFill>
-        <p:spPr>
-          <a:xfrm>
-            <a:off x="8999040" y="1542245"/>
-            <a:ext cx="2971338" cy="3623582"/>
-          </a:xfrm>
-          <a:prstGeom prst="rect">
-            <a:avLst/>
-          </a:prstGeom>
+          <a:ln w="12700">
+            <a:solidFill>
+              <a:schemeClr val="tx1"/>
+            </a:solidFill>
+          </a:ln>
         </p:spPr>
       </p:pic>
     </p:spTree>
